--- a/Java_study/Lecture05.pptx
+++ b/Java_study/Lecture05.pptx
@@ -5,64 +5,64 @@
     <p:sldMasterId id="2147483648" r:id="rId1"/>
   </p:sldMasterIdLst>
   <p:notesMasterIdLst>
-    <p:notesMasterId r:id="rId4"/>
+    <p:notesMasterId r:id="rId57"/>
   </p:notesMasterIdLst>
   <p:sldIdLst>
-    <p:sldId id="256" r:id="rId3"/>
-    <p:sldId id="449" r:id="rId5"/>
-    <p:sldId id="450" r:id="rId6"/>
-    <p:sldId id="458" r:id="rId7"/>
-    <p:sldId id="451" r:id="rId8"/>
-    <p:sldId id="437" r:id="rId9"/>
-    <p:sldId id="438" r:id="rId10"/>
-    <p:sldId id="439" r:id="rId11"/>
-    <p:sldId id="440" r:id="rId12"/>
-    <p:sldId id="441" r:id="rId13"/>
-    <p:sldId id="454" r:id="rId14"/>
-    <p:sldId id="429" r:id="rId15"/>
-    <p:sldId id="430" r:id="rId16"/>
-    <p:sldId id="431" r:id="rId17"/>
-    <p:sldId id="455" r:id="rId18"/>
-    <p:sldId id="424" r:id="rId19"/>
-    <p:sldId id="420" r:id="rId20"/>
-    <p:sldId id="422" r:id="rId21"/>
-    <p:sldId id="307" r:id="rId22"/>
-    <p:sldId id="312" r:id="rId23"/>
-    <p:sldId id="313" r:id="rId24"/>
-    <p:sldId id="310" r:id="rId25"/>
-    <p:sldId id="456" r:id="rId26"/>
-    <p:sldId id="281" r:id="rId27"/>
-    <p:sldId id="282" r:id="rId28"/>
-    <p:sldId id="283" r:id="rId29"/>
-    <p:sldId id="315" r:id="rId30"/>
-    <p:sldId id="257" r:id="rId31"/>
-    <p:sldId id="319" r:id="rId32"/>
-    <p:sldId id="324" r:id="rId33"/>
-    <p:sldId id="322" r:id="rId34"/>
-    <p:sldId id="321" r:id="rId35"/>
-    <p:sldId id="326" r:id="rId36"/>
-    <p:sldId id="327" r:id="rId37"/>
-    <p:sldId id="269" r:id="rId38"/>
-    <p:sldId id="270" r:id="rId39"/>
-    <p:sldId id="457" r:id="rId40"/>
-    <p:sldId id="333" r:id="rId41"/>
-    <p:sldId id="334" r:id="rId42"/>
-    <p:sldId id="330" r:id="rId43"/>
-    <p:sldId id="331" r:id="rId44"/>
-    <p:sldId id="272" r:id="rId45"/>
-    <p:sldId id="273" r:id="rId46"/>
-    <p:sldId id="329" r:id="rId47"/>
-    <p:sldId id="344" r:id="rId48"/>
-    <p:sldId id="279" r:id="rId49"/>
-    <p:sldId id="285" r:id="rId50"/>
-    <p:sldId id="336" r:id="rId51"/>
-    <p:sldId id="337" r:id="rId52"/>
-    <p:sldId id="339" r:id="rId53"/>
-    <p:sldId id="287" r:id="rId54"/>
-    <p:sldId id="340" r:id="rId55"/>
-    <p:sldId id="341" r:id="rId56"/>
-    <p:sldId id="294" r:id="rId57"/>
-    <p:sldId id="295" r:id="rId58"/>
+    <p:sldId id="256" r:id="rId2"/>
+    <p:sldId id="449" r:id="rId3"/>
+    <p:sldId id="450" r:id="rId4"/>
+    <p:sldId id="458" r:id="rId5"/>
+    <p:sldId id="451" r:id="rId6"/>
+    <p:sldId id="437" r:id="rId7"/>
+    <p:sldId id="438" r:id="rId8"/>
+    <p:sldId id="439" r:id="rId9"/>
+    <p:sldId id="440" r:id="rId10"/>
+    <p:sldId id="441" r:id="rId11"/>
+    <p:sldId id="454" r:id="rId12"/>
+    <p:sldId id="429" r:id="rId13"/>
+    <p:sldId id="430" r:id="rId14"/>
+    <p:sldId id="431" r:id="rId15"/>
+    <p:sldId id="455" r:id="rId16"/>
+    <p:sldId id="424" r:id="rId17"/>
+    <p:sldId id="420" r:id="rId18"/>
+    <p:sldId id="422" r:id="rId19"/>
+    <p:sldId id="307" r:id="rId20"/>
+    <p:sldId id="312" r:id="rId21"/>
+    <p:sldId id="313" r:id="rId22"/>
+    <p:sldId id="310" r:id="rId23"/>
+    <p:sldId id="456" r:id="rId24"/>
+    <p:sldId id="281" r:id="rId25"/>
+    <p:sldId id="282" r:id="rId26"/>
+    <p:sldId id="283" r:id="rId27"/>
+    <p:sldId id="315" r:id="rId28"/>
+    <p:sldId id="257" r:id="rId29"/>
+    <p:sldId id="319" r:id="rId30"/>
+    <p:sldId id="324" r:id="rId31"/>
+    <p:sldId id="322" r:id="rId32"/>
+    <p:sldId id="321" r:id="rId33"/>
+    <p:sldId id="326" r:id="rId34"/>
+    <p:sldId id="327" r:id="rId35"/>
+    <p:sldId id="269" r:id="rId36"/>
+    <p:sldId id="270" r:id="rId37"/>
+    <p:sldId id="457" r:id="rId38"/>
+    <p:sldId id="333" r:id="rId39"/>
+    <p:sldId id="334" r:id="rId40"/>
+    <p:sldId id="330" r:id="rId41"/>
+    <p:sldId id="331" r:id="rId42"/>
+    <p:sldId id="272" r:id="rId43"/>
+    <p:sldId id="273" r:id="rId44"/>
+    <p:sldId id="329" r:id="rId45"/>
+    <p:sldId id="344" r:id="rId46"/>
+    <p:sldId id="279" r:id="rId47"/>
+    <p:sldId id="285" r:id="rId48"/>
+    <p:sldId id="336" r:id="rId49"/>
+    <p:sldId id="337" r:id="rId50"/>
+    <p:sldId id="339" r:id="rId51"/>
+    <p:sldId id="287" r:id="rId52"/>
+    <p:sldId id="340" r:id="rId53"/>
+    <p:sldId id="341" r:id="rId54"/>
+    <p:sldId id="294" r:id="rId55"/>
+    <p:sldId id="295" r:id="rId56"/>
   </p:sldIdLst>
   <p:sldSz cx="9144000" cy="6858000" type="screen4x3"/>
   <p:notesSz cx="6858000" cy="9144000"/>
@@ -161,6 +161,22 @@
       </a:defRPr>
     </a:lvl9pPr>
   </p:defaultTextStyle>
+  <p:extLst>
+    <p:ext uri="{EFAFB233-063F-42B5-8137-9DF3F51BA10A}">
+      <p15:sldGuideLst xmlns:p15="http://schemas.microsoft.com/office/powerpoint/2012/main">
+        <p15:guide id="1" orient="horz" pos="2160">
+          <p15:clr>
+            <a:srgbClr val="A4A3A4"/>
+          </p15:clr>
+        </p15:guide>
+        <p15:guide id="2" pos="2880">
+          <p15:clr>
+            <a:srgbClr val="A4A3A4"/>
+          </p15:clr>
+        </p15:guide>
+      </p15:sldGuideLst>
+    </p:ext>
+  </p:extLst>
 </p:presentation>
 </file>
 
@@ -246,6 +262,7 @@
           <a:p>
             <a:fld id="{5CB665E9-F2AE-4D18-9C6F-3C50487B17B6}" type="datetimeFigureOut">
               <a:rPr lang="zh-CN" altLang="en-US" smtClean="0"/>
+              <a:t>2021/6/3</a:t>
             </a:fld>
             <a:endParaRPr lang="zh-CN" altLang="en-US"/>
           </a:p>
@@ -312,7 +329,6 @@
               <a:rPr lang="zh-CN" altLang="en-US"/>
               <a:t>单击此处编辑母版文本样式</a:t>
             </a:r>
-            <a:endParaRPr lang="zh-CN" altLang="en-US"/>
           </a:p>
           <a:p>
             <a:pPr lvl="1"/>
@@ -320,7 +336,6 @@
               <a:rPr lang="zh-CN" altLang="en-US"/>
               <a:t>第二级</a:t>
             </a:r>
-            <a:endParaRPr lang="zh-CN" altLang="en-US"/>
           </a:p>
           <a:p>
             <a:pPr lvl="2"/>
@@ -328,7 +343,6 @@
               <a:rPr lang="zh-CN" altLang="en-US"/>
               <a:t>第三级</a:t>
             </a:r>
-            <a:endParaRPr lang="zh-CN" altLang="en-US"/>
           </a:p>
           <a:p>
             <a:pPr lvl="3"/>
@@ -336,7 +350,6 @@
               <a:rPr lang="zh-CN" altLang="en-US"/>
               <a:t>第四级</a:t>
             </a:r>
-            <a:endParaRPr lang="zh-CN" altLang="en-US"/>
           </a:p>
           <a:p>
             <a:pPr lvl="4"/>
@@ -344,7 +357,6 @@
               <a:rPr lang="zh-CN" altLang="en-US"/>
               <a:t>第五级</a:t>
             </a:r>
-            <a:endParaRPr lang="zh-CN" altLang="en-US"/>
           </a:p>
         </p:txBody>
       </p:sp>
@@ -408,6 +420,7 @@
           <a:p>
             <a:fld id="{B14EA338-E04F-4CB7-8733-A1E92CBF4988}" type="slidenum">
               <a:rPr lang="zh-CN" altLang="en-US" smtClean="0"/>
+              <a:t>‹#›</a:t>
             </a:fld>
             <a:endParaRPr lang="zh-CN" altLang="en-US"/>
           </a:p>
@@ -576,6 +589,7 @@
           <a:p>
             <a:fld id="{B14EA338-E04F-4CB7-8733-A1E92CBF4988}" type="slidenum">
               <a:rPr lang="zh-CN" altLang="en-US" smtClean="0"/>
+              <a:t>0</a:t>
             </a:fld>
             <a:endParaRPr lang="zh-CN" altLang="en-US"/>
           </a:p>
@@ -761,6 +775,7 @@
           <a:p>
             <a:fld id="{5AA2A74D-1CE1-4B9B-BD1B-7B4E64946170}" type="datetime1">
               <a:rPr lang="zh-CN" altLang="en-US" smtClean="0"/>
+              <a:t>2021/6/3</a:t>
             </a:fld>
             <a:endParaRPr lang="zh-CN" altLang="en-US"/>
           </a:p>
@@ -802,6 +817,7 @@
           <a:p>
             <a:fld id="{0C913308-F349-4B6D-A68A-DD1791B4A57B}" type="slidenum">
               <a:rPr lang="zh-CN" altLang="en-US" smtClean="0"/>
+              <a:t>‹#›</a:t>
             </a:fld>
             <a:endParaRPr lang="zh-CN" altLang="en-US"/>
           </a:p>
@@ -875,7 +891,6 @@
               <a:rPr lang="zh-CN" altLang="en-US"/>
               <a:t>单击此处编辑母版文本样式</a:t>
             </a:r>
-            <a:endParaRPr lang="zh-CN" altLang="en-US"/>
           </a:p>
           <a:p>
             <a:pPr lvl="1" eaLnBrk="1" latinLnBrk="0" hangingPunct="1"/>
@@ -883,7 +898,6 @@
               <a:rPr lang="zh-CN" altLang="en-US"/>
               <a:t>第二级</a:t>
             </a:r>
-            <a:endParaRPr lang="zh-CN" altLang="en-US"/>
           </a:p>
           <a:p>
             <a:pPr lvl="2" eaLnBrk="1" latinLnBrk="0" hangingPunct="1"/>
@@ -891,7 +905,6 @@
               <a:rPr lang="zh-CN" altLang="en-US"/>
               <a:t>第三级</a:t>
             </a:r>
-            <a:endParaRPr lang="zh-CN" altLang="en-US"/>
           </a:p>
           <a:p>
             <a:pPr lvl="3" eaLnBrk="1" latinLnBrk="0" hangingPunct="1"/>
@@ -899,7 +912,6 @@
               <a:rPr lang="zh-CN" altLang="en-US"/>
               <a:t>第四级</a:t>
             </a:r>
-            <a:endParaRPr lang="zh-CN" altLang="en-US"/>
           </a:p>
           <a:p>
             <a:pPr lvl="4" eaLnBrk="1" latinLnBrk="0" hangingPunct="1"/>
@@ -928,6 +940,7 @@
           <a:p>
             <a:fld id="{A7B0034A-9ED6-436B-A844-CF55608510AA}" type="datetime1">
               <a:rPr lang="zh-CN" altLang="en-US" smtClean="0"/>
+              <a:t>2021/6/3</a:t>
             </a:fld>
             <a:endParaRPr lang="zh-CN" altLang="en-US"/>
           </a:p>
@@ -969,6 +982,7 @@
           <a:p>
             <a:fld id="{0C913308-F349-4B6D-A68A-DD1791B4A57B}" type="slidenum">
               <a:rPr lang="zh-CN" altLang="en-US" smtClean="0"/>
+              <a:t>‹#›</a:t>
             </a:fld>
             <a:endParaRPr lang="zh-CN" altLang="en-US"/>
           </a:p>
@@ -1052,7 +1066,6 @@
               <a:rPr lang="zh-CN" altLang="en-US"/>
               <a:t>单击此处编辑母版文本样式</a:t>
             </a:r>
-            <a:endParaRPr lang="zh-CN" altLang="en-US"/>
           </a:p>
           <a:p>
             <a:pPr lvl="1" eaLnBrk="1" latinLnBrk="0" hangingPunct="1"/>
@@ -1060,7 +1073,6 @@
               <a:rPr lang="zh-CN" altLang="en-US"/>
               <a:t>第二级</a:t>
             </a:r>
-            <a:endParaRPr lang="zh-CN" altLang="en-US"/>
           </a:p>
           <a:p>
             <a:pPr lvl="2" eaLnBrk="1" latinLnBrk="0" hangingPunct="1"/>
@@ -1068,7 +1080,6 @@
               <a:rPr lang="zh-CN" altLang="en-US"/>
               <a:t>第三级</a:t>
             </a:r>
-            <a:endParaRPr lang="zh-CN" altLang="en-US"/>
           </a:p>
           <a:p>
             <a:pPr lvl="3" eaLnBrk="1" latinLnBrk="0" hangingPunct="1"/>
@@ -1076,7 +1087,6 @@
               <a:rPr lang="zh-CN" altLang="en-US"/>
               <a:t>第四级</a:t>
             </a:r>
-            <a:endParaRPr lang="zh-CN" altLang="en-US"/>
           </a:p>
           <a:p>
             <a:pPr lvl="4" eaLnBrk="1" latinLnBrk="0" hangingPunct="1"/>
@@ -1105,6 +1115,7 @@
           <a:p>
             <a:fld id="{77DF2CA5-881F-48A3-9C4B-D3B7288C0E51}" type="datetime1">
               <a:rPr lang="zh-CN" altLang="en-US" smtClean="0"/>
+              <a:t>2021/6/3</a:t>
             </a:fld>
             <a:endParaRPr lang="zh-CN" altLang="en-US"/>
           </a:p>
@@ -1146,6 +1157,7 @@
           <a:p>
             <a:fld id="{0C913308-F349-4B6D-A68A-DD1791B4A57B}" type="slidenum">
               <a:rPr lang="zh-CN" altLang="en-US" smtClean="0"/>
+              <a:t>‹#›</a:t>
             </a:fld>
             <a:endParaRPr lang="zh-CN" altLang="en-US"/>
           </a:p>
@@ -1219,7 +1231,6 @@
               <a:rPr lang="zh-CN" altLang="en-US"/>
               <a:t>单击此处编辑母版文本样式</a:t>
             </a:r>
-            <a:endParaRPr lang="zh-CN" altLang="en-US"/>
           </a:p>
           <a:p>
             <a:pPr lvl="1" eaLnBrk="1" latinLnBrk="0" hangingPunct="1"/>
@@ -1227,7 +1238,6 @@
               <a:rPr lang="zh-CN" altLang="en-US"/>
               <a:t>第二级</a:t>
             </a:r>
-            <a:endParaRPr lang="zh-CN" altLang="en-US"/>
           </a:p>
           <a:p>
             <a:pPr lvl="2" eaLnBrk="1" latinLnBrk="0" hangingPunct="1"/>
@@ -1235,7 +1245,6 @@
               <a:rPr lang="zh-CN" altLang="en-US"/>
               <a:t>第三级</a:t>
             </a:r>
-            <a:endParaRPr lang="zh-CN" altLang="en-US"/>
           </a:p>
           <a:p>
             <a:pPr lvl="3" eaLnBrk="1" latinLnBrk="0" hangingPunct="1"/>
@@ -1243,7 +1252,6 @@
               <a:rPr lang="zh-CN" altLang="en-US"/>
               <a:t>第四级</a:t>
             </a:r>
-            <a:endParaRPr lang="zh-CN" altLang="en-US"/>
           </a:p>
           <a:p>
             <a:pPr lvl="4" eaLnBrk="1" latinLnBrk="0" hangingPunct="1"/>
@@ -1272,6 +1280,7 @@
           <a:p>
             <a:fld id="{95736E00-DF08-4EA8-BA4E-A834B8FFB5BF}" type="datetime1">
               <a:rPr lang="zh-CN" altLang="en-US" smtClean="0"/>
+              <a:t>2021/6/3</a:t>
             </a:fld>
             <a:endParaRPr lang="zh-CN" altLang="en-US"/>
           </a:p>
@@ -1317,6 +1326,7 @@
           <a:p>
             <a:fld id="{0C913308-F349-4B6D-A68A-DD1791B4A57B}" type="slidenum">
               <a:rPr lang="zh-CN" altLang="en-US" smtClean="0"/>
+              <a:t>‹#›</a:t>
             </a:fld>
             <a:endParaRPr lang="zh-CN" altLang="en-US" dirty="0"/>
           </a:p>
@@ -1491,7 +1501,6 @@
               <a:rPr kumimoji="0" lang="zh-CN" altLang="en-US"/>
               <a:t>单击此处编辑母版文本样式</a:t>
             </a:r>
-            <a:endParaRPr kumimoji="0" lang="zh-CN" altLang="en-US"/>
           </a:p>
         </p:txBody>
       </p:sp>
@@ -1512,6 +1521,7 @@
           <a:p>
             <a:fld id="{0C0DB218-6411-4DD1-B7AE-318AD44DC881}" type="datetime1">
               <a:rPr lang="zh-CN" altLang="en-US" smtClean="0"/>
+              <a:t>2021/6/3</a:t>
             </a:fld>
             <a:endParaRPr lang="zh-CN" altLang="en-US"/>
           </a:p>
@@ -1553,6 +1563,7 @@
           <a:p>
             <a:fld id="{0C913308-F349-4B6D-A68A-DD1791B4A57B}" type="slidenum">
               <a:rPr lang="zh-CN" altLang="en-US" smtClean="0"/>
+              <a:t>‹#›</a:t>
             </a:fld>
             <a:endParaRPr lang="zh-CN" altLang="en-US"/>
           </a:p>
@@ -1652,7 +1663,6 @@
               <a:rPr lang="zh-CN" altLang="en-US"/>
               <a:t>单击此处编辑母版文本样式</a:t>
             </a:r>
-            <a:endParaRPr lang="zh-CN" altLang="en-US"/>
           </a:p>
           <a:p>
             <a:pPr lvl="1" eaLnBrk="1" latinLnBrk="0" hangingPunct="1"/>
@@ -1660,7 +1670,6 @@
               <a:rPr lang="zh-CN" altLang="en-US"/>
               <a:t>第二级</a:t>
             </a:r>
-            <a:endParaRPr lang="zh-CN" altLang="en-US"/>
           </a:p>
           <a:p>
             <a:pPr lvl="2" eaLnBrk="1" latinLnBrk="0" hangingPunct="1"/>
@@ -1668,7 +1677,6 @@
               <a:rPr lang="zh-CN" altLang="en-US"/>
               <a:t>第三级</a:t>
             </a:r>
-            <a:endParaRPr lang="zh-CN" altLang="en-US"/>
           </a:p>
           <a:p>
             <a:pPr lvl="3" eaLnBrk="1" latinLnBrk="0" hangingPunct="1"/>
@@ -1676,7 +1684,6 @@
               <a:rPr lang="zh-CN" altLang="en-US"/>
               <a:t>第四级</a:t>
             </a:r>
-            <a:endParaRPr lang="zh-CN" altLang="en-US"/>
           </a:p>
           <a:p>
             <a:pPr lvl="4" eaLnBrk="1" latinLnBrk="0" hangingPunct="1"/>
@@ -1729,7 +1736,6 @@
               <a:rPr lang="zh-CN" altLang="en-US"/>
               <a:t>单击此处编辑母版文本样式</a:t>
             </a:r>
-            <a:endParaRPr lang="zh-CN" altLang="en-US"/>
           </a:p>
           <a:p>
             <a:pPr lvl="1" eaLnBrk="1" latinLnBrk="0" hangingPunct="1"/>
@@ -1737,7 +1743,6 @@
               <a:rPr lang="zh-CN" altLang="en-US"/>
               <a:t>第二级</a:t>
             </a:r>
-            <a:endParaRPr lang="zh-CN" altLang="en-US"/>
           </a:p>
           <a:p>
             <a:pPr lvl="2" eaLnBrk="1" latinLnBrk="0" hangingPunct="1"/>
@@ -1745,7 +1750,6 @@
               <a:rPr lang="zh-CN" altLang="en-US"/>
               <a:t>第三级</a:t>
             </a:r>
-            <a:endParaRPr lang="zh-CN" altLang="en-US"/>
           </a:p>
           <a:p>
             <a:pPr lvl="3" eaLnBrk="1" latinLnBrk="0" hangingPunct="1"/>
@@ -1753,7 +1757,6 @@
               <a:rPr lang="zh-CN" altLang="en-US"/>
               <a:t>第四级</a:t>
             </a:r>
-            <a:endParaRPr lang="zh-CN" altLang="en-US"/>
           </a:p>
           <a:p>
             <a:pPr lvl="4" eaLnBrk="1" latinLnBrk="0" hangingPunct="1"/>
@@ -1782,6 +1785,7 @@
           <a:p>
             <a:fld id="{FC540928-C6FC-4E8C-950F-B3D211B00150}" type="datetime1">
               <a:rPr lang="zh-CN" altLang="en-US" smtClean="0"/>
+              <a:t>2021/6/3</a:t>
             </a:fld>
             <a:endParaRPr lang="zh-CN" altLang="en-US"/>
           </a:p>
@@ -1823,6 +1827,7 @@
           <a:p>
             <a:fld id="{0C913308-F349-4B6D-A68A-DD1791B4A57B}" type="slidenum">
               <a:rPr lang="zh-CN" altLang="en-US" smtClean="0"/>
+              <a:t>‹#›</a:t>
             </a:fld>
             <a:endParaRPr lang="zh-CN" altLang="en-US"/>
           </a:p>
@@ -1938,7 +1943,6 @@
               <a:rPr kumimoji="0" lang="zh-CN" altLang="en-US"/>
               <a:t>单击此处编辑母版文本样式</a:t>
             </a:r>
-            <a:endParaRPr kumimoji="0" lang="zh-CN" altLang="en-US"/>
           </a:p>
         </p:txBody>
       </p:sp>
@@ -1993,7 +1997,6 @@
               <a:rPr kumimoji="0" lang="zh-CN" altLang="en-US"/>
               <a:t>单击此处编辑母版文本样式</a:t>
             </a:r>
-            <a:endParaRPr kumimoji="0" lang="zh-CN" altLang="en-US"/>
           </a:p>
         </p:txBody>
       </p:sp>
@@ -2038,7 +2041,6 @@
               <a:rPr lang="zh-CN" altLang="en-US"/>
               <a:t>单击此处编辑母版文本样式</a:t>
             </a:r>
-            <a:endParaRPr lang="zh-CN" altLang="en-US"/>
           </a:p>
           <a:p>
             <a:pPr lvl="1" eaLnBrk="1" latinLnBrk="0" hangingPunct="1"/>
@@ -2046,7 +2048,6 @@
               <a:rPr lang="zh-CN" altLang="en-US"/>
               <a:t>第二级</a:t>
             </a:r>
-            <a:endParaRPr lang="zh-CN" altLang="en-US"/>
           </a:p>
           <a:p>
             <a:pPr lvl="2" eaLnBrk="1" latinLnBrk="0" hangingPunct="1"/>
@@ -2054,7 +2055,6 @@
               <a:rPr lang="zh-CN" altLang="en-US"/>
               <a:t>第三级</a:t>
             </a:r>
-            <a:endParaRPr lang="zh-CN" altLang="en-US"/>
           </a:p>
           <a:p>
             <a:pPr lvl="3" eaLnBrk="1" latinLnBrk="0" hangingPunct="1"/>
@@ -2062,7 +2062,6 @@
               <a:rPr lang="zh-CN" altLang="en-US"/>
               <a:t>第四级</a:t>
             </a:r>
-            <a:endParaRPr lang="zh-CN" altLang="en-US"/>
           </a:p>
           <a:p>
             <a:pPr lvl="4" eaLnBrk="1" latinLnBrk="0" hangingPunct="1"/>
@@ -2115,7 +2114,6 @@
               <a:rPr lang="zh-CN" altLang="en-US"/>
               <a:t>单击此处编辑母版文本样式</a:t>
             </a:r>
-            <a:endParaRPr lang="zh-CN" altLang="en-US"/>
           </a:p>
           <a:p>
             <a:pPr lvl="1" eaLnBrk="1" latinLnBrk="0" hangingPunct="1"/>
@@ -2123,7 +2121,6 @@
               <a:rPr lang="zh-CN" altLang="en-US"/>
               <a:t>第二级</a:t>
             </a:r>
-            <a:endParaRPr lang="zh-CN" altLang="en-US"/>
           </a:p>
           <a:p>
             <a:pPr lvl="2" eaLnBrk="1" latinLnBrk="0" hangingPunct="1"/>
@@ -2131,7 +2128,6 @@
               <a:rPr lang="zh-CN" altLang="en-US"/>
               <a:t>第三级</a:t>
             </a:r>
-            <a:endParaRPr lang="zh-CN" altLang="en-US"/>
           </a:p>
           <a:p>
             <a:pPr lvl="3" eaLnBrk="1" latinLnBrk="0" hangingPunct="1"/>
@@ -2139,7 +2135,6 @@
               <a:rPr lang="zh-CN" altLang="en-US"/>
               <a:t>第四级</a:t>
             </a:r>
-            <a:endParaRPr lang="zh-CN" altLang="en-US"/>
           </a:p>
           <a:p>
             <a:pPr lvl="4" eaLnBrk="1" latinLnBrk="0" hangingPunct="1"/>
@@ -2168,6 +2163,7 @@
           <a:p>
             <a:fld id="{74D39C8C-96D9-4394-868C-B1E39B85B4B1}" type="datetime1">
               <a:rPr lang="zh-CN" altLang="en-US" smtClean="0"/>
+              <a:t>2021/6/3</a:t>
             </a:fld>
             <a:endParaRPr lang="zh-CN" altLang="en-US"/>
           </a:p>
@@ -2209,6 +2205,7 @@
           <a:p>
             <a:fld id="{0C913308-F349-4B6D-A68A-DD1791B4A57B}" type="slidenum">
               <a:rPr lang="zh-CN" altLang="en-US" smtClean="0"/>
+              <a:t>‹#›</a:t>
             </a:fld>
             <a:endParaRPr lang="zh-CN" altLang="en-US"/>
           </a:p>
@@ -2316,6 +2313,7 @@
           <a:p>
             <a:fld id="{035E8154-2480-4261-945F-FAEE5534B257}" type="datetime1">
               <a:rPr lang="zh-CN" altLang="en-US" smtClean="0"/>
+              <a:t>2021/6/3</a:t>
             </a:fld>
             <a:endParaRPr lang="zh-CN" altLang="en-US"/>
           </a:p>
@@ -2357,6 +2355,7 @@
           <a:p>
             <a:fld id="{0C913308-F349-4B6D-A68A-DD1791B4A57B}" type="slidenum">
               <a:rPr lang="zh-CN" altLang="en-US" smtClean="0"/>
+              <a:t>‹#›</a:t>
             </a:fld>
             <a:endParaRPr lang="zh-CN" altLang="en-US"/>
           </a:p>
@@ -2404,6 +2403,7 @@
           <a:p>
             <a:fld id="{549E2BDE-545B-4B41-B087-79F4837C2AA0}" type="datetime1">
               <a:rPr lang="zh-CN" altLang="en-US" smtClean="0"/>
+              <a:t>2021/6/3</a:t>
             </a:fld>
             <a:endParaRPr lang="zh-CN" altLang="en-US"/>
           </a:p>
@@ -2445,6 +2445,7 @@
           <a:p>
             <a:fld id="{0C913308-F349-4B6D-A68A-DD1791B4A57B}" type="slidenum">
               <a:rPr lang="zh-CN" altLang="en-US" smtClean="0"/>
+              <a:t>‹#›</a:t>
             </a:fld>
             <a:endParaRPr lang="zh-CN" altLang="en-US"/>
           </a:p>
@@ -2570,7 +2571,6 @@
               <a:rPr kumimoji="0" lang="zh-CN" altLang="en-US"/>
               <a:t>单击此处编辑母版文本样式</a:t>
             </a:r>
-            <a:endParaRPr kumimoji="0" lang="zh-CN" altLang="en-US"/>
           </a:p>
         </p:txBody>
       </p:sp>
@@ -2615,7 +2615,6 @@
               <a:rPr lang="zh-CN" altLang="en-US"/>
               <a:t>单击此处编辑母版文本样式</a:t>
             </a:r>
-            <a:endParaRPr lang="zh-CN" altLang="en-US"/>
           </a:p>
           <a:p>
             <a:pPr lvl="1" eaLnBrk="1" latinLnBrk="0" hangingPunct="1"/>
@@ -2623,7 +2622,6 @@
               <a:rPr lang="zh-CN" altLang="en-US"/>
               <a:t>第二级</a:t>
             </a:r>
-            <a:endParaRPr lang="zh-CN" altLang="en-US"/>
           </a:p>
           <a:p>
             <a:pPr lvl="2" eaLnBrk="1" latinLnBrk="0" hangingPunct="1"/>
@@ -2631,7 +2629,6 @@
               <a:rPr lang="zh-CN" altLang="en-US"/>
               <a:t>第三级</a:t>
             </a:r>
-            <a:endParaRPr lang="zh-CN" altLang="en-US"/>
           </a:p>
           <a:p>
             <a:pPr lvl="3" eaLnBrk="1" latinLnBrk="0" hangingPunct="1"/>
@@ -2639,7 +2636,6 @@
               <a:rPr lang="zh-CN" altLang="en-US"/>
               <a:t>第四级</a:t>
             </a:r>
-            <a:endParaRPr lang="zh-CN" altLang="en-US"/>
           </a:p>
           <a:p>
             <a:pPr lvl="4" eaLnBrk="1" latinLnBrk="0" hangingPunct="1"/>
@@ -2668,6 +2664,7 @@
           <a:p>
             <a:fld id="{DCDA131E-7834-4060-80D4-7D402E1012F7}" type="datetime1">
               <a:rPr lang="zh-CN" altLang="en-US" smtClean="0"/>
+              <a:t>2021/6/3</a:t>
             </a:fld>
             <a:endParaRPr lang="zh-CN" altLang="en-US"/>
           </a:p>
@@ -2709,6 +2706,7 @@
           <a:p>
             <a:fld id="{0C913308-F349-4B6D-A68A-DD1791B4A57B}" type="slidenum">
               <a:rPr lang="zh-CN" altLang="en-US" smtClean="0"/>
+              <a:t>‹#›</a:t>
             </a:fld>
             <a:endParaRPr lang="zh-CN" altLang="en-US"/>
           </a:p>
@@ -2934,7 +2932,6 @@
               <a:rPr kumimoji="0" lang="zh-CN" altLang="en-US"/>
               <a:t>单击此处编辑母版文本样式</a:t>
             </a:r>
-            <a:endParaRPr kumimoji="0" lang="zh-CN" altLang="en-US"/>
           </a:p>
         </p:txBody>
       </p:sp>
@@ -2955,6 +2952,7 @@
           <a:p>
             <a:fld id="{5CCC9729-56FD-4A92-9A9B-8F9B114A0830}" type="datetime1">
               <a:rPr lang="zh-CN" altLang="en-US" smtClean="0"/>
+              <a:t>2021/6/3</a:t>
             </a:fld>
             <a:endParaRPr lang="zh-CN" altLang="en-US"/>
           </a:p>
@@ -3001,6 +2999,7 @@
           <a:p>
             <a:fld id="{0C913308-F349-4B6D-A68A-DD1791B4A57B}" type="slidenum">
               <a:rPr lang="zh-CN" altLang="en-US" smtClean="0"/>
+              <a:t>‹#›</a:t>
             </a:fld>
             <a:endParaRPr lang="zh-CN" altLang="en-US"/>
           </a:p>
@@ -3652,7 +3651,6 @@
               <a:rPr kumimoji="0" lang="zh-CN" altLang="en-US" dirty="0"/>
               <a:t>单击此处编辑母版文本样式</a:t>
             </a:r>
-            <a:endParaRPr kumimoji="0" lang="zh-CN" altLang="en-US" dirty="0"/>
           </a:p>
           <a:p>
             <a:pPr lvl="1" eaLnBrk="1" latinLnBrk="0" hangingPunct="1"/>
@@ -3660,7 +3658,6 @@
               <a:rPr kumimoji="0" lang="zh-CN" altLang="en-US" dirty="0"/>
               <a:t>第二级</a:t>
             </a:r>
-            <a:endParaRPr kumimoji="0" lang="zh-CN" altLang="en-US" dirty="0"/>
           </a:p>
           <a:p>
             <a:pPr lvl="2" eaLnBrk="1" latinLnBrk="0" hangingPunct="1"/>
@@ -3668,7 +3665,6 @@
               <a:rPr kumimoji="0" lang="zh-CN" altLang="en-US" dirty="0"/>
               <a:t>第三级</a:t>
             </a:r>
-            <a:endParaRPr kumimoji="0" lang="zh-CN" altLang="en-US" dirty="0"/>
           </a:p>
           <a:p>
             <a:pPr lvl="3" eaLnBrk="1" latinLnBrk="0" hangingPunct="1"/>
@@ -3676,7 +3672,6 @@
               <a:rPr kumimoji="0" lang="zh-CN" altLang="en-US" dirty="0"/>
               <a:t>第四级</a:t>
             </a:r>
-            <a:endParaRPr kumimoji="0" lang="zh-CN" altLang="en-US" dirty="0"/>
           </a:p>
           <a:p>
             <a:pPr lvl="4" eaLnBrk="1" latinLnBrk="0" hangingPunct="1"/>
@@ -3723,6 +3718,7 @@
           <a:p>
             <a:fld id="{7E2032B8-BD5C-48B0-AE7B-74B3D4C0660F}" type="datetime1">
               <a:rPr lang="zh-CN" altLang="en-US" smtClean="0"/>
+              <a:t>2021/6/3</a:t>
             </a:fld>
             <a:endParaRPr lang="zh-CN" altLang="en-US"/>
           </a:p>
@@ -3800,6 +3796,7 @@
           <a:p>
             <a:fld id="{0C913308-F349-4B6D-A68A-DD1791B4A57B}" type="slidenum">
               <a:rPr lang="zh-CN" altLang="en-US" smtClean="0"/>
+              <a:t>‹#›</a:t>
             </a:fld>
             <a:endParaRPr lang="zh-CN" altLang="en-US"/>
           </a:p>
@@ -4389,7 +4386,6 @@
               <a:rPr lang="zh-CN" altLang="en-US" dirty="0"/>
               <a:t>程序设计</a:t>
             </a:r>
-            <a:endParaRPr lang="zh-CN" altLang="en-US" dirty="0"/>
           </a:p>
         </p:txBody>
       </p:sp>
@@ -4464,6 +4460,7 @@
           <a:p>
             <a:fld id="{0C913308-F349-4B6D-A68A-DD1791B4A57B}" type="slidenum">
               <a:rPr lang="zh-CN" altLang="en-US" smtClean="0"/>
+              <a:t>9</a:t>
             </a:fld>
             <a:endParaRPr lang="zh-CN" altLang="en-US" dirty="0"/>
           </a:p>
@@ -4711,11 +4708,6 @@
               </a:rPr>
               <a:t>内存上的对象</a:t>
             </a:r>
-            <a:endParaRPr lang="zh-CN" altLang="en-US" sz="1600" b="1" dirty="0">
-              <a:solidFill>
-                <a:srgbClr val="FF0000"/>
-              </a:solidFill>
-            </a:endParaRPr>
           </a:p>
         </p:txBody>
       </p:sp>
@@ -4865,11 +4857,6 @@
               </a:rPr>
               <a:t>内存上的对象</a:t>
             </a:r>
-            <a:endParaRPr lang="zh-CN" altLang="en-US" sz="1600" b="1" dirty="0">
-              <a:solidFill>
-                <a:srgbClr val="FF0000"/>
-              </a:solidFill>
-            </a:endParaRPr>
           </a:p>
         </p:txBody>
       </p:sp>
@@ -5023,11 +5010,6 @@
               </a:rPr>
               <a:t>声明：</a:t>
             </a:r>
-            <a:endParaRPr lang="zh-CN" altLang="en-US" sz="1600" b="1" dirty="0">
-              <a:solidFill>
-                <a:srgbClr val="FF0000"/>
-              </a:solidFill>
-            </a:endParaRPr>
           </a:p>
         </p:txBody>
       </p:sp>
@@ -5061,11 +5043,6 @@
               </a:rPr>
               <a:t>实例化：</a:t>
             </a:r>
-            <a:endParaRPr lang="zh-CN" altLang="en-US" sz="1600" b="1" dirty="0">
-              <a:solidFill>
-                <a:srgbClr val="FF0000"/>
-              </a:solidFill>
-            </a:endParaRPr>
           </a:p>
         </p:txBody>
       </p:sp>
@@ -5099,71 +5076,12 @@
               </a:rPr>
               <a:t>初始化：</a:t>
             </a:r>
-            <a:endParaRPr lang="zh-CN" altLang="en-US" sz="1600" b="1" dirty="0">
-              <a:solidFill>
-                <a:srgbClr val="FF0000"/>
-              </a:solidFill>
-            </a:endParaRPr>
           </a:p>
         </p:txBody>
       </p:sp>
       <p:pic>
         <p:nvPicPr>
           <p:cNvPr id="25" name="Picture 2"/>
-          <p:cNvPicPr>
-            <a:picLocks noChangeAspect="1" noChangeArrowheads="1"/>
-          </p:cNvPicPr>
-          <p:nvPr/>
-        </p:nvPicPr>
-        <p:blipFill>
-          <a:blip r:embed="rId1">
-            <a:extLst>
-              <a:ext uri="{28A0092B-C50C-407E-A947-70E740481C1C}">
-                <a14:useLocalDpi xmlns:a14="http://schemas.microsoft.com/office/drawing/2010/main" val="0"/>
-              </a:ext>
-            </a:extLst>
-          </a:blip>
-          <a:srcRect/>
-          <a:stretch>
-            <a:fillRect/>
-          </a:stretch>
-        </p:blipFill>
-        <p:spPr bwMode="auto">
-          <a:xfrm>
-            <a:off x="5687617" y="1516212"/>
-            <a:ext cx="2453773" cy="435347"/>
-          </a:xfrm>
-          <a:prstGeom prst="rect">
-            <a:avLst/>
-          </a:prstGeom>
-          <a:noFill/>
-          <a:ln>
-            <a:noFill/>
-          </a:ln>
-          <a:extLst>
-            <a:ext uri="{909E8E84-426E-40DD-AFC4-6F175D3DCCD1}">
-              <a14:hiddenFill xmlns:a14="http://schemas.microsoft.com/office/drawing/2010/main">
-                <a:solidFill>
-                  <a:schemeClr val="accent1"/>
-                </a:solidFill>
-              </a14:hiddenFill>
-            </a:ext>
-            <a:ext uri="{91240B29-F687-4F45-9708-019B960494DF}">
-              <a14:hiddenLine xmlns:a14="http://schemas.microsoft.com/office/drawing/2010/main" w="9525">
-                <a:solidFill>
-                  <a:schemeClr val="tx1"/>
-                </a:solidFill>
-                <a:miter lim="800000"/>
-                <a:headEnd/>
-                <a:tailEnd/>
-              </a14:hiddenLine>
-            </a:ext>
-          </a:extLst>
-        </p:spPr>
-      </p:pic>
-      <p:pic>
-        <p:nvPicPr>
-          <p:cNvPr id="26" name="Picture 2"/>
           <p:cNvPicPr>
             <a:picLocks noChangeAspect="1" noChangeArrowheads="1"/>
           </p:cNvPicPr>
@@ -5184,8 +5102,8 @@
         </p:blipFill>
         <p:spPr bwMode="auto">
           <a:xfrm>
-            <a:off x="5580112" y="2513321"/>
-            <a:ext cx="3181583" cy="437951"/>
+            <a:off x="5687617" y="1516212"/>
+            <a:ext cx="2453773" cy="435347"/>
           </a:xfrm>
           <a:prstGeom prst="rect">
             <a:avLst/>
@@ -5217,6 +5135,60 @@
       </p:pic>
       <p:pic>
         <p:nvPicPr>
+          <p:cNvPr id="26" name="Picture 2"/>
+          <p:cNvPicPr>
+            <a:picLocks noChangeAspect="1" noChangeArrowheads="1"/>
+          </p:cNvPicPr>
+          <p:nvPr/>
+        </p:nvPicPr>
+        <p:blipFill>
+          <a:blip r:embed="rId3">
+            <a:extLst>
+              <a:ext uri="{28A0092B-C50C-407E-A947-70E740481C1C}">
+                <a14:useLocalDpi xmlns:a14="http://schemas.microsoft.com/office/drawing/2010/main" val="0"/>
+              </a:ext>
+            </a:extLst>
+          </a:blip>
+          <a:srcRect/>
+          <a:stretch>
+            <a:fillRect/>
+          </a:stretch>
+        </p:blipFill>
+        <p:spPr bwMode="auto">
+          <a:xfrm>
+            <a:off x="5580112" y="2513321"/>
+            <a:ext cx="3181583" cy="437951"/>
+          </a:xfrm>
+          <a:prstGeom prst="rect">
+            <a:avLst/>
+          </a:prstGeom>
+          <a:noFill/>
+          <a:ln>
+            <a:noFill/>
+          </a:ln>
+          <a:extLst>
+            <a:ext uri="{909E8E84-426E-40DD-AFC4-6F175D3DCCD1}">
+              <a14:hiddenFill xmlns:a14="http://schemas.microsoft.com/office/drawing/2010/main">
+                <a:solidFill>
+                  <a:schemeClr val="accent1"/>
+                </a:solidFill>
+              </a14:hiddenFill>
+            </a:ext>
+            <a:ext uri="{91240B29-F687-4F45-9708-019B960494DF}">
+              <a14:hiddenLine xmlns:a14="http://schemas.microsoft.com/office/drawing/2010/main" w="9525">
+                <a:solidFill>
+                  <a:schemeClr val="tx1"/>
+                </a:solidFill>
+                <a:miter lim="800000"/>
+                <a:headEnd/>
+                <a:tailEnd/>
+              </a14:hiddenLine>
+            </a:ext>
+          </a:extLst>
+        </p:spPr>
+      </p:pic>
+      <p:pic>
+        <p:nvPicPr>
           <p:cNvPr id="27" name="Picture 2"/>
           <p:cNvPicPr>
             <a:picLocks noChangeAspect="1" noChangeArrowheads="1"/>
@@ -5224,7 +5196,7 @@
           <p:nvPr/>
         </p:nvPicPr>
         <p:blipFill>
-          <a:blip r:embed="rId3">
+          <a:blip r:embed="rId4">
             <a:extLst>
               <a:ext uri="{28A0092B-C50C-407E-A947-70E740481C1C}">
                 <a14:useLocalDpi xmlns:a14="http://schemas.microsoft.com/office/drawing/2010/main" val="0"/>
@@ -5303,7 +5275,7 @@
           <p:nvPr/>
         </p:nvPicPr>
         <p:blipFill>
-          <a:blip r:embed="rId1">
+          <a:blip r:embed="rId2">
             <a:extLst>
               <a:ext uri="{28A0092B-C50C-407E-A947-70E740481C1C}">
                 <a14:useLocalDpi xmlns:a14="http://schemas.microsoft.com/office/drawing/2010/main" val="0"/>
@@ -5365,6 +5337,7 @@
           <a:p>
             <a:fld id="{0C913308-F349-4B6D-A68A-DD1791B4A57B}" type="slidenum">
               <a:rPr lang="zh-CN" altLang="en-US" smtClean="0"/>
+              <a:t>10</a:t>
             </a:fld>
             <a:endParaRPr lang="zh-CN" altLang="en-US" dirty="0"/>
           </a:p>
@@ -5373,60 +5346,6 @@
       <p:pic>
         <p:nvPicPr>
           <p:cNvPr id="6" name="Picture 2"/>
-          <p:cNvPicPr>
-            <a:picLocks noChangeAspect="1" noChangeArrowheads="1"/>
-          </p:cNvPicPr>
-          <p:nvPr/>
-        </p:nvPicPr>
-        <p:blipFill>
-          <a:blip r:embed="rId2">
-            <a:extLst>
-              <a:ext uri="{28A0092B-C50C-407E-A947-70E740481C1C}">
-                <a14:useLocalDpi xmlns:a14="http://schemas.microsoft.com/office/drawing/2010/main" val="0"/>
-              </a:ext>
-            </a:extLst>
-          </a:blip>
-          <a:srcRect/>
-          <a:stretch>
-            <a:fillRect/>
-          </a:stretch>
-        </p:blipFill>
-        <p:spPr bwMode="auto">
-          <a:xfrm>
-            <a:off x="2267744" y="5108750"/>
-            <a:ext cx="4464496" cy="1055244"/>
-          </a:xfrm>
-          <a:prstGeom prst="rect">
-            <a:avLst/>
-          </a:prstGeom>
-          <a:noFill/>
-          <a:ln>
-            <a:noFill/>
-          </a:ln>
-          <a:extLst>
-            <a:ext uri="{909E8E84-426E-40DD-AFC4-6F175D3DCCD1}">
-              <a14:hiddenFill xmlns:a14="http://schemas.microsoft.com/office/drawing/2010/main">
-                <a:solidFill>
-                  <a:schemeClr val="accent1"/>
-                </a:solidFill>
-              </a14:hiddenFill>
-            </a:ext>
-            <a:ext uri="{91240B29-F687-4F45-9708-019B960494DF}">
-              <a14:hiddenLine xmlns:a14="http://schemas.microsoft.com/office/drawing/2010/main" w="9525">
-                <a:solidFill>
-                  <a:schemeClr val="tx1"/>
-                </a:solidFill>
-                <a:miter lim="800000"/>
-                <a:headEnd/>
-                <a:tailEnd/>
-              </a14:hiddenLine>
-            </a:ext>
-          </a:extLst>
-        </p:spPr>
-      </p:pic>
-      <p:pic>
-        <p:nvPicPr>
-          <p:cNvPr id="7171" name="Picture 3"/>
           <p:cNvPicPr>
             <a:picLocks noChangeAspect="1" noChangeArrowheads="1"/>
           </p:cNvPicPr>
@@ -5447,8 +5366,8 @@
         </p:blipFill>
         <p:spPr bwMode="auto">
           <a:xfrm>
-            <a:off x="1066306" y="3356992"/>
-            <a:ext cx="6686550" cy="1343025"/>
+            <a:off x="2267744" y="5108750"/>
+            <a:ext cx="4464496" cy="1055244"/>
           </a:xfrm>
           <a:prstGeom prst="rect">
             <a:avLst/>
@@ -5480,7 +5399,7 @@
       </p:pic>
       <p:pic>
         <p:nvPicPr>
-          <p:cNvPr id="8" name="Picture 2"/>
+          <p:cNvPr id="7171" name="Picture 3"/>
           <p:cNvPicPr>
             <a:picLocks noChangeAspect="1" noChangeArrowheads="1"/>
           </p:cNvPicPr>
@@ -5501,8 +5420,8 @@
         </p:blipFill>
         <p:spPr bwMode="auto">
           <a:xfrm>
-            <a:off x="686163" y="1430663"/>
-            <a:ext cx="6572310" cy="405435"/>
+            <a:off x="1066306" y="3356992"/>
+            <a:ext cx="6686550" cy="1343025"/>
           </a:xfrm>
           <a:prstGeom prst="rect">
             <a:avLst/>
@@ -5532,6 +5451,60 @@
           </a:extLst>
         </p:spPr>
       </p:pic>
+      <p:pic>
+        <p:nvPicPr>
+          <p:cNvPr id="8" name="Picture 2"/>
+          <p:cNvPicPr>
+            <a:picLocks noChangeAspect="1" noChangeArrowheads="1"/>
+          </p:cNvPicPr>
+          <p:nvPr/>
+        </p:nvPicPr>
+        <p:blipFill>
+          <a:blip r:embed="rId5">
+            <a:extLst>
+              <a:ext uri="{28A0092B-C50C-407E-A947-70E740481C1C}">
+                <a14:useLocalDpi xmlns:a14="http://schemas.microsoft.com/office/drawing/2010/main" val="0"/>
+              </a:ext>
+            </a:extLst>
+          </a:blip>
+          <a:srcRect/>
+          <a:stretch>
+            <a:fillRect/>
+          </a:stretch>
+        </p:blipFill>
+        <p:spPr bwMode="auto">
+          <a:xfrm>
+            <a:off x="686163" y="1430663"/>
+            <a:ext cx="6572310" cy="405435"/>
+          </a:xfrm>
+          <a:prstGeom prst="rect">
+            <a:avLst/>
+          </a:prstGeom>
+          <a:noFill/>
+          <a:ln>
+            <a:noFill/>
+          </a:ln>
+          <a:extLst>
+            <a:ext uri="{909E8E84-426E-40DD-AFC4-6F175D3DCCD1}">
+              <a14:hiddenFill xmlns:a14="http://schemas.microsoft.com/office/drawing/2010/main">
+                <a:solidFill>
+                  <a:schemeClr val="accent1"/>
+                </a:solidFill>
+              </a14:hiddenFill>
+            </a:ext>
+            <a:ext uri="{91240B29-F687-4F45-9708-019B960494DF}">
+              <a14:hiddenLine xmlns:a14="http://schemas.microsoft.com/office/drawing/2010/main" w="9525">
+                <a:solidFill>
+                  <a:schemeClr val="tx1"/>
+                </a:solidFill>
+                <a:miter lim="800000"/>
+                <a:headEnd/>
+                <a:tailEnd/>
+              </a14:hiddenLine>
+            </a:ext>
+          </a:extLst>
+        </p:spPr>
+      </p:pic>
       <p:sp>
         <p:nvSpPr>
           <p:cNvPr id="10" name="TextBox 9"/>
@@ -5593,11 +5566,6 @@
               </a:rPr>
               <a:t>方法参数辅助提示功能</a:t>
             </a:r>
-            <a:endParaRPr lang="zh-CN" altLang="en-US" sz="1600" b="1" dirty="0">
-              <a:solidFill>
-                <a:srgbClr val="FF0000"/>
-              </a:solidFill>
-            </a:endParaRPr>
           </a:p>
         </p:txBody>
       </p:sp>
@@ -5610,7 +5578,7 @@
           <p:nvPr/>
         </p:nvPicPr>
         <p:blipFill>
-          <a:blip r:embed="rId5">
+          <a:blip r:embed="rId6">
             <a:extLst>
               <a:ext uri="{28A0092B-C50C-407E-A947-70E740481C1C}">
                 <a14:useLocalDpi xmlns:a14="http://schemas.microsoft.com/office/drawing/2010/main" val="0"/>
@@ -5757,6 +5725,72 @@
               </a:rPr>
               <a:t>实际源码</a:t>
             </a:r>
+          </a:p>
+        </p:txBody>
+      </p:sp>
+      <p:sp>
+        <p:nvSpPr>
+          <p:cNvPr id="18" name="TextBox 17"/>
+          <p:cNvSpPr txBox="1"/>
+          <p:nvPr/>
+        </p:nvSpPr>
+        <p:spPr>
+          <a:xfrm>
+            <a:off x="1227282" y="5467095"/>
+            <a:ext cx="1011815" cy="338554"/>
+          </a:xfrm>
+          <a:prstGeom prst="rect">
+            <a:avLst/>
+          </a:prstGeom>
+          <a:noFill/>
+        </p:spPr>
+        <p:txBody>
+          <a:bodyPr wrap="none" rtlCol="0">
+            <a:spAutoFit/>
+          </a:bodyPr>
+          <a:lstStyle/>
+          <a:p>
+            <a:r>
+              <a:rPr lang="zh-CN" altLang="en-US" sz="1600" b="1" dirty="0">
+                <a:solidFill>
+                  <a:srgbClr val="FF0000"/>
+                </a:solidFill>
+              </a:rPr>
+              <a:t>实际源码</a:t>
+            </a:r>
+          </a:p>
+        </p:txBody>
+      </p:sp>
+      <p:sp>
+        <p:nvSpPr>
+          <p:cNvPr id="15" name="TextBox 14"/>
+          <p:cNvSpPr txBox="1"/>
+          <p:nvPr/>
+        </p:nvSpPr>
+        <p:spPr>
+          <a:xfrm>
+            <a:off x="1311733" y="2953823"/>
+            <a:ext cx="4168129" cy="338554"/>
+          </a:xfrm>
+          <a:prstGeom prst="rect">
+            <a:avLst/>
+          </a:prstGeom>
+          <a:noFill/>
+        </p:spPr>
+        <p:txBody>
+          <a:bodyPr wrap="none" rtlCol="0">
+            <a:spAutoFit/>
+          </a:bodyPr>
+          <a:lstStyle/>
+          <a:p>
+            <a:r>
+              <a:rPr lang="en-US" altLang="zh-CN" sz="1600" b="1" dirty="0">
+                <a:solidFill>
+                  <a:srgbClr val="FF0000"/>
+                </a:solidFill>
+              </a:rPr>
+              <a:t>+++++++++++++++++++++++++++++++++++</a:t>
+            </a:r>
             <a:endParaRPr lang="zh-CN" altLang="en-US" sz="1600" b="1" dirty="0">
               <a:solidFill>
                 <a:srgbClr val="FF0000"/>
@@ -5767,82 +5801,6 @@
       </p:sp>
       <p:sp>
         <p:nvSpPr>
-          <p:cNvPr id="18" name="TextBox 17"/>
-          <p:cNvSpPr txBox="1"/>
-          <p:nvPr/>
-        </p:nvSpPr>
-        <p:spPr>
-          <a:xfrm>
-            <a:off x="1227282" y="5467095"/>
-            <a:ext cx="1011815" cy="338554"/>
-          </a:xfrm>
-          <a:prstGeom prst="rect">
-            <a:avLst/>
-          </a:prstGeom>
-          <a:noFill/>
-        </p:spPr>
-        <p:txBody>
-          <a:bodyPr wrap="none" rtlCol="0">
-            <a:spAutoFit/>
-          </a:bodyPr>
-          <a:lstStyle/>
-          <a:p>
-            <a:r>
-              <a:rPr lang="zh-CN" altLang="en-US" sz="1600" b="1" dirty="0">
-                <a:solidFill>
-                  <a:srgbClr val="FF0000"/>
-                </a:solidFill>
-              </a:rPr>
-              <a:t>实际源码</a:t>
-            </a:r>
-            <a:endParaRPr lang="zh-CN" altLang="en-US" sz="1600" b="1" dirty="0">
-              <a:solidFill>
-                <a:srgbClr val="FF0000"/>
-              </a:solidFill>
-            </a:endParaRPr>
-          </a:p>
-        </p:txBody>
-      </p:sp>
-      <p:sp>
-        <p:nvSpPr>
-          <p:cNvPr id="15" name="TextBox 14"/>
-          <p:cNvSpPr txBox="1"/>
-          <p:nvPr/>
-        </p:nvSpPr>
-        <p:spPr>
-          <a:xfrm>
-            <a:off x="1311733" y="2953823"/>
-            <a:ext cx="4168129" cy="338554"/>
-          </a:xfrm>
-          <a:prstGeom prst="rect">
-            <a:avLst/>
-          </a:prstGeom>
-          <a:noFill/>
-        </p:spPr>
-        <p:txBody>
-          <a:bodyPr wrap="none" rtlCol="0">
-            <a:spAutoFit/>
-          </a:bodyPr>
-          <a:lstStyle/>
-          <a:p>
-            <a:r>
-              <a:rPr lang="en-US" altLang="zh-CN" sz="1600" b="1" dirty="0">
-                <a:solidFill>
-                  <a:srgbClr val="FF0000"/>
-                </a:solidFill>
-              </a:rPr>
-              <a:t>+++++++++++++++++++++++++++++++++++</a:t>
-            </a:r>
-            <a:endParaRPr lang="zh-CN" altLang="en-US" sz="1600" b="1" dirty="0">
-              <a:solidFill>
-                <a:srgbClr val="FF0000"/>
-              </a:solidFill>
-            </a:endParaRPr>
-          </a:p>
-        </p:txBody>
-      </p:sp>
-      <p:sp>
-        <p:nvSpPr>
           <p:cNvPr id="16" name="TextBox 15"/>
           <p:cNvSpPr txBox="1"/>
           <p:nvPr/>
@@ -5894,11 +5852,6 @@
               </a:rPr>
               <a:t>为实际源码</a:t>
             </a:r>
-            <a:endParaRPr lang="zh-CN" altLang="en-US" sz="1600" b="1" dirty="0">
-              <a:solidFill>
-                <a:srgbClr val="FF0000"/>
-              </a:solidFill>
-            </a:endParaRPr>
           </a:p>
         </p:txBody>
       </p:sp>
@@ -5983,7 +5936,6 @@
               <a:rPr lang="en-US" altLang="zh-CN" dirty="0"/>
               <a:t>, it is common to make fields private. This means that they can only be directly accessed from the Bicycle class. We still need access to these values, however. This can be done indirectly by adding public methods that obtain the field values for us</a:t>
             </a:r>
-            <a:endParaRPr lang="en-US" altLang="zh-CN" dirty="0"/>
           </a:p>
           <a:p>
             <a:endParaRPr lang="en-US" altLang="zh-CN" dirty="0"/>
@@ -6022,6 +5974,7 @@
           <a:p>
             <a:fld id="{0C913308-F349-4B6D-A68A-DD1791B4A57B}" type="slidenum">
               <a:rPr lang="zh-CN" altLang="en-US" smtClean="0"/>
+              <a:t>11</a:t>
             </a:fld>
             <a:endParaRPr lang="zh-CN" altLang="en-US" dirty="0"/>
           </a:p>
@@ -6088,7 +6041,6 @@
               <a:rPr lang="en-US" altLang="zh-CN" dirty="0"/>
               <a:t>)</a:t>
             </a:r>
-            <a:endParaRPr lang="en-US" altLang="zh-CN" dirty="0"/>
           </a:p>
           <a:p>
             <a:r>
@@ -6150,6 +6102,7 @@
           <a:p>
             <a:fld id="{0C913308-F349-4B6D-A68A-DD1791B4A57B}" type="slidenum">
               <a:rPr lang="zh-CN" altLang="en-US" smtClean="0"/>
+              <a:t>12</a:t>
             </a:fld>
             <a:endParaRPr lang="zh-CN" altLang="en-US" dirty="0"/>
           </a:p>
@@ -6164,7 +6117,7 @@
           <p:nvPr/>
         </p:nvPicPr>
         <p:blipFill>
-          <a:blip r:embed="rId1">
+          <a:blip r:embed="rId2">
             <a:extLst>
               <a:ext uri="{28A0092B-C50C-407E-A947-70E740481C1C}">
                 <a14:useLocalDpi xmlns:a14="http://schemas.microsoft.com/office/drawing/2010/main" val="0"/>
@@ -6262,11 +6215,6 @@
               </a:rPr>
               <a:t>参数类型与属性类型相同</a:t>
             </a:r>
-            <a:endParaRPr lang="zh-CN" altLang="en-US" sz="1600" b="1" dirty="0">
-              <a:solidFill>
-                <a:srgbClr val="FF0000"/>
-              </a:solidFill>
-            </a:endParaRPr>
           </a:p>
         </p:txBody>
       </p:sp>
@@ -6431,11 +6379,6 @@
               </a:rPr>
               <a:t>返回类型与属性类型相同</a:t>
             </a:r>
-            <a:endParaRPr lang="zh-CN" altLang="en-US" sz="1600" b="1" dirty="0">
-              <a:solidFill>
-                <a:srgbClr val="FF0000"/>
-              </a:solidFill>
-            </a:endParaRPr>
           </a:p>
         </p:txBody>
       </p:sp>
@@ -6559,7 +6502,6 @@
               <a:rPr lang="zh-CN" altLang="en-US" dirty="0"/>
               <a:t>方法名称必须与属性名称一致，第三方库基于此命名规范反射</a:t>
             </a:r>
-            <a:endParaRPr lang="zh-CN" altLang="en-US" dirty="0"/>
           </a:p>
           <a:p>
             <a:endParaRPr lang="zh-CN" altLang="en-US" dirty="0"/>
@@ -6583,6 +6525,7 @@
           <a:p>
             <a:fld id="{0C913308-F349-4B6D-A68A-DD1791B4A57B}" type="slidenum">
               <a:rPr lang="zh-CN" altLang="en-US" smtClean="0"/>
+              <a:t>13</a:t>
             </a:fld>
             <a:endParaRPr lang="zh-CN" altLang="en-US" dirty="0"/>
           </a:p>
@@ -6642,11 +6585,6 @@
               </a:rPr>
               <a:t>()</a:t>
             </a:r>
-            <a:endParaRPr lang="en-US" altLang="zh-CN" sz="1600" b="1" dirty="0">
-              <a:solidFill>
-                <a:srgbClr val="FF0000"/>
-              </a:solidFill>
-            </a:endParaRPr>
           </a:p>
         </p:txBody>
       </p:sp>
@@ -6659,7 +6597,7 @@
           <p:nvPr/>
         </p:nvPicPr>
         <p:blipFill>
-          <a:blip r:embed="rId1">
+          <a:blip r:embed="rId2">
             <a:extLst>
               <a:ext uri="{28A0092B-C50C-407E-A947-70E740481C1C}">
                 <a14:useLocalDpi xmlns:a14="http://schemas.microsoft.com/office/drawing/2010/main" val="0"/>
@@ -6713,7 +6651,7 @@
           <p:nvPr/>
         </p:nvPicPr>
         <p:blipFill>
-          <a:blip r:embed="rId2">
+          <a:blip r:embed="rId3">
             <a:extLst>
               <a:ext uri="{28A0092B-C50C-407E-A947-70E740481C1C}">
                 <a14:useLocalDpi xmlns:a14="http://schemas.microsoft.com/office/drawing/2010/main" val="0"/>
@@ -6800,6 +6738,7 @@
           <a:p>
             <a:fld id="{0C913308-F349-4B6D-A68A-DD1791B4A57B}" type="slidenum">
               <a:rPr lang="zh-CN" altLang="en-US" smtClean="0"/>
+              <a:t>14</a:t>
             </a:fld>
             <a:endParaRPr lang="zh-CN" altLang="en-US" dirty="0"/>
           </a:p>
@@ -6814,7 +6753,7 @@
           <p:nvPr/>
         </p:nvPicPr>
         <p:blipFill>
-          <a:blip r:embed="rId1">
+          <a:blip r:embed="rId2">
             <a:extLst>
               <a:ext uri="{28A0092B-C50C-407E-A947-70E740481C1C}">
                 <a14:useLocalDpi xmlns:a14="http://schemas.microsoft.com/office/drawing/2010/main" val="0"/>
@@ -6889,11 +6828,6 @@
               </a:rPr>
               <a:t>属性仅类内部可见</a:t>
             </a:r>
-            <a:endParaRPr lang="zh-CN" altLang="en-US" sz="1600" b="1" dirty="0">
-              <a:solidFill>
-                <a:srgbClr val="FF0000"/>
-              </a:solidFill>
-            </a:endParaRPr>
           </a:p>
         </p:txBody>
       </p:sp>
@@ -6994,11 +6928,6 @@
               </a:rPr>
               <a:t>方法</a:t>
             </a:r>
-            <a:endParaRPr lang="zh-CN" altLang="en-US" sz="1600" b="1" dirty="0">
-              <a:solidFill>
-                <a:srgbClr val="FF0000"/>
-              </a:solidFill>
-            </a:endParaRPr>
           </a:p>
         </p:txBody>
       </p:sp>
@@ -7044,6 +6973,7 @@
           <a:p>
             <a:fld id="{0C913308-F349-4B6D-A68A-DD1791B4A57B}" type="slidenum">
               <a:rPr lang="zh-CN" altLang="en-US" smtClean="0"/>
+              <a:t>15</a:t>
             </a:fld>
             <a:endParaRPr lang="zh-CN" altLang="en-US" dirty="0"/>
           </a:p>
@@ -7052,60 +6982,6 @@
       <p:pic>
         <p:nvPicPr>
           <p:cNvPr id="11266" name="Picture 2"/>
-          <p:cNvPicPr>
-            <a:picLocks noChangeAspect="1" noChangeArrowheads="1"/>
-          </p:cNvPicPr>
-          <p:nvPr/>
-        </p:nvPicPr>
-        <p:blipFill>
-          <a:blip r:embed="rId1">
-            <a:extLst>
-              <a:ext uri="{28A0092B-C50C-407E-A947-70E740481C1C}">
-                <a14:useLocalDpi xmlns:a14="http://schemas.microsoft.com/office/drawing/2010/main" val="0"/>
-              </a:ext>
-            </a:extLst>
-          </a:blip>
-          <a:srcRect/>
-          <a:stretch>
-            <a:fillRect/>
-          </a:stretch>
-        </p:blipFill>
-        <p:spPr bwMode="auto">
-          <a:xfrm>
-            <a:off x="179512" y="476672"/>
-            <a:ext cx="6536519" cy="2603140"/>
-          </a:xfrm>
-          <a:prstGeom prst="rect">
-            <a:avLst/>
-          </a:prstGeom>
-          <a:noFill/>
-          <a:ln>
-            <a:noFill/>
-          </a:ln>
-          <a:extLst>
-            <a:ext uri="{909E8E84-426E-40DD-AFC4-6F175D3DCCD1}">
-              <a14:hiddenFill xmlns:a14="http://schemas.microsoft.com/office/drawing/2010/main">
-                <a:solidFill>
-                  <a:schemeClr val="accent1"/>
-                </a:solidFill>
-              </a14:hiddenFill>
-            </a:ext>
-            <a:ext uri="{91240B29-F687-4F45-9708-019B960494DF}">
-              <a14:hiddenLine xmlns:a14="http://schemas.microsoft.com/office/drawing/2010/main" w="9525">
-                <a:solidFill>
-                  <a:schemeClr val="tx1"/>
-                </a:solidFill>
-                <a:miter lim="800000"/>
-                <a:headEnd/>
-                <a:tailEnd/>
-              </a14:hiddenLine>
-            </a:ext>
-          </a:extLst>
-        </p:spPr>
-      </p:pic>
-      <p:pic>
-        <p:nvPicPr>
-          <p:cNvPr id="11267" name="Picture 3"/>
           <p:cNvPicPr>
             <a:picLocks noChangeAspect="1" noChangeArrowheads="1"/>
           </p:cNvPicPr>
@@ -7126,8 +7002,8 @@
         </p:blipFill>
         <p:spPr bwMode="auto">
           <a:xfrm>
-            <a:off x="7487816" y="703547"/>
-            <a:ext cx="1008112" cy="1850507"/>
+            <a:off x="179512" y="476672"/>
+            <a:ext cx="6536519" cy="2603140"/>
           </a:xfrm>
           <a:prstGeom prst="rect">
             <a:avLst/>
@@ -7157,6 +7033,60 @@
           </a:extLst>
         </p:spPr>
       </p:pic>
+      <p:pic>
+        <p:nvPicPr>
+          <p:cNvPr id="11267" name="Picture 3"/>
+          <p:cNvPicPr>
+            <a:picLocks noChangeAspect="1" noChangeArrowheads="1"/>
+          </p:cNvPicPr>
+          <p:nvPr/>
+        </p:nvPicPr>
+        <p:blipFill>
+          <a:blip r:embed="rId3">
+            <a:extLst>
+              <a:ext uri="{28A0092B-C50C-407E-A947-70E740481C1C}">
+                <a14:useLocalDpi xmlns:a14="http://schemas.microsoft.com/office/drawing/2010/main" val="0"/>
+              </a:ext>
+            </a:extLst>
+          </a:blip>
+          <a:srcRect/>
+          <a:stretch>
+            <a:fillRect/>
+          </a:stretch>
+        </p:blipFill>
+        <p:spPr bwMode="auto">
+          <a:xfrm>
+            <a:off x="7487816" y="703547"/>
+            <a:ext cx="1008112" cy="1850507"/>
+          </a:xfrm>
+          <a:prstGeom prst="rect">
+            <a:avLst/>
+          </a:prstGeom>
+          <a:noFill/>
+          <a:ln>
+            <a:noFill/>
+          </a:ln>
+          <a:extLst>
+            <a:ext uri="{909E8E84-426E-40DD-AFC4-6F175D3DCCD1}">
+              <a14:hiddenFill xmlns:a14="http://schemas.microsoft.com/office/drawing/2010/main">
+                <a:solidFill>
+                  <a:schemeClr val="accent1"/>
+                </a:solidFill>
+              </a14:hiddenFill>
+            </a:ext>
+            <a:ext uri="{91240B29-F687-4F45-9708-019B960494DF}">
+              <a14:hiddenLine xmlns:a14="http://schemas.microsoft.com/office/drawing/2010/main" w="9525">
+                <a:solidFill>
+                  <a:schemeClr val="tx1"/>
+                </a:solidFill>
+                <a:miter lim="800000"/>
+                <a:headEnd/>
+                <a:tailEnd/>
+              </a14:hiddenLine>
+            </a:ext>
+          </a:extLst>
+        </p:spPr>
+      </p:pic>
       <p:sp>
         <p:nvSpPr>
           <p:cNvPr id="7" name="TextBox 6"/>
@@ -7264,11 +7194,6 @@
               </a:rPr>
               <a:t>访问封装在对象内部的属性值</a:t>
             </a:r>
-            <a:endParaRPr lang="zh-CN" altLang="en-US" sz="1600" b="1" dirty="0">
-              <a:solidFill>
-                <a:srgbClr val="FF0000"/>
-              </a:solidFill>
-            </a:endParaRPr>
           </a:p>
         </p:txBody>
       </p:sp>
@@ -7341,7 +7266,6 @@
               <a:rPr lang="en-US" altLang="zh-CN" dirty="0"/>
               <a:t>as before.</a:t>
             </a:r>
-            <a:endParaRPr lang="en-US" altLang="zh-CN" dirty="0"/>
           </a:p>
           <a:p>
             <a:r>
@@ -7360,7 +7284,6 @@
               <a:rPr lang="zh-CN" altLang="en-US" dirty="0"/>
               <a:t>给方法，对对象的修改将影响对象本身</a:t>
             </a:r>
-            <a:endParaRPr lang="zh-CN" altLang="en-US" dirty="0"/>
           </a:p>
           <a:p>
             <a:endParaRPr lang="zh-CN" altLang="en-US" dirty="0"/>
@@ -7384,6 +7307,7 @@
           <a:p>
             <a:fld id="{0C913308-F349-4B6D-A68A-DD1791B4A57B}" type="slidenum">
               <a:rPr lang="zh-CN" altLang="en-US" smtClean="0"/>
+              <a:t>16</a:t>
             </a:fld>
             <a:endParaRPr lang="zh-CN" altLang="en-US" dirty="0"/>
           </a:p>
@@ -7398,7 +7322,7 @@
           <p:nvPr/>
         </p:nvPicPr>
         <p:blipFill>
-          <a:blip r:embed="rId1">
+          <a:blip r:embed="rId2">
             <a:extLst>
               <a:ext uri="{28A0092B-C50C-407E-A947-70E740481C1C}">
                 <a14:useLocalDpi xmlns:a14="http://schemas.microsoft.com/office/drawing/2010/main" val="0"/>
@@ -7452,7 +7376,7 @@
           <p:nvPr/>
         </p:nvPicPr>
         <p:blipFill>
-          <a:blip r:embed="rId2">
+          <a:blip r:embed="rId3">
             <a:extLst>
               <a:ext uri="{28A0092B-C50C-407E-A947-70E740481C1C}">
                 <a14:useLocalDpi xmlns:a14="http://schemas.microsoft.com/office/drawing/2010/main" val="0"/>
@@ -7688,7 +7612,7 @@
           <p:nvPr/>
         </p:nvPicPr>
         <p:blipFill>
-          <a:blip r:embed="rId3">
+          <a:blip r:embed="rId4">
             <a:extLst>
               <a:ext uri="{28A0092B-C50C-407E-A947-70E740481C1C}">
                 <a14:useLocalDpi xmlns:a14="http://schemas.microsoft.com/office/drawing/2010/main" val="0"/>
@@ -7778,11 +7702,6 @@
               </a:rPr>
               <a:t>因此操作的是同一个对象</a:t>
             </a:r>
-            <a:endParaRPr lang="zh-CN" altLang="en-US" sz="1600" b="1" dirty="0">
-              <a:solidFill>
-                <a:srgbClr val="FF0000"/>
-              </a:solidFill>
-            </a:endParaRPr>
           </a:p>
         </p:txBody>
       </p:sp>
@@ -7984,7 +7903,6 @@
               <a:rPr lang="en-US" altLang="zh-CN" dirty="0"/>
               <a:t> manually</a:t>
             </a:r>
-            <a:endParaRPr lang="en-US" altLang="zh-CN" dirty="0"/>
           </a:p>
           <a:p>
             <a:r>
@@ -8014,7 +7932,6 @@
               <a:rPr lang="zh-CN" altLang="en-US" dirty="0"/>
               <a:t>”分隔传入的参数</a:t>
             </a:r>
-            <a:endParaRPr lang="zh-CN" altLang="en-US" dirty="0"/>
           </a:p>
         </p:txBody>
       </p:sp>
@@ -8035,6 +7952,7 @@
           <a:p>
             <a:fld id="{0C913308-F349-4B6D-A68A-DD1791B4A57B}" type="slidenum">
               <a:rPr lang="zh-CN" altLang="en-US" smtClean="0"/>
+              <a:t>17</a:t>
             </a:fld>
             <a:endParaRPr lang="zh-CN" altLang="en-US" dirty="0"/>
           </a:p>
@@ -8043,60 +7961,6 @@
       <p:pic>
         <p:nvPicPr>
           <p:cNvPr id="10242" name="Picture 2"/>
-          <p:cNvPicPr>
-            <a:picLocks noChangeAspect="1" noChangeArrowheads="1"/>
-          </p:cNvPicPr>
-          <p:nvPr/>
-        </p:nvPicPr>
-        <p:blipFill>
-          <a:blip r:embed="rId1">
-            <a:extLst>
-              <a:ext uri="{28A0092B-C50C-407E-A947-70E740481C1C}">
-                <a14:useLocalDpi xmlns:a14="http://schemas.microsoft.com/office/drawing/2010/main" val="0"/>
-              </a:ext>
-            </a:extLst>
-          </a:blip>
-          <a:srcRect/>
-          <a:stretch>
-            <a:fillRect/>
-          </a:stretch>
-        </p:blipFill>
-        <p:spPr bwMode="auto">
-          <a:xfrm>
-            <a:off x="450" y="5373216"/>
-            <a:ext cx="5976664" cy="842212"/>
-          </a:xfrm>
-          <a:prstGeom prst="rect">
-            <a:avLst/>
-          </a:prstGeom>
-          <a:noFill/>
-          <a:ln>
-            <a:noFill/>
-          </a:ln>
-          <a:extLst>
-            <a:ext uri="{909E8E84-426E-40DD-AFC4-6F175D3DCCD1}">
-              <a14:hiddenFill xmlns:a14="http://schemas.microsoft.com/office/drawing/2010/main">
-                <a:solidFill>
-                  <a:schemeClr val="accent1"/>
-                </a:solidFill>
-              </a14:hiddenFill>
-            </a:ext>
-            <a:ext uri="{91240B29-F687-4F45-9708-019B960494DF}">
-              <a14:hiddenLine xmlns:a14="http://schemas.microsoft.com/office/drawing/2010/main" w="9525">
-                <a:solidFill>
-                  <a:schemeClr val="tx1"/>
-                </a:solidFill>
-                <a:miter lim="800000"/>
-                <a:headEnd/>
-                <a:tailEnd/>
-              </a14:hiddenLine>
-            </a:ext>
-          </a:extLst>
-        </p:spPr>
-      </p:pic>
-      <p:pic>
-        <p:nvPicPr>
-          <p:cNvPr id="10243" name="Picture 3"/>
           <p:cNvPicPr>
             <a:picLocks noChangeAspect="1" noChangeArrowheads="1"/>
           </p:cNvPicPr>
@@ -8117,8 +7981,8 @@
         </p:blipFill>
         <p:spPr bwMode="auto">
           <a:xfrm>
-            <a:off x="468502" y="4649934"/>
-            <a:ext cx="5040560" cy="425647"/>
+            <a:off x="450" y="5373216"/>
+            <a:ext cx="5976664" cy="842212"/>
           </a:xfrm>
           <a:prstGeom prst="rect">
             <a:avLst/>
@@ -8150,6 +8014,60 @@
       </p:pic>
       <p:pic>
         <p:nvPicPr>
+          <p:cNvPr id="10243" name="Picture 3"/>
+          <p:cNvPicPr>
+            <a:picLocks noChangeAspect="1" noChangeArrowheads="1"/>
+          </p:cNvPicPr>
+          <p:nvPr/>
+        </p:nvPicPr>
+        <p:blipFill>
+          <a:blip r:embed="rId3">
+            <a:extLst>
+              <a:ext uri="{28A0092B-C50C-407E-A947-70E740481C1C}">
+                <a14:useLocalDpi xmlns:a14="http://schemas.microsoft.com/office/drawing/2010/main" val="0"/>
+              </a:ext>
+            </a:extLst>
+          </a:blip>
+          <a:srcRect/>
+          <a:stretch>
+            <a:fillRect/>
+          </a:stretch>
+        </p:blipFill>
+        <p:spPr bwMode="auto">
+          <a:xfrm>
+            <a:off x="468502" y="4649934"/>
+            <a:ext cx="5040560" cy="425647"/>
+          </a:xfrm>
+          <a:prstGeom prst="rect">
+            <a:avLst/>
+          </a:prstGeom>
+          <a:noFill/>
+          <a:ln>
+            <a:noFill/>
+          </a:ln>
+          <a:extLst>
+            <a:ext uri="{909E8E84-426E-40DD-AFC4-6F175D3DCCD1}">
+              <a14:hiddenFill xmlns:a14="http://schemas.microsoft.com/office/drawing/2010/main">
+                <a:solidFill>
+                  <a:schemeClr val="accent1"/>
+                </a:solidFill>
+              </a14:hiddenFill>
+            </a:ext>
+            <a:ext uri="{91240B29-F687-4F45-9708-019B960494DF}">
+              <a14:hiddenLine xmlns:a14="http://schemas.microsoft.com/office/drawing/2010/main" w="9525">
+                <a:solidFill>
+                  <a:schemeClr val="tx1"/>
+                </a:solidFill>
+                <a:miter lim="800000"/>
+                <a:headEnd/>
+                <a:tailEnd/>
+              </a14:hiddenLine>
+            </a:ext>
+          </a:extLst>
+        </p:spPr>
+      </p:pic>
+      <p:pic>
+        <p:nvPicPr>
           <p:cNvPr id="10244" name="Picture 4"/>
           <p:cNvPicPr>
             <a:picLocks noChangeAspect="1" noChangeArrowheads="1"/>
@@ -8157,7 +8075,7 @@
           <p:nvPr/>
         </p:nvPicPr>
         <p:blipFill>
-          <a:blip r:embed="rId3">
+          <a:blip r:embed="rId4">
             <a:extLst>
               <a:ext uri="{28A0092B-C50C-407E-A947-70E740481C1C}">
                 <a14:useLocalDpi xmlns:a14="http://schemas.microsoft.com/office/drawing/2010/main" val="0"/>
@@ -8319,7 +8237,6 @@
               <a:rPr lang="en-US" altLang="zh-CN" dirty="0"/>
               <a:t>.</a:t>
             </a:r>
-            <a:endParaRPr lang="en-US" altLang="zh-CN" dirty="0"/>
           </a:p>
           <a:p>
             <a:endParaRPr lang="en-US" altLang="zh-CN" dirty="0"/>
@@ -8361,7 +8278,6 @@
               <a:rPr lang="zh-CN" altLang="en-US" dirty="0"/>
               <a:t>，必须通过以下任一方式：</a:t>
             </a:r>
-            <a:endParaRPr lang="zh-CN" altLang="en-US" dirty="0"/>
           </a:p>
           <a:p>
             <a:pPr lvl="1"/>
@@ -8385,7 +8301,6 @@
               <a:rPr lang="zh-CN" altLang="en-US" dirty="0"/>
               <a:t>，使用该成员</a:t>
             </a:r>
-            <a:endParaRPr lang="zh-CN" altLang="en-US" dirty="0"/>
           </a:p>
           <a:p>
             <a:pPr lvl="1"/>
@@ -8413,11 +8328,6 @@
               </a:rPr>
               <a:t>使用</a:t>
             </a:r>
-            <a:endParaRPr lang="zh-CN" altLang="en-US" dirty="0">
-              <a:solidFill>
-                <a:srgbClr val="FF0000"/>
-              </a:solidFill>
-            </a:endParaRPr>
           </a:p>
           <a:p>
             <a:pPr lvl="1"/>
@@ -8425,7 +8335,6 @@
               <a:rPr lang="zh-CN" altLang="en-US" dirty="0"/>
               <a:t>导入成员的整个包</a:t>
             </a:r>
-            <a:endParaRPr lang="zh-CN" altLang="en-US" dirty="0"/>
           </a:p>
         </p:txBody>
       </p:sp>
@@ -8446,6 +8355,7 @@
           <a:p>
             <a:fld id="{0C913308-F349-4B6D-A68A-DD1791B4A57B}" type="slidenum">
               <a:rPr lang="zh-CN" altLang="en-US" smtClean="0"/>
+              <a:t>18</a:t>
             </a:fld>
             <a:endParaRPr lang="zh-CN" altLang="en-US" dirty="0"/>
           </a:p>
@@ -8552,7 +8462,6 @@
               <a:rPr lang="en-US" altLang="zh-CN" dirty="0"/>
               <a:t>.</a:t>
             </a:r>
-            <a:endParaRPr lang="en-US" altLang="zh-CN" dirty="0"/>
           </a:p>
           <a:p>
             <a:r>
@@ -8575,7 +8484,6 @@
               <a:rPr lang="zh-CN" altLang="en-US" dirty="0"/>
               <a:t>，在实例方法或构造函数中引用当前对象的成员变量</a:t>
             </a:r>
-            <a:endParaRPr lang="zh-CN" altLang="en-US" dirty="0"/>
           </a:p>
         </p:txBody>
       </p:sp>
@@ -8596,6 +8504,7 @@
           <a:p>
             <a:fld id="{0C913308-F349-4B6D-A68A-DD1791B4A57B}" type="slidenum">
               <a:rPr lang="zh-CN" altLang="en-US" smtClean="0"/>
+              <a:t>1</a:t>
             </a:fld>
             <a:endParaRPr lang="zh-CN" altLang="en-US" dirty="0"/>
           </a:p>
@@ -8610,7 +8519,7 @@
           <p:nvPr/>
         </p:nvPicPr>
         <p:blipFill>
-          <a:blip r:embed="rId1">
+          <a:blip r:embed="rId2">
             <a:extLst>
               <a:ext uri="{28A0092B-C50C-407E-A947-70E740481C1C}">
                 <a14:useLocalDpi xmlns:a14="http://schemas.microsoft.com/office/drawing/2010/main" val="0"/>
@@ -8685,11 +8594,6 @@
               </a:rPr>
               <a:t>speed</a:t>
             </a:r>
-            <a:endParaRPr lang="en-US" altLang="zh-CN" sz="1600" b="1" dirty="0">
-              <a:solidFill>
-                <a:srgbClr val="FF0000"/>
-              </a:solidFill>
-            </a:endParaRPr>
           </a:p>
           <a:p>
             <a:r>
@@ -8700,11 +8604,6 @@
               </a:rPr>
               <a:t>构造函数传入的实参</a:t>
             </a:r>
-            <a:endParaRPr lang="zh-CN" altLang="en-US" sz="1600" b="1" dirty="0">
-              <a:solidFill>
-                <a:srgbClr val="FF0000"/>
-              </a:solidFill>
-            </a:endParaRPr>
           </a:p>
         </p:txBody>
       </p:sp>
@@ -8863,11 +8762,6 @@
               </a:rPr>
               <a:t>此对象的属性</a:t>
             </a:r>
-            <a:endParaRPr lang="zh-CN" altLang="en-US" sz="1600" b="1" dirty="0">
-              <a:solidFill>
-                <a:srgbClr val="FF0000"/>
-              </a:solidFill>
-            </a:endParaRPr>
           </a:p>
         </p:txBody>
       </p:sp>
@@ -8945,6 +8839,16 @@
               </a:rPr>
               <a:t> = speed</a:t>
             </a:r>
+          </a:p>
+          <a:p>
+            <a:r>
+              <a:rPr lang="zh-CN" altLang="en-US" sz="1600" b="1" dirty="0">
+                <a:solidFill>
+                  <a:srgbClr val="FF0000"/>
+                </a:solidFill>
+              </a:rPr>
+              <a:t>将传入的参数赋值给此对象的属性</a:t>
+            </a:r>
             <a:endParaRPr lang="en-US" altLang="zh-CN" sz="1600" b="1" dirty="0">
               <a:solidFill>
                 <a:srgbClr val="FF0000"/>
@@ -8958,28 +8862,8 @@
                   <a:srgbClr val="FF0000"/>
                 </a:solidFill>
               </a:rPr>
-              <a:t>将传入的参数赋值给此对象的属性</a:t>
-            </a:r>
-            <a:endParaRPr lang="en-US" altLang="zh-CN" sz="1600" b="1" dirty="0">
-              <a:solidFill>
-                <a:srgbClr val="FF0000"/>
-              </a:solidFill>
-            </a:endParaRPr>
-          </a:p>
-          <a:p>
-            <a:r>
-              <a:rPr lang="zh-CN" altLang="en-US" sz="1600" b="1" dirty="0">
-                <a:solidFill>
-                  <a:srgbClr val="FF0000"/>
-                </a:solidFill>
-              </a:rPr>
               <a:t>封装</a:t>
             </a:r>
-            <a:endParaRPr lang="zh-CN" altLang="en-US" sz="1600" b="1" dirty="0">
-              <a:solidFill>
-                <a:srgbClr val="FF0000"/>
-              </a:solidFill>
-            </a:endParaRPr>
           </a:p>
         </p:txBody>
       </p:sp>
@@ -9376,7 +9260,6 @@
               <a:rPr lang="zh-CN" altLang="en-US" dirty="0"/>
               <a:t>关键词引入。通过类型名称使用</a:t>
             </a:r>
-            <a:endParaRPr lang="zh-CN" altLang="en-US" dirty="0"/>
           </a:p>
           <a:p>
             <a:endParaRPr lang="en-US" altLang="zh-CN" dirty="0"/>
@@ -9403,6 +9286,7 @@
           <a:p>
             <a:fld id="{0C913308-F349-4B6D-A68A-DD1791B4A57B}" type="slidenum">
               <a:rPr lang="zh-CN" altLang="en-US" smtClean="0"/>
+              <a:t>19</a:t>
             </a:fld>
             <a:endParaRPr lang="zh-CN" altLang="en-US" dirty="0"/>
           </a:p>
@@ -9411,129 +9295,6 @@
       <p:pic>
         <p:nvPicPr>
           <p:cNvPr id="1026" name="Picture 2"/>
-          <p:cNvPicPr>
-            <a:picLocks noChangeAspect="1" noChangeArrowheads="1"/>
-          </p:cNvPicPr>
-          <p:nvPr/>
-        </p:nvPicPr>
-        <p:blipFill>
-          <a:blip r:embed="rId1">
-            <a:extLst>
-              <a:ext uri="{28A0092B-C50C-407E-A947-70E740481C1C}">
-                <a14:useLocalDpi xmlns:a14="http://schemas.microsoft.com/office/drawing/2010/main" val="0"/>
-              </a:ext>
-            </a:extLst>
-          </a:blip>
-          <a:srcRect/>
-          <a:stretch>
-            <a:fillRect/>
-          </a:stretch>
-        </p:blipFill>
-        <p:spPr bwMode="auto">
-          <a:xfrm>
-            <a:off x="683568" y="692696"/>
-            <a:ext cx="5305425" cy="1200150"/>
-          </a:xfrm>
-          <a:prstGeom prst="rect">
-            <a:avLst/>
-          </a:prstGeom>
-          <a:noFill/>
-          <a:ln>
-            <a:noFill/>
-          </a:ln>
-          <a:extLst>
-            <a:ext uri="{909E8E84-426E-40DD-AFC4-6F175D3DCCD1}">
-              <a14:hiddenFill xmlns:a14="http://schemas.microsoft.com/office/drawing/2010/main">
-                <a:solidFill>
-                  <a:schemeClr val="accent1"/>
-                </a:solidFill>
-              </a14:hiddenFill>
-            </a:ext>
-            <a:ext uri="{91240B29-F687-4F45-9708-019B960494DF}">
-              <a14:hiddenLine xmlns:a14="http://schemas.microsoft.com/office/drawing/2010/main" w="9525">
-                <a:solidFill>
-                  <a:schemeClr val="tx1"/>
-                </a:solidFill>
-                <a:miter lim="800000"/>
-                <a:headEnd/>
-                <a:tailEnd/>
-              </a14:hiddenLine>
-            </a:ext>
-          </a:extLst>
-        </p:spPr>
-      </p:pic>
-      <p:sp>
-        <p:nvSpPr>
-          <p:cNvPr id="6" name="TextBox 5"/>
-          <p:cNvSpPr txBox="1"/>
-          <p:nvPr/>
-        </p:nvSpPr>
-        <p:spPr>
-          <a:xfrm>
-            <a:off x="4377142" y="908720"/>
-            <a:ext cx="2108526" cy="584775"/>
-          </a:xfrm>
-          <a:prstGeom prst="rect">
-            <a:avLst/>
-          </a:prstGeom>
-          <a:noFill/>
-        </p:spPr>
-        <p:txBody>
-          <a:bodyPr wrap="none" rtlCol="0">
-            <a:spAutoFit/>
-          </a:bodyPr>
-          <a:lstStyle/>
-          <a:p>
-            <a:r>
-              <a:rPr lang="zh-CN" altLang="en-US" sz="1600" b="1" dirty="0">
-                <a:solidFill>
-                  <a:srgbClr val="FF0000"/>
-                </a:solidFill>
-              </a:rPr>
-              <a:t>通过全限定性名称</a:t>
-            </a:r>
-            <a:endParaRPr lang="en-US" altLang="zh-CN" sz="1600" b="1" dirty="0">
-              <a:solidFill>
-                <a:srgbClr val="FF0000"/>
-              </a:solidFill>
-            </a:endParaRPr>
-          </a:p>
-          <a:p>
-            <a:r>
-              <a:rPr lang="zh-CN" altLang="en-US" sz="1600" b="1" dirty="0">
-                <a:solidFill>
-                  <a:srgbClr val="FF0000"/>
-                </a:solidFill>
-              </a:rPr>
-              <a:t>声明</a:t>
-            </a:r>
-            <a:r>
-              <a:rPr lang="en-US" altLang="zh-CN" sz="1600" b="1" dirty="0">
-                <a:solidFill>
-                  <a:srgbClr val="FF0000"/>
-                </a:solidFill>
-              </a:rPr>
-              <a:t>Bicycle</a:t>
-            </a:r>
-            <a:r>
-              <a:rPr lang="zh-CN" altLang="en-US" sz="1600" b="1" dirty="0">
-                <a:solidFill>
-                  <a:srgbClr val="FF0000"/>
-                </a:solidFill>
-              </a:rPr>
-              <a:t>类型属性</a:t>
-            </a:r>
-            <a:endParaRPr lang="en-US" altLang="zh-CN" sz="1600" b="1" dirty="0">
-              <a:solidFill>
-                <a:srgbClr val="FF0000"/>
-              </a:solidFill>
-            </a:endParaRPr>
-          </a:p>
-        </p:txBody>
-      </p:sp>
-      <p:pic>
-        <p:nvPicPr>
-          <p:cNvPr id="1027" name="Picture 3"/>
           <p:cNvPicPr>
             <a:picLocks noChangeAspect="1" noChangeArrowheads="1"/>
           </p:cNvPicPr>
@@ -9554,8 +9315,8 @@
         </p:blipFill>
         <p:spPr bwMode="auto">
           <a:xfrm>
-            <a:off x="406290" y="3645024"/>
-            <a:ext cx="4200525" cy="1876425"/>
+            <a:off x="683568" y="692696"/>
+            <a:ext cx="5305425" cy="1200150"/>
           </a:xfrm>
           <a:prstGeom prst="rect">
             <a:avLst/>
@@ -9587,14 +9348,14 @@
       </p:pic>
       <p:sp>
         <p:nvSpPr>
-          <p:cNvPr id="8" name="TextBox 7"/>
+          <p:cNvPr id="6" name="TextBox 5"/>
           <p:cNvSpPr txBox="1"/>
           <p:nvPr/>
         </p:nvSpPr>
         <p:spPr>
           <a:xfrm>
-            <a:off x="5076056" y="3921516"/>
-            <a:ext cx="2980175" cy="1323439"/>
+            <a:off x="4377142" y="908720"/>
+            <a:ext cx="2108526" cy="584775"/>
           </a:xfrm>
           <a:prstGeom prst="rect">
             <a:avLst/>
@@ -9613,7 +9374,7 @@
                   <a:srgbClr val="FF0000"/>
                 </a:solidFill>
               </a:rPr>
-              <a:t>即</a:t>
+              <a:t>通过全限定性名称</a:t>
             </a:r>
             <a:endParaRPr lang="en-US" altLang="zh-CN" sz="1600" b="1" dirty="0">
               <a:solidFill>
@@ -9623,12 +9384,28 @@
           </a:p>
           <a:p>
             <a:r>
+              <a:rPr lang="zh-CN" altLang="en-US" sz="1600" b="1" dirty="0">
+                <a:solidFill>
+                  <a:srgbClr val="FF0000"/>
+                </a:solidFill>
+              </a:rPr>
+              <a:t>声明</a:t>
+            </a:r>
+            <a:r>
               <a:rPr lang="en-US" altLang="zh-CN" sz="1600" b="1" dirty="0">
                 <a:solidFill>
                   <a:srgbClr val="FF0000"/>
                 </a:solidFill>
               </a:rPr>
-              <a:t>com.example02.clazz.Bicycle</a:t>
+              <a:t>Bicycle</a:t>
+            </a:r>
+            <a:r>
+              <a:rPr lang="zh-CN" altLang="en-US" sz="1600" b="1" dirty="0">
+                <a:solidFill>
+                  <a:srgbClr val="FF0000"/>
+                </a:solidFill>
+              </a:rPr>
+              <a:t>类型属性</a:t>
             </a:r>
             <a:endParaRPr lang="en-US" altLang="zh-CN" sz="1600" b="1" dirty="0">
               <a:solidFill>
@@ -9636,6 +9413,83 @@
               </a:solidFill>
             </a:endParaRPr>
           </a:p>
+        </p:txBody>
+      </p:sp>
+      <p:pic>
+        <p:nvPicPr>
+          <p:cNvPr id="1027" name="Picture 3"/>
+          <p:cNvPicPr>
+            <a:picLocks noChangeAspect="1" noChangeArrowheads="1"/>
+          </p:cNvPicPr>
+          <p:nvPr/>
+        </p:nvPicPr>
+        <p:blipFill>
+          <a:blip r:embed="rId3">
+            <a:extLst>
+              <a:ext uri="{28A0092B-C50C-407E-A947-70E740481C1C}">
+                <a14:useLocalDpi xmlns:a14="http://schemas.microsoft.com/office/drawing/2010/main" val="0"/>
+              </a:ext>
+            </a:extLst>
+          </a:blip>
+          <a:srcRect/>
+          <a:stretch>
+            <a:fillRect/>
+          </a:stretch>
+        </p:blipFill>
+        <p:spPr bwMode="auto">
+          <a:xfrm>
+            <a:off x="406290" y="3645024"/>
+            <a:ext cx="4200525" cy="1876425"/>
+          </a:xfrm>
+          <a:prstGeom prst="rect">
+            <a:avLst/>
+          </a:prstGeom>
+          <a:noFill/>
+          <a:ln>
+            <a:noFill/>
+          </a:ln>
+          <a:extLst>
+            <a:ext uri="{909E8E84-426E-40DD-AFC4-6F175D3DCCD1}">
+              <a14:hiddenFill xmlns:a14="http://schemas.microsoft.com/office/drawing/2010/main">
+                <a:solidFill>
+                  <a:schemeClr val="accent1"/>
+                </a:solidFill>
+              </a14:hiddenFill>
+            </a:ext>
+            <a:ext uri="{91240B29-F687-4F45-9708-019B960494DF}">
+              <a14:hiddenLine xmlns:a14="http://schemas.microsoft.com/office/drawing/2010/main" w="9525">
+                <a:solidFill>
+                  <a:schemeClr val="tx1"/>
+                </a:solidFill>
+                <a:miter lim="800000"/>
+                <a:headEnd/>
+                <a:tailEnd/>
+              </a14:hiddenLine>
+            </a:ext>
+          </a:extLst>
+        </p:spPr>
+      </p:pic>
+      <p:sp>
+        <p:nvSpPr>
+          <p:cNvPr id="8" name="TextBox 7"/>
+          <p:cNvSpPr txBox="1"/>
+          <p:nvPr/>
+        </p:nvSpPr>
+        <p:spPr>
+          <a:xfrm>
+            <a:off x="5076056" y="3921516"/>
+            <a:ext cx="2980175" cy="1323439"/>
+          </a:xfrm>
+          <a:prstGeom prst="rect">
+            <a:avLst/>
+          </a:prstGeom>
+          <a:noFill/>
+        </p:spPr>
+        <p:txBody>
+          <a:bodyPr wrap="none" rtlCol="0">
+            <a:spAutoFit/>
+          </a:bodyPr>
+          <a:lstStyle/>
           <a:p>
             <a:r>
               <a:rPr lang="zh-CN" altLang="en-US" sz="1600" b="1" dirty="0">
@@ -9643,7 +9497,7 @@
                   <a:srgbClr val="FF0000"/>
                 </a:solidFill>
               </a:rPr>
-              <a:t>成为了当前类的包成员</a:t>
+              <a:t>即</a:t>
             </a:r>
             <a:endParaRPr lang="en-US" altLang="zh-CN" sz="1600" b="1" dirty="0">
               <a:solidFill>
@@ -9653,12 +9507,22 @@
           </a:p>
           <a:p>
             <a:r>
+              <a:rPr lang="en-US" altLang="zh-CN" sz="1600" b="1" dirty="0">
+                <a:solidFill>
+                  <a:srgbClr val="FF0000"/>
+                </a:solidFill>
+              </a:rPr>
+              <a:t>com.example02.clazz.Bicycle</a:t>
+            </a:r>
+          </a:p>
+          <a:p>
+            <a:r>
               <a:rPr lang="zh-CN" altLang="en-US" sz="1600" b="1" dirty="0">
                 <a:solidFill>
                   <a:srgbClr val="FF0000"/>
                 </a:solidFill>
               </a:rPr>
-              <a:t>因此，可通过类型名称</a:t>
+              <a:t>成为了当前类的包成员</a:t>
             </a:r>
             <a:endParaRPr lang="en-US" altLang="zh-CN" sz="1600" b="1" dirty="0">
               <a:solidFill>
@@ -9673,13 +9537,23 @@
                   <a:srgbClr val="FF0000"/>
                 </a:solidFill>
               </a:rPr>
-              <a:t>直接使用</a:t>
-            </a:r>
-            <a:endParaRPr lang="zh-CN" altLang="en-US" sz="1600" b="1" dirty="0">
+              <a:t>因此，可通过类型名称</a:t>
+            </a:r>
+            <a:endParaRPr lang="en-US" altLang="zh-CN" sz="1600" b="1" dirty="0">
               <a:solidFill>
                 <a:srgbClr val="FF0000"/>
               </a:solidFill>
             </a:endParaRPr>
+          </a:p>
+          <a:p>
+            <a:r>
+              <a:rPr lang="zh-CN" altLang="en-US" sz="1600" b="1" dirty="0">
+                <a:solidFill>
+                  <a:srgbClr val="FF0000"/>
+                </a:solidFill>
+              </a:rPr>
+              <a:t>直接使用</a:t>
+            </a:r>
           </a:p>
         </p:txBody>
       </p:sp>
@@ -9788,11 +9662,6 @@
               </a:rPr>
               <a:t>com.example02.clazz.Bicycle</a:t>
             </a:r>
-            <a:endParaRPr lang="en-US" altLang="zh-CN" sz="1600" b="1" dirty="0">
-              <a:solidFill>
-                <a:srgbClr val="FF0000"/>
-              </a:solidFill>
-            </a:endParaRPr>
           </a:p>
         </p:txBody>
       </p:sp>
@@ -9838,6 +9707,7 @@
           <a:p>
             <a:fld id="{0C913308-F349-4B6D-A68A-DD1791B4A57B}" type="slidenum">
               <a:rPr lang="zh-CN" altLang="en-US" smtClean="0"/>
+              <a:t>20</a:t>
             </a:fld>
             <a:endParaRPr lang="zh-CN" altLang="en-US" dirty="0"/>
           </a:p>
@@ -9846,129 +9716,6 @@
       <p:pic>
         <p:nvPicPr>
           <p:cNvPr id="2050" name="Picture 2"/>
-          <p:cNvPicPr>
-            <a:picLocks noChangeAspect="1" noChangeArrowheads="1"/>
-          </p:cNvPicPr>
-          <p:nvPr/>
-        </p:nvPicPr>
-        <p:blipFill>
-          <a:blip r:embed="rId1">
-            <a:extLst>
-              <a:ext uri="{28A0092B-C50C-407E-A947-70E740481C1C}">
-                <a14:useLocalDpi xmlns:a14="http://schemas.microsoft.com/office/drawing/2010/main" val="0"/>
-              </a:ext>
-            </a:extLst>
-          </a:blip>
-          <a:srcRect/>
-          <a:stretch>
-            <a:fillRect/>
-          </a:stretch>
-        </p:blipFill>
-        <p:spPr bwMode="auto">
-          <a:xfrm>
-            <a:off x="390872" y="3524294"/>
-            <a:ext cx="5057775" cy="1095375"/>
-          </a:xfrm>
-          <a:prstGeom prst="rect">
-            <a:avLst/>
-          </a:prstGeom>
-          <a:noFill/>
-          <a:ln>
-            <a:noFill/>
-          </a:ln>
-          <a:extLst>
-            <a:ext uri="{909E8E84-426E-40DD-AFC4-6F175D3DCCD1}">
-              <a14:hiddenFill xmlns:a14="http://schemas.microsoft.com/office/drawing/2010/main">
-                <a:solidFill>
-                  <a:schemeClr val="accent1"/>
-                </a:solidFill>
-              </a14:hiddenFill>
-            </a:ext>
-            <a:ext uri="{91240B29-F687-4F45-9708-019B960494DF}">
-              <a14:hiddenLine xmlns:a14="http://schemas.microsoft.com/office/drawing/2010/main" w="9525">
-                <a:solidFill>
-                  <a:schemeClr val="tx1"/>
-                </a:solidFill>
-                <a:miter lim="800000"/>
-                <a:headEnd/>
-                <a:tailEnd/>
-              </a14:hiddenLine>
-            </a:ext>
-          </a:extLst>
-        </p:spPr>
-      </p:pic>
-      <p:sp>
-        <p:nvSpPr>
-          <p:cNvPr id="6" name="TextBox 5"/>
-          <p:cNvSpPr txBox="1"/>
-          <p:nvPr/>
-        </p:nvSpPr>
-        <p:spPr>
-          <a:xfrm>
-            <a:off x="5802312" y="3656484"/>
-            <a:ext cx="2723823" cy="584775"/>
-          </a:xfrm>
-          <a:prstGeom prst="rect">
-            <a:avLst/>
-          </a:prstGeom>
-          <a:noFill/>
-        </p:spPr>
-        <p:txBody>
-          <a:bodyPr wrap="none" rtlCol="0">
-            <a:spAutoFit/>
-          </a:bodyPr>
-          <a:lstStyle/>
-          <a:p>
-            <a:r>
-              <a:rPr lang="zh-CN" altLang="en-US" sz="1600" b="1" dirty="0">
-                <a:solidFill>
-                  <a:srgbClr val="FF0000"/>
-                </a:solidFill>
-              </a:rPr>
-              <a:t>强制</a:t>
-            </a:r>
-            <a:r>
-              <a:rPr lang="en-US" altLang="zh-CN" sz="1600" b="1" dirty="0">
-                <a:solidFill>
-                  <a:srgbClr val="FF0000"/>
-                </a:solidFill>
-              </a:rPr>
-              <a:t>import</a:t>
-            </a:r>
-            <a:r>
-              <a:rPr lang="zh-CN" altLang="en-US" sz="1600" b="1" dirty="0">
-                <a:solidFill>
-                  <a:srgbClr val="FF0000"/>
-                </a:solidFill>
-              </a:rPr>
-              <a:t>相同名称的类型</a:t>
-            </a:r>
-            <a:endParaRPr lang="en-US" altLang="zh-CN" sz="1600" b="1" dirty="0">
-              <a:solidFill>
-                <a:srgbClr val="FF0000"/>
-              </a:solidFill>
-            </a:endParaRPr>
-          </a:p>
-          <a:p>
-            <a:r>
-              <a:rPr lang="zh-CN" altLang="en-US" sz="1600" b="1" dirty="0">
-                <a:solidFill>
-                  <a:srgbClr val="FF0000"/>
-                </a:solidFill>
-              </a:rPr>
-              <a:t>无法编译</a:t>
-            </a:r>
-            <a:endParaRPr lang="zh-CN" altLang="en-US" sz="1600" b="1" dirty="0">
-              <a:solidFill>
-                <a:srgbClr val="FF0000"/>
-              </a:solidFill>
-            </a:endParaRPr>
-          </a:p>
-        </p:txBody>
-      </p:sp>
-      <p:pic>
-        <p:nvPicPr>
-          <p:cNvPr id="2051" name="Picture 3"/>
           <p:cNvPicPr>
             <a:picLocks noChangeAspect="1" noChangeArrowheads="1"/>
           </p:cNvPicPr>
@@ -9989,8 +9736,8 @@
         </p:blipFill>
         <p:spPr bwMode="auto">
           <a:xfrm>
-            <a:off x="4080" y="496055"/>
-            <a:ext cx="5476875" cy="1495425"/>
+            <a:off x="390872" y="3524294"/>
+            <a:ext cx="5057775" cy="1095375"/>
           </a:xfrm>
           <a:prstGeom prst="rect">
             <a:avLst/>
@@ -10022,14 +9769,14 @@
       </p:pic>
       <p:sp>
         <p:nvSpPr>
-          <p:cNvPr id="7" name="TextBox 6"/>
+          <p:cNvPr id="6" name="TextBox 5"/>
           <p:cNvSpPr txBox="1"/>
           <p:nvPr/>
         </p:nvSpPr>
         <p:spPr>
           <a:xfrm>
-            <a:off x="5857523" y="272208"/>
-            <a:ext cx="3286477" cy="1815882"/>
+            <a:off x="5802312" y="3656484"/>
+            <a:ext cx="2723823" cy="584775"/>
           </a:xfrm>
           <a:prstGeom prst="rect">
             <a:avLst/>
@@ -10048,7 +9795,7 @@
                   <a:srgbClr val="FF0000"/>
                 </a:solidFill>
               </a:rPr>
-              <a:t>如果直接声明</a:t>
+              <a:t>强制</a:t>
             </a:r>
             <a:r>
               <a:rPr lang="en-US" altLang="zh-CN" sz="1600" b="1" dirty="0">
@@ -10056,7 +9803,7 @@
                   <a:srgbClr val="FF0000"/>
                 </a:solidFill>
               </a:rPr>
-              <a:t>Bicycle</a:t>
+              <a:t>import</a:t>
             </a:r>
             <a:r>
               <a:rPr lang="zh-CN" altLang="en-US" sz="1600" b="1" dirty="0">
@@ -10064,7 +9811,7 @@
                   <a:srgbClr val="FF0000"/>
                 </a:solidFill>
               </a:rPr>
-              <a:t>，则为</a:t>
+              <a:t>相同名称的类型</a:t>
             </a:r>
             <a:endParaRPr lang="en-US" altLang="zh-CN" sz="1600" b="1" dirty="0">
               <a:solidFill>
@@ -10074,20 +9821,99 @@
           </a:p>
           <a:p>
             <a:r>
-              <a:rPr lang="en-US" altLang="zh-CN" sz="1600" b="1" dirty="0" err="1">
-                <a:solidFill>
-                  <a:srgbClr val="FF0000"/>
-                </a:solidFill>
-              </a:rPr>
-              <a:t>clazz</a:t>
-            </a:r>
-            <a:r>
               <a:rPr lang="zh-CN" altLang="en-US" sz="1600" b="1" dirty="0">
                 <a:solidFill>
                   <a:srgbClr val="FF0000"/>
                 </a:solidFill>
               </a:rPr>
-              <a:t>包下的</a:t>
+              <a:t>无法编译</a:t>
+            </a:r>
+          </a:p>
+        </p:txBody>
+      </p:sp>
+      <p:pic>
+        <p:nvPicPr>
+          <p:cNvPr id="2051" name="Picture 3"/>
+          <p:cNvPicPr>
+            <a:picLocks noChangeAspect="1" noChangeArrowheads="1"/>
+          </p:cNvPicPr>
+          <p:nvPr/>
+        </p:nvPicPr>
+        <p:blipFill>
+          <a:blip r:embed="rId3">
+            <a:extLst>
+              <a:ext uri="{28A0092B-C50C-407E-A947-70E740481C1C}">
+                <a14:useLocalDpi xmlns:a14="http://schemas.microsoft.com/office/drawing/2010/main" val="0"/>
+              </a:ext>
+            </a:extLst>
+          </a:blip>
+          <a:srcRect/>
+          <a:stretch>
+            <a:fillRect/>
+          </a:stretch>
+        </p:blipFill>
+        <p:spPr bwMode="auto">
+          <a:xfrm>
+            <a:off x="4080" y="496055"/>
+            <a:ext cx="5476875" cy="1495425"/>
+          </a:xfrm>
+          <a:prstGeom prst="rect">
+            <a:avLst/>
+          </a:prstGeom>
+          <a:noFill/>
+          <a:ln>
+            <a:noFill/>
+          </a:ln>
+          <a:extLst>
+            <a:ext uri="{909E8E84-426E-40DD-AFC4-6F175D3DCCD1}">
+              <a14:hiddenFill xmlns:a14="http://schemas.microsoft.com/office/drawing/2010/main">
+                <a:solidFill>
+                  <a:schemeClr val="accent1"/>
+                </a:solidFill>
+              </a14:hiddenFill>
+            </a:ext>
+            <a:ext uri="{91240B29-F687-4F45-9708-019B960494DF}">
+              <a14:hiddenLine xmlns:a14="http://schemas.microsoft.com/office/drawing/2010/main" w="9525">
+                <a:solidFill>
+                  <a:schemeClr val="tx1"/>
+                </a:solidFill>
+                <a:miter lim="800000"/>
+                <a:headEnd/>
+                <a:tailEnd/>
+              </a14:hiddenLine>
+            </a:ext>
+          </a:extLst>
+        </p:spPr>
+      </p:pic>
+      <p:sp>
+        <p:nvSpPr>
+          <p:cNvPr id="7" name="TextBox 6"/>
+          <p:cNvSpPr txBox="1"/>
+          <p:nvPr/>
+        </p:nvSpPr>
+        <p:spPr>
+          <a:xfrm>
+            <a:off x="5857523" y="272208"/>
+            <a:ext cx="3286477" cy="1815882"/>
+          </a:xfrm>
+          <a:prstGeom prst="rect">
+            <a:avLst/>
+          </a:prstGeom>
+          <a:noFill/>
+        </p:spPr>
+        <p:txBody>
+          <a:bodyPr wrap="none" rtlCol="0">
+            <a:spAutoFit/>
+          </a:bodyPr>
+          <a:lstStyle/>
+          <a:p>
+            <a:r>
+              <a:rPr lang="zh-CN" altLang="en-US" sz="1600" b="1" dirty="0">
+                <a:solidFill>
+                  <a:srgbClr val="FF0000"/>
+                </a:solidFill>
+              </a:rPr>
+              <a:t>如果直接声明</a:t>
             </a:r>
             <a:r>
               <a:rPr lang="en-US" altLang="zh-CN" sz="1600" b="1" dirty="0">
@@ -10103,7 +9929,7 @@
                   <a:srgbClr val="FF0000"/>
                 </a:solidFill>
               </a:rPr>
-              <a:t>类型</a:t>
+              <a:t>，则为</a:t>
             </a:r>
             <a:endParaRPr lang="en-US" altLang="zh-CN" sz="1600" b="1" dirty="0">
               <a:solidFill>
@@ -10113,12 +9939,36 @@
           </a:p>
           <a:p>
             <a:r>
+              <a:rPr lang="en-US" altLang="zh-CN" sz="1600" b="1" dirty="0" err="1">
+                <a:solidFill>
+                  <a:srgbClr val="FF0000"/>
+                </a:solidFill>
+              </a:rPr>
+              <a:t>clazz</a:t>
+            </a:r>
+            <a:r>
               <a:rPr lang="zh-CN" altLang="en-US" sz="1600" b="1" dirty="0">
                 <a:solidFill>
                   <a:srgbClr val="FF0000"/>
                 </a:solidFill>
               </a:rPr>
-              <a:t>而第二个属性需要的是</a:t>
+              <a:t>包下的</a:t>
+            </a:r>
+            <a:r>
+              <a:rPr lang="en-US" altLang="zh-CN" sz="1600" b="1" dirty="0">
+                <a:solidFill>
+                  <a:srgbClr val="FF0000"/>
+                </a:solidFill>
+              </a:rPr>
+              <a:t>Bicycle</a:t>
+            </a:r>
+            <a:r>
+              <a:rPr lang="zh-CN" altLang="en-US" sz="1600" b="1" dirty="0">
+                <a:solidFill>
+                  <a:srgbClr val="FF0000"/>
+                </a:solidFill>
+              </a:rPr>
+              <a:t>类型</a:t>
             </a:r>
             <a:endParaRPr lang="en-US" altLang="zh-CN" sz="1600" b="1" dirty="0">
               <a:solidFill>
@@ -10128,36 +9978,12 @@
           </a:p>
           <a:p>
             <a:r>
-              <a:rPr lang="en-US" altLang="zh-CN" sz="1600" b="1" dirty="0">
-                <a:solidFill>
-                  <a:srgbClr val="FF0000"/>
-                </a:solidFill>
-              </a:rPr>
-              <a:t>method</a:t>
-            </a:r>
-            <a:r>
               <a:rPr lang="zh-CN" altLang="en-US" sz="1600" b="1" dirty="0">
                 <a:solidFill>
                   <a:srgbClr val="FF0000"/>
                 </a:solidFill>
               </a:rPr>
-              <a:t>包下</a:t>
-            </a:r>
-            <a:r>
-              <a:rPr lang="en-US" altLang="zh-CN" sz="1600" b="1" dirty="0">
-                <a:solidFill>
-                  <a:srgbClr val="FF0000"/>
-                </a:solidFill>
-              </a:rPr>
-              <a:t>Bicycle</a:t>
-            </a:r>
-            <a:r>
-              <a:rPr lang="zh-CN" altLang="en-US" sz="1600" b="1" dirty="0">
-                <a:solidFill>
-                  <a:srgbClr val="FF0000"/>
-                </a:solidFill>
-              </a:rPr>
-              <a:t>类型</a:t>
+              <a:t>而第二个属性需要的是</a:t>
             </a:r>
             <a:endParaRPr lang="en-US" altLang="zh-CN" sz="1600" b="1" dirty="0">
               <a:solidFill>
@@ -10167,12 +9993,36 @@
           </a:p>
           <a:p>
             <a:r>
+              <a:rPr lang="en-US" altLang="zh-CN" sz="1600" b="1" dirty="0">
+                <a:solidFill>
+                  <a:srgbClr val="FF0000"/>
+                </a:solidFill>
+              </a:rPr>
+              <a:t>method</a:t>
+            </a:r>
+            <a:r>
               <a:rPr lang="zh-CN" altLang="en-US" sz="1600" b="1" dirty="0">
                 <a:solidFill>
                   <a:srgbClr val="FF0000"/>
                 </a:solidFill>
               </a:rPr>
-              <a:t>因此，当包路径不同但名称相同时</a:t>
+              <a:t>包下</a:t>
+            </a:r>
+            <a:r>
+              <a:rPr lang="en-US" altLang="zh-CN" sz="1600" b="1" dirty="0">
+                <a:solidFill>
+                  <a:srgbClr val="FF0000"/>
+                </a:solidFill>
+              </a:rPr>
+              <a:t>Bicycle</a:t>
+            </a:r>
+            <a:r>
+              <a:rPr lang="zh-CN" altLang="en-US" sz="1600" b="1" dirty="0">
+                <a:solidFill>
+                  <a:srgbClr val="FF0000"/>
+                </a:solidFill>
+              </a:rPr>
+              <a:t>类型</a:t>
             </a:r>
             <a:endParaRPr lang="en-US" altLang="zh-CN" sz="1600" b="1" dirty="0">
               <a:solidFill>
@@ -10187,7 +10037,7 @@
                   <a:srgbClr val="FF0000"/>
                 </a:solidFill>
               </a:rPr>
-              <a:t>为解决冲突，必须使用其中之一的</a:t>
+              <a:t>因此，当包路径不同但名称相同时</a:t>
             </a:r>
             <a:endParaRPr lang="en-US" altLang="zh-CN" sz="1600" b="1" dirty="0">
               <a:solidFill>
@@ -10202,13 +10052,23 @@
                   <a:srgbClr val="FF0000"/>
                 </a:solidFill>
               </a:rPr>
-              <a:t>全限定下名称</a:t>
-            </a:r>
-            <a:endParaRPr lang="zh-CN" altLang="en-US" sz="1600" b="1" dirty="0">
+              <a:t>为解决冲突，必须使用其中之一的</a:t>
+            </a:r>
+            <a:endParaRPr lang="en-US" altLang="zh-CN" sz="1600" b="1" dirty="0">
               <a:solidFill>
                 <a:srgbClr val="FF0000"/>
               </a:solidFill>
             </a:endParaRPr>
+          </a:p>
+          <a:p>
+            <a:r>
+              <a:rPr lang="zh-CN" altLang="en-US" sz="1600" b="1" dirty="0">
+                <a:solidFill>
+                  <a:srgbClr val="FF0000"/>
+                </a:solidFill>
+              </a:rPr>
+              <a:t>全限定下名称</a:t>
+            </a:r>
           </a:p>
         </p:txBody>
       </p:sp>
@@ -10354,6 +10214,7 @@
           <a:p>
             <a:fld id="{0C913308-F349-4B6D-A68A-DD1791B4A57B}" type="slidenum">
               <a:rPr lang="zh-CN" altLang="en-US" smtClean="0"/>
+              <a:t>21</a:t>
             </a:fld>
             <a:endParaRPr lang="zh-CN" altLang="en-US" dirty="0"/>
           </a:p>
@@ -10362,60 +10223,6 @@
       <p:pic>
         <p:nvPicPr>
           <p:cNvPr id="15363" name="Picture 3"/>
-          <p:cNvPicPr>
-            <a:picLocks noChangeAspect="1" noChangeArrowheads="1"/>
-          </p:cNvPicPr>
-          <p:nvPr/>
-        </p:nvPicPr>
-        <p:blipFill>
-          <a:blip r:embed="rId1">
-            <a:extLst>
-              <a:ext uri="{28A0092B-C50C-407E-A947-70E740481C1C}">
-                <a14:useLocalDpi xmlns:a14="http://schemas.microsoft.com/office/drawing/2010/main" val="0"/>
-              </a:ext>
-            </a:extLst>
-          </a:blip>
-          <a:srcRect/>
-          <a:stretch>
-            <a:fillRect/>
-          </a:stretch>
-        </p:blipFill>
-        <p:spPr bwMode="auto">
-          <a:xfrm>
-            <a:off x="360389" y="3818880"/>
-            <a:ext cx="4286250" cy="704850"/>
-          </a:xfrm>
-          <a:prstGeom prst="rect">
-            <a:avLst/>
-          </a:prstGeom>
-          <a:noFill/>
-          <a:ln>
-            <a:noFill/>
-          </a:ln>
-          <a:extLst>
-            <a:ext uri="{909E8E84-426E-40DD-AFC4-6F175D3DCCD1}">
-              <a14:hiddenFill xmlns:a14="http://schemas.microsoft.com/office/drawing/2010/main">
-                <a:solidFill>
-                  <a:schemeClr val="accent1"/>
-                </a:solidFill>
-              </a14:hiddenFill>
-            </a:ext>
-            <a:ext uri="{91240B29-F687-4F45-9708-019B960494DF}">
-              <a14:hiddenLine xmlns:a14="http://schemas.microsoft.com/office/drawing/2010/main" w="9525">
-                <a:solidFill>
-                  <a:schemeClr val="tx1"/>
-                </a:solidFill>
-                <a:miter lim="800000"/>
-                <a:headEnd/>
-                <a:tailEnd/>
-              </a14:hiddenLine>
-            </a:ext>
-          </a:extLst>
-        </p:spPr>
-      </p:pic>
-      <p:pic>
-        <p:nvPicPr>
-          <p:cNvPr id="15364" name="Picture 4"/>
           <p:cNvPicPr>
             <a:picLocks noChangeAspect="1" noChangeArrowheads="1"/>
           </p:cNvPicPr>
@@ -10436,8 +10243,8 @@
         </p:blipFill>
         <p:spPr bwMode="auto">
           <a:xfrm>
-            <a:off x="395536" y="4921349"/>
-            <a:ext cx="3819525" cy="1047750"/>
+            <a:off x="360389" y="3818880"/>
+            <a:ext cx="4286250" cy="704850"/>
           </a:xfrm>
           <a:prstGeom prst="rect">
             <a:avLst/>
@@ -10467,6 +10274,60 @@
           </a:extLst>
         </p:spPr>
       </p:pic>
+      <p:pic>
+        <p:nvPicPr>
+          <p:cNvPr id="15364" name="Picture 4"/>
+          <p:cNvPicPr>
+            <a:picLocks noChangeAspect="1" noChangeArrowheads="1"/>
+          </p:cNvPicPr>
+          <p:nvPr/>
+        </p:nvPicPr>
+        <p:blipFill>
+          <a:blip r:embed="rId3">
+            <a:extLst>
+              <a:ext uri="{28A0092B-C50C-407E-A947-70E740481C1C}">
+                <a14:useLocalDpi xmlns:a14="http://schemas.microsoft.com/office/drawing/2010/main" val="0"/>
+              </a:ext>
+            </a:extLst>
+          </a:blip>
+          <a:srcRect/>
+          <a:stretch>
+            <a:fillRect/>
+          </a:stretch>
+        </p:blipFill>
+        <p:spPr bwMode="auto">
+          <a:xfrm>
+            <a:off x="395536" y="4921349"/>
+            <a:ext cx="3819525" cy="1047750"/>
+          </a:xfrm>
+          <a:prstGeom prst="rect">
+            <a:avLst/>
+          </a:prstGeom>
+          <a:noFill/>
+          <a:ln>
+            <a:noFill/>
+          </a:ln>
+          <a:extLst>
+            <a:ext uri="{909E8E84-426E-40DD-AFC4-6F175D3DCCD1}">
+              <a14:hiddenFill xmlns:a14="http://schemas.microsoft.com/office/drawing/2010/main">
+                <a:solidFill>
+                  <a:schemeClr val="accent1"/>
+                </a:solidFill>
+              </a14:hiddenFill>
+            </a:ext>
+            <a:ext uri="{91240B29-F687-4F45-9708-019B960494DF}">
+              <a14:hiddenLine xmlns:a14="http://schemas.microsoft.com/office/drawing/2010/main" w="9525">
+                <a:solidFill>
+                  <a:schemeClr val="tx1"/>
+                </a:solidFill>
+                <a:miter lim="800000"/>
+                <a:headEnd/>
+                <a:tailEnd/>
+              </a14:hiddenLine>
+            </a:ext>
+          </a:extLst>
+        </p:spPr>
+      </p:pic>
       <p:sp>
         <p:nvSpPr>
           <p:cNvPr id="5" name="TextBox 4"/>
@@ -10590,11 +10451,6 @@
               </a:rPr>
               <a:t>类型调用</a:t>
             </a:r>
-            <a:endParaRPr lang="zh-CN" altLang="en-US" sz="1600" b="1" dirty="0">
-              <a:solidFill>
-                <a:srgbClr val="FF0000"/>
-              </a:solidFill>
-            </a:endParaRPr>
           </a:p>
         </p:txBody>
       </p:sp>
@@ -10607,7 +10463,7 @@
           <p:nvPr/>
         </p:nvPicPr>
         <p:blipFill>
-          <a:blip r:embed="rId3">
+          <a:blip r:embed="rId4">
             <a:extLst>
               <a:ext uri="{28A0092B-C50C-407E-A947-70E740481C1C}">
                 <a14:useLocalDpi xmlns:a14="http://schemas.microsoft.com/office/drawing/2010/main" val="0"/>
@@ -10694,6 +10550,7 @@
           <a:p>
             <a:fld id="{0C913308-F349-4B6D-A68A-DD1791B4A57B}" type="slidenum">
               <a:rPr lang="zh-CN" altLang="en-US" smtClean="0"/>
+              <a:t>22</a:t>
             </a:fld>
             <a:endParaRPr lang="zh-CN" altLang="en-US" dirty="0"/>
           </a:p>
@@ -10708,7 +10565,7 @@
           <p:nvPr/>
         </p:nvPicPr>
         <p:blipFill>
-          <a:blip r:embed="rId1"/>
+          <a:blip r:embed="rId2"/>
           <a:stretch>
             <a:fillRect/>
           </a:stretch>
@@ -10768,11 +10625,6 @@
               </a:rPr>
               <a:t>所有断言方法</a:t>
             </a:r>
-            <a:endParaRPr lang="zh-CN" altLang="en-US" sz="1600" b="1" dirty="0">
-              <a:solidFill>
-                <a:srgbClr val="FF0000"/>
-              </a:solidFill>
-            </a:endParaRPr>
           </a:p>
         </p:txBody>
       </p:sp>
@@ -10922,7 +10774,6 @@
               <a:rPr lang="en-US" altLang="zh-CN" dirty="0"/>
               <a:t>.</a:t>
             </a:r>
-            <a:endParaRPr lang="en-US" altLang="zh-CN" dirty="0"/>
           </a:p>
           <a:p>
             <a:endParaRPr lang="en-US" altLang="zh-CN" dirty="0"/>
@@ -10946,6 +10797,7 @@
           <a:p>
             <a:fld id="{0C913308-F349-4B6D-A68A-DD1791B4A57B}" type="slidenum">
               <a:rPr lang="zh-CN" altLang="en-US" smtClean="0"/>
+              <a:t>23</a:t>
             </a:fld>
             <a:endParaRPr lang="zh-CN" altLang="en-US" dirty="0"/>
           </a:p>
@@ -11038,7 +10890,6 @@
               <a:rPr lang="en-US" altLang="zh-CN" dirty="0"/>
               <a:t>. Remember that a program can have multiple references to the same object; all references to an object must be dropped before the object is eligible for garbage collection.</a:t>
             </a:r>
-            <a:endParaRPr lang="en-US" altLang="zh-CN" dirty="0"/>
           </a:p>
           <a:p>
             <a:r>
@@ -11108,6 +10959,7 @@
           <a:p>
             <a:fld id="{0C913308-F349-4B6D-A68A-DD1791B4A57B}" type="slidenum">
               <a:rPr lang="zh-CN" altLang="en-US" smtClean="0"/>
+              <a:t>24</a:t>
             </a:fld>
             <a:endParaRPr lang="zh-CN" altLang="en-US" dirty="0"/>
           </a:p>
@@ -11172,13 +11024,20 @@
             </a:r>
             <a:r>
               <a:rPr lang="zh-CN" altLang="en-US" dirty="0"/>
-              <a:t>确定对象不再被使用时，自动销毁对象释放内存空间，这个过程称为，垃圾回收</a:t>
+              <a:t>确定对象不再被使用时，自动销毁对象释放内存空间，这个过程称为，</a:t>
+            </a:r>
+            <a:r>
+              <a:rPr lang="zh-CN" altLang="en-US" dirty="0">
+                <a:solidFill>
+                  <a:srgbClr val="FF0000"/>
+                </a:solidFill>
+              </a:rPr>
+              <a:t>垃圾回收</a:t>
             </a:r>
             <a:r>
               <a:rPr lang="en-US" altLang="zh-CN" dirty="0"/>
               <a:t>(Garbage Collector)</a:t>
             </a:r>
-            <a:endParaRPr lang="en-US" altLang="zh-CN" dirty="0"/>
           </a:p>
           <a:p>
             <a:r>
@@ -11254,7 +11113,6 @@
               <a:rPr lang="en-US" altLang="zh-CN" dirty="0"/>
               <a:t>)</a:t>
             </a:r>
-            <a:endParaRPr lang="en-US" altLang="zh-CN" dirty="0"/>
           </a:p>
         </p:txBody>
       </p:sp>
@@ -11275,6 +11133,7 @@
           <a:p>
             <a:fld id="{0C913308-F349-4B6D-A68A-DD1791B4A57B}" type="slidenum">
               <a:rPr lang="zh-CN" altLang="en-US" smtClean="0"/>
+              <a:t>25</a:t>
             </a:fld>
             <a:endParaRPr lang="zh-CN" altLang="en-US" dirty="0"/>
           </a:p>
@@ -11322,6 +11181,7 @@
           <a:p>
             <a:fld id="{0C913308-F349-4B6D-A68A-DD1791B4A57B}" type="slidenum">
               <a:rPr lang="zh-CN" altLang="en-US" smtClean="0"/>
+              <a:t>26</a:t>
             </a:fld>
             <a:endParaRPr lang="zh-CN" altLang="en-US" dirty="0"/>
           </a:p>
@@ -11330,524 +11190,6 @@
       <p:pic>
         <p:nvPicPr>
           <p:cNvPr id="5122" name="Picture 2"/>
-          <p:cNvPicPr>
-            <a:picLocks noChangeAspect="1" noChangeArrowheads="1"/>
-          </p:cNvPicPr>
-          <p:nvPr/>
-        </p:nvPicPr>
-        <p:blipFill>
-          <a:blip r:embed="rId1">
-            <a:extLst>
-              <a:ext uri="{28A0092B-C50C-407E-A947-70E740481C1C}">
-                <a14:useLocalDpi xmlns:a14="http://schemas.microsoft.com/office/drawing/2010/main" val="0"/>
-              </a:ext>
-            </a:extLst>
-          </a:blip>
-          <a:srcRect/>
-          <a:stretch>
-            <a:fillRect/>
-          </a:stretch>
-        </p:blipFill>
-        <p:spPr bwMode="auto">
-          <a:xfrm>
-            <a:off x="1" y="30193"/>
-            <a:ext cx="6318709" cy="3686839"/>
-          </a:xfrm>
-          <a:prstGeom prst="rect">
-            <a:avLst/>
-          </a:prstGeom>
-          <a:noFill/>
-          <a:ln>
-            <a:noFill/>
-          </a:ln>
-          <a:extLst>
-            <a:ext uri="{909E8E84-426E-40DD-AFC4-6F175D3DCCD1}">
-              <a14:hiddenFill xmlns:a14="http://schemas.microsoft.com/office/drawing/2010/main">
-                <a:solidFill>
-                  <a:schemeClr val="accent1"/>
-                </a:solidFill>
-              </a14:hiddenFill>
-            </a:ext>
-            <a:ext uri="{91240B29-F687-4F45-9708-019B960494DF}">
-              <a14:hiddenLine xmlns:a14="http://schemas.microsoft.com/office/drawing/2010/main" w="9525">
-                <a:solidFill>
-                  <a:schemeClr val="tx1"/>
-                </a:solidFill>
-                <a:miter lim="800000"/>
-                <a:headEnd/>
-                <a:tailEnd/>
-              </a14:hiddenLine>
-            </a:ext>
-          </a:extLst>
-        </p:spPr>
-      </p:pic>
-      <p:sp>
-        <p:nvSpPr>
-          <p:cNvPr id="6" name="TextBox 5"/>
-          <p:cNvSpPr txBox="1"/>
-          <p:nvPr/>
-        </p:nvSpPr>
-        <p:spPr>
-          <a:xfrm>
-            <a:off x="1552215" y="32218"/>
-            <a:ext cx="2308902" cy="338554"/>
-          </a:xfrm>
-          <a:prstGeom prst="rect">
-            <a:avLst/>
-          </a:prstGeom>
-          <a:noFill/>
-        </p:spPr>
-        <p:txBody>
-          <a:bodyPr wrap="none" rtlCol="0">
-            <a:spAutoFit/>
-          </a:bodyPr>
-          <a:lstStyle/>
-          <a:p>
-            <a:r>
-              <a:rPr lang="zh-CN" altLang="en-US" sz="1600" b="1" dirty="0">
-                <a:solidFill>
-                  <a:srgbClr val="FF0000"/>
-                </a:solidFill>
-              </a:rPr>
-              <a:t>声明</a:t>
-            </a:r>
-            <a:r>
-              <a:rPr lang="en-US" altLang="zh-CN" sz="1600" b="1" dirty="0">
-                <a:solidFill>
-                  <a:srgbClr val="FF0000"/>
-                </a:solidFill>
-              </a:rPr>
-              <a:t>Bicycle</a:t>
-            </a:r>
-            <a:r>
-              <a:rPr lang="zh-CN" altLang="en-US" sz="1600" b="1" dirty="0">
-                <a:solidFill>
-                  <a:srgbClr val="FF0000"/>
-                </a:solidFill>
-              </a:rPr>
-              <a:t>类型变量</a:t>
-            </a:r>
-            <a:r>
-              <a:rPr lang="en-US" altLang="zh-CN" sz="1600" b="1" dirty="0">
-                <a:solidFill>
-                  <a:srgbClr val="FF0000"/>
-                </a:solidFill>
-              </a:rPr>
-              <a:t>b1</a:t>
-            </a:r>
-            <a:endParaRPr lang="en-US" altLang="zh-CN" sz="1600" b="1" dirty="0">
-              <a:solidFill>
-                <a:srgbClr val="FF0000"/>
-              </a:solidFill>
-            </a:endParaRPr>
-          </a:p>
-        </p:txBody>
-      </p:sp>
-      <p:sp>
-        <p:nvSpPr>
-          <p:cNvPr id="5" name="TextBox 4"/>
-          <p:cNvSpPr txBox="1"/>
-          <p:nvPr/>
-        </p:nvSpPr>
-        <p:spPr>
-          <a:xfrm>
-            <a:off x="2415668" y="484958"/>
-            <a:ext cx="2321469" cy="338554"/>
-          </a:xfrm>
-          <a:prstGeom prst="rect">
-            <a:avLst/>
-          </a:prstGeom>
-          <a:noFill/>
-        </p:spPr>
-        <p:txBody>
-          <a:bodyPr wrap="none" rtlCol="0">
-            <a:spAutoFit/>
-          </a:bodyPr>
-          <a:lstStyle/>
-          <a:p>
-            <a:r>
-              <a:rPr lang="zh-CN" altLang="en-US" sz="1600" b="1" dirty="0">
-                <a:solidFill>
-                  <a:srgbClr val="FF0000"/>
-                </a:solidFill>
-              </a:rPr>
-              <a:t>变量</a:t>
-            </a:r>
-            <a:r>
-              <a:rPr lang="en-US" altLang="zh-CN" sz="1600" b="1" dirty="0">
-                <a:solidFill>
-                  <a:srgbClr val="FF0000"/>
-                </a:solidFill>
-              </a:rPr>
-              <a:t>b1</a:t>
-            </a:r>
-            <a:r>
-              <a:rPr lang="zh-CN" altLang="en-US" sz="1600" b="1" dirty="0">
-                <a:solidFill>
-                  <a:srgbClr val="FF0000"/>
-                </a:solidFill>
-              </a:rPr>
-              <a:t>持有对象</a:t>
-            </a:r>
-            <a:r>
-              <a:rPr lang="en-US" altLang="zh-CN" sz="1600" b="1" dirty="0">
-                <a:solidFill>
-                  <a:srgbClr val="FF0000"/>
-                </a:solidFill>
-              </a:rPr>
-              <a:t>1</a:t>
-            </a:r>
-            <a:r>
-              <a:rPr lang="zh-CN" altLang="en-US" sz="1600" b="1" dirty="0">
-                <a:solidFill>
-                  <a:srgbClr val="FF0000"/>
-                </a:solidFill>
-              </a:rPr>
-              <a:t>的引用</a:t>
-            </a:r>
-            <a:endParaRPr lang="zh-CN" altLang="en-US" sz="1600" b="1" dirty="0">
-              <a:solidFill>
-                <a:srgbClr val="FF0000"/>
-              </a:solidFill>
-            </a:endParaRPr>
-          </a:p>
-        </p:txBody>
-      </p:sp>
-      <p:sp>
-        <p:nvSpPr>
-          <p:cNvPr id="10" name="TextBox 9"/>
-          <p:cNvSpPr txBox="1"/>
-          <p:nvPr/>
-        </p:nvSpPr>
-        <p:spPr>
-          <a:xfrm>
-            <a:off x="4283968" y="1749243"/>
-            <a:ext cx="2558714" cy="584775"/>
-          </a:xfrm>
-          <a:prstGeom prst="rect">
-            <a:avLst/>
-          </a:prstGeom>
-          <a:noFill/>
-        </p:spPr>
-        <p:txBody>
-          <a:bodyPr wrap="none" rtlCol="0">
-            <a:spAutoFit/>
-          </a:bodyPr>
-          <a:lstStyle/>
-          <a:p>
-            <a:r>
-              <a:rPr lang="zh-CN" altLang="en-US" sz="1600" b="1" dirty="0">
-                <a:solidFill>
-                  <a:srgbClr val="FF0000"/>
-                </a:solidFill>
-              </a:rPr>
-              <a:t>声明</a:t>
-            </a:r>
-            <a:r>
-              <a:rPr lang="en-US" altLang="zh-CN" sz="1600" b="1" dirty="0">
-                <a:solidFill>
-                  <a:srgbClr val="FF0000"/>
-                </a:solidFill>
-              </a:rPr>
-              <a:t>Bicycle</a:t>
-            </a:r>
-            <a:r>
-              <a:rPr lang="zh-CN" altLang="en-US" sz="1600" b="1" dirty="0">
-                <a:solidFill>
-                  <a:srgbClr val="FF0000"/>
-                </a:solidFill>
-              </a:rPr>
-              <a:t>类型变量</a:t>
-            </a:r>
-            <a:r>
-              <a:rPr lang="en-US" altLang="zh-CN" sz="1600" b="1" dirty="0">
-                <a:solidFill>
-                  <a:srgbClr val="FF0000"/>
-                </a:solidFill>
-              </a:rPr>
-              <a:t>b2</a:t>
-            </a:r>
-            <a:endParaRPr lang="en-US" altLang="zh-CN" sz="1600" b="1" dirty="0">
-              <a:solidFill>
-                <a:srgbClr val="FF0000"/>
-              </a:solidFill>
-            </a:endParaRPr>
-          </a:p>
-          <a:p>
-            <a:r>
-              <a:rPr lang="zh-CN" altLang="en-US" sz="1600" b="1" dirty="0">
-                <a:solidFill>
-                  <a:srgbClr val="FF0000"/>
-                </a:solidFill>
-              </a:rPr>
-              <a:t>同时，构造并初始化对象</a:t>
-            </a:r>
-            <a:r>
-              <a:rPr lang="en-US" altLang="zh-CN" sz="1600" b="1" dirty="0">
-                <a:solidFill>
-                  <a:srgbClr val="FF0000"/>
-                </a:solidFill>
-              </a:rPr>
-              <a:t>2</a:t>
-            </a:r>
-            <a:endParaRPr lang="en-US" altLang="zh-CN" sz="1600" b="1" dirty="0">
-              <a:solidFill>
-                <a:srgbClr val="FF0000"/>
-              </a:solidFill>
-            </a:endParaRPr>
-          </a:p>
-        </p:txBody>
-      </p:sp>
-      <p:sp>
-        <p:nvSpPr>
-          <p:cNvPr id="7" name="TextBox 6"/>
-          <p:cNvSpPr txBox="1"/>
-          <p:nvPr/>
-        </p:nvSpPr>
-        <p:spPr>
-          <a:xfrm>
-            <a:off x="1331640" y="2578656"/>
-            <a:ext cx="2369559" cy="584775"/>
-          </a:xfrm>
-          <a:prstGeom prst="rect">
-            <a:avLst/>
-          </a:prstGeom>
-          <a:noFill/>
-        </p:spPr>
-        <p:txBody>
-          <a:bodyPr wrap="none" rtlCol="0">
-            <a:spAutoFit/>
-          </a:bodyPr>
-          <a:lstStyle/>
-          <a:p>
-            <a:r>
-              <a:rPr lang="zh-CN" altLang="en-US" sz="1600" b="1" dirty="0">
-                <a:solidFill>
-                  <a:srgbClr val="FF0000"/>
-                </a:solidFill>
-              </a:rPr>
-              <a:t>变量</a:t>
-            </a:r>
-            <a:r>
-              <a:rPr lang="en-US" altLang="zh-CN" sz="1600" b="1" dirty="0">
-                <a:solidFill>
-                  <a:srgbClr val="FF0000"/>
-                </a:solidFill>
-              </a:rPr>
-              <a:t>b2</a:t>
-            </a:r>
-            <a:r>
-              <a:rPr lang="zh-CN" altLang="en-US" sz="1600" b="1" dirty="0">
-                <a:solidFill>
-                  <a:srgbClr val="FF0000"/>
-                </a:solidFill>
-              </a:rPr>
-              <a:t>将其引用对象</a:t>
-            </a:r>
-            <a:r>
-              <a:rPr lang="en-US" altLang="zh-CN" sz="1600" b="1" dirty="0">
-                <a:solidFill>
-                  <a:srgbClr val="FF0000"/>
-                </a:solidFill>
-              </a:rPr>
-              <a:t>2</a:t>
-            </a:r>
-            <a:r>
-              <a:rPr lang="zh-CN" altLang="en-US" sz="1600" b="1" dirty="0">
-                <a:solidFill>
-                  <a:srgbClr val="FF0000"/>
-                </a:solidFill>
-              </a:rPr>
-              <a:t>的</a:t>
-            </a:r>
-            <a:endParaRPr lang="en-US" altLang="zh-CN" sz="1600" b="1" dirty="0">
-              <a:solidFill>
-                <a:srgbClr val="FF0000"/>
-              </a:solidFill>
-            </a:endParaRPr>
-          </a:p>
-          <a:p>
-            <a:r>
-              <a:rPr lang="zh-CN" altLang="en-US" sz="1600" b="1" dirty="0">
-                <a:solidFill>
-                  <a:srgbClr val="FF0000"/>
-                </a:solidFill>
-              </a:rPr>
-              <a:t>地址传递给变量</a:t>
-            </a:r>
-            <a:r>
-              <a:rPr lang="en-US" altLang="zh-CN" sz="1600" b="1" dirty="0">
-                <a:solidFill>
-                  <a:srgbClr val="FF0000"/>
-                </a:solidFill>
-              </a:rPr>
-              <a:t>b1</a:t>
-            </a:r>
-            <a:endParaRPr lang="en-US" altLang="zh-CN" sz="1600" b="1" dirty="0">
-              <a:solidFill>
-                <a:srgbClr val="FF0000"/>
-              </a:solidFill>
-            </a:endParaRPr>
-          </a:p>
-        </p:txBody>
-      </p:sp>
-      <p:sp>
-        <p:nvSpPr>
-          <p:cNvPr id="12" name="TextBox 11"/>
-          <p:cNvSpPr txBox="1"/>
-          <p:nvPr/>
-        </p:nvSpPr>
-        <p:spPr>
-          <a:xfrm>
-            <a:off x="1979712" y="3376554"/>
-            <a:ext cx="1832553" cy="338554"/>
-          </a:xfrm>
-          <a:prstGeom prst="rect">
-            <a:avLst/>
-          </a:prstGeom>
-          <a:noFill/>
-        </p:spPr>
-        <p:txBody>
-          <a:bodyPr wrap="none" rtlCol="0">
-            <a:spAutoFit/>
-          </a:bodyPr>
-          <a:lstStyle/>
-          <a:p>
-            <a:r>
-              <a:rPr lang="zh-CN" altLang="en-US" sz="1600" b="1" dirty="0">
-                <a:solidFill>
-                  <a:srgbClr val="FF0000"/>
-                </a:solidFill>
-              </a:rPr>
-              <a:t>清空变量</a:t>
-            </a:r>
-            <a:r>
-              <a:rPr lang="en-US" altLang="zh-CN" sz="1600" b="1" dirty="0">
-                <a:solidFill>
-                  <a:srgbClr val="FF0000"/>
-                </a:solidFill>
-              </a:rPr>
-              <a:t>b1</a:t>
-            </a:r>
-            <a:r>
-              <a:rPr lang="zh-CN" altLang="en-US" sz="1600" b="1" dirty="0">
-                <a:solidFill>
-                  <a:srgbClr val="FF0000"/>
-                </a:solidFill>
-              </a:rPr>
-              <a:t>的引用</a:t>
-            </a:r>
-            <a:endParaRPr lang="zh-CN" altLang="en-US" sz="1600" b="1" dirty="0">
-              <a:solidFill>
-                <a:srgbClr val="FF0000"/>
-              </a:solidFill>
-            </a:endParaRPr>
-          </a:p>
-        </p:txBody>
-      </p:sp>
-      <p:sp>
-        <p:nvSpPr>
-          <p:cNvPr id="13" name="TextBox 12"/>
-          <p:cNvSpPr txBox="1"/>
-          <p:nvPr/>
-        </p:nvSpPr>
-        <p:spPr>
-          <a:xfrm>
-            <a:off x="886624" y="3941846"/>
-            <a:ext cx="1524776" cy="830997"/>
-          </a:xfrm>
-          <a:prstGeom prst="rect">
-            <a:avLst/>
-          </a:prstGeom>
-          <a:noFill/>
-        </p:spPr>
-        <p:txBody>
-          <a:bodyPr wrap="none" rtlCol="0">
-            <a:spAutoFit/>
-          </a:bodyPr>
-          <a:lstStyle/>
-          <a:p>
-            <a:r>
-              <a:rPr lang="zh-CN" altLang="en-US" sz="1600" b="1" dirty="0">
-                <a:solidFill>
-                  <a:srgbClr val="FF0000"/>
-                </a:solidFill>
-              </a:rPr>
-              <a:t>此时</a:t>
-            </a:r>
-            <a:endParaRPr lang="en-US" altLang="zh-CN" sz="1600" b="1" dirty="0">
-              <a:solidFill>
-                <a:srgbClr val="FF0000"/>
-              </a:solidFill>
-            </a:endParaRPr>
-          </a:p>
-          <a:p>
-            <a:r>
-              <a:rPr lang="zh-CN" altLang="en-US" sz="1600" b="1" dirty="0">
-                <a:solidFill>
-                  <a:srgbClr val="FF0000"/>
-                </a:solidFill>
-              </a:rPr>
-              <a:t>对象</a:t>
-            </a:r>
-            <a:r>
-              <a:rPr lang="en-US" altLang="zh-CN" sz="1600" b="1" dirty="0">
-                <a:solidFill>
-                  <a:srgbClr val="FF0000"/>
-                </a:solidFill>
-              </a:rPr>
-              <a:t>1</a:t>
-            </a:r>
-            <a:r>
-              <a:rPr lang="zh-CN" altLang="en-US" sz="1600" b="1" dirty="0">
-                <a:solidFill>
-                  <a:srgbClr val="FF0000"/>
-                </a:solidFill>
-              </a:rPr>
-              <a:t>的状态？</a:t>
-            </a:r>
-            <a:endParaRPr lang="en-US" altLang="zh-CN" sz="1600" b="1" dirty="0">
-              <a:solidFill>
-                <a:srgbClr val="FF0000"/>
-              </a:solidFill>
-            </a:endParaRPr>
-          </a:p>
-          <a:p>
-            <a:r>
-              <a:rPr lang="zh-CN" altLang="en-US" sz="1600" b="1" dirty="0">
-                <a:solidFill>
-                  <a:srgbClr val="FF0000"/>
-                </a:solidFill>
-              </a:rPr>
-              <a:t>对象</a:t>
-            </a:r>
-            <a:r>
-              <a:rPr lang="en-US" altLang="zh-CN" sz="1600" b="1" dirty="0">
-                <a:solidFill>
-                  <a:srgbClr val="FF0000"/>
-                </a:solidFill>
-              </a:rPr>
-              <a:t>2</a:t>
-            </a:r>
-            <a:r>
-              <a:rPr lang="zh-CN" altLang="en-US" sz="1600" b="1" dirty="0">
-                <a:solidFill>
-                  <a:srgbClr val="FF0000"/>
-                </a:solidFill>
-              </a:rPr>
-              <a:t>的状态？</a:t>
-            </a:r>
-            <a:endParaRPr lang="zh-CN" altLang="en-US" sz="1600" b="1" dirty="0">
-              <a:solidFill>
-                <a:srgbClr val="FF0000"/>
-              </a:solidFill>
-            </a:endParaRPr>
-          </a:p>
-        </p:txBody>
-      </p:sp>
-      <p:pic>
-        <p:nvPicPr>
-          <p:cNvPr id="15" name="Picture 3"/>
           <p:cNvPicPr>
             <a:picLocks noChangeAspect="1" noChangeArrowheads="1"/>
           </p:cNvPicPr>
@@ -11868,8 +11210,8 @@
         </p:blipFill>
         <p:spPr bwMode="auto">
           <a:xfrm>
-            <a:off x="4617377" y="2990744"/>
-            <a:ext cx="4127191" cy="1448728"/>
+            <a:off x="1" y="30193"/>
+            <a:ext cx="6318709" cy="3686839"/>
           </a:xfrm>
           <a:prstGeom prst="rect">
             <a:avLst/>
@@ -11901,14 +11243,14 @@
       </p:pic>
       <p:sp>
         <p:nvSpPr>
-          <p:cNvPr id="14" name="TextBox 13"/>
+          <p:cNvPr id="6" name="TextBox 5"/>
           <p:cNvSpPr txBox="1"/>
           <p:nvPr/>
         </p:nvSpPr>
         <p:spPr>
           <a:xfrm>
-            <a:off x="4617377" y="4694947"/>
-            <a:ext cx="2948243" cy="1569660"/>
+            <a:off x="1552215" y="32218"/>
+            <a:ext cx="2308902" cy="338554"/>
           </a:xfrm>
           <a:prstGeom prst="rect">
             <a:avLst/>
@@ -11927,7 +11269,236 @@
                   <a:srgbClr val="FF0000"/>
                 </a:solidFill>
               </a:rPr>
-              <a:t>方法结束后</a:t>
+              <a:t>声明</a:t>
+            </a:r>
+            <a:r>
+              <a:rPr lang="en-US" altLang="zh-CN" sz="1600" b="1" dirty="0">
+                <a:solidFill>
+                  <a:srgbClr val="FF0000"/>
+                </a:solidFill>
+              </a:rPr>
+              <a:t>Bicycle</a:t>
+            </a:r>
+            <a:r>
+              <a:rPr lang="zh-CN" altLang="en-US" sz="1600" b="1" dirty="0">
+                <a:solidFill>
+                  <a:srgbClr val="FF0000"/>
+                </a:solidFill>
+              </a:rPr>
+              <a:t>类型变量</a:t>
+            </a:r>
+            <a:r>
+              <a:rPr lang="en-US" altLang="zh-CN" sz="1600" b="1" dirty="0">
+                <a:solidFill>
+                  <a:srgbClr val="FF0000"/>
+                </a:solidFill>
+              </a:rPr>
+              <a:t>b1</a:t>
+            </a:r>
+          </a:p>
+        </p:txBody>
+      </p:sp>
+      <p:sp>
+        <p:nvSpPr>
+          <p:cNvPr id="5" name="TextBox 4"/>
+          <p:cNvSpPr txBox="1"/>
+          <p:nvPr/>
+        </p:nvSpPr>
+        <p:spPr>
+          <a:xfrm>
+            <a:off x="2415668" y="484958"/>
+            <a:ext cx="2321469" cy="338554"/>
+          </a:xfrm>
+          <a:prstGeom prst="rect">
+            <a:avLst/>
+          </a:prstGeom>
+          <a:noFill/>
+        </p:spPr>
+        <p:txBody>
+          <a:bodyPr wrap="none" rtlCol="0">
+            <a:spAutoFit/>
+          </a:bodyPr>
+          <a:lstStyle/>
+          <a:p>
+            <a:r>
+              <a:rPr lang="zh-CN" altLang="en-US" sz="1600" b="1" dirty="0">
+                <a:solidFill>
+                  <a:srgbClr val="FF0000"/>
+                </a:solidFill>
+              </a:rPr>
+              <a:t>变量</a:t>
+            </a:r>
+            <a:r>
+              <a:rPr lang="en-US" altLang="zh-CN" sz="1600" b="1" dirty="0">
+                <a:solidFill>
+                  <a:srgbClr val="FF0000"/>
+                </a:solidFill>
+              </a:rPr>
+              <a:t>b1</a:t>
+            </a:r>
+            <a:r>
+              <a:rPr lang="zh-CN" altLang="en-US" sz="1600" b="1" dirty="0">
+                <a:solidFill>
+                  <a:srgbClr val="FF0000"/>
+                </a:solidFill>
+              </a:rPr>
+              <a:t>持有对象</a:t>
+            </a:r>
+            <a:r>
+              <a:rPr lang="en-US" altLang="zh-CN" sz="1600" b="1" dirty="0">
+                <a:solidFill>
+                  <a:srgbClr val="FF0000"/>
+                </a:solidFill>
+              </a:rPr>
+              <a:t>1</a:t>
+            </a:r>
+            <a:r>
+              <a:rPr lang="zh-CN" altLang="en-US" sz="1600" b="1" dirty="0">
+                <a:solidFill>
+                  <a:srgbClr val="FF0000"/>
+                </a:solidFill>
+              </a:rPr>
+              <a:t>的引用</a:t>
+            </a:r>
+          </a:p>
+        </p:txBody>
+      </p:sp>
+      <p:sp>
+        <p:nvSpPr>
+          <p:cNvPr id="10" name="TextBox 9"/>
+          <p:cNvSpPr txBox="1"/>
+          <p:nvPr/>
+        </p:nvSpPr>
+        <p:spPr>
+          <a:xfrm>
+            <a:off x="4283968" y="1749243"/>
+            <a:ext cx="2558714" cy="584775"/>
+          </a:xfrm>
+          <a:prstGeom prst="rect">
+            <a:avLst/>
+          </a:prstGeom>
+          <a:noFill/>
+        </p:spPr>
+        <p:txBody>
+          <a:bodyPr wrap="none" rtlCol="0">
+            <a:spAutoFit/>
+          </a:bodyPr>
+          <a:lstStyle/>
+          <a:p>
+            <a:r>
+              <a:rPr lang="zh-CN" altLang="en-US" sz="1600" b="1" dirty="0">
+                <a:solidFill>
+                  <a:srgbClr val="FF0000"/>
+                </a:solidFill>
+              </a:rPr>
+              <a:t>声明</a:t>
+            </a:r>
+            <a:r>
+              <a:rPr lang="en-US" altLang="zh-CN" sz="1600" b="1" dirty="0">
+                <a:solidFill>
+                  <a:srgbClr val="FF0000"/>
+                </a:solidFill>
+              </a:rPr>
+              <a:t>Bicycle</a:t>
+            </a:r>
+            <a:r>
+              <a:rPr lang="zh-CN" altLang="en-US" sz="1600" b="1" dirty="0">
+                <a:solidFill>
+                  <a:srgbClr val="FF0000"/>
+                </a:solidFill>
+              </a:rPr>
+              <a:t>类型变量</a:t>
+            </a:r>
+            <a:r>
+              <a:rPr lang="en-US" altLang="zh-CN" sz="1600" b="1" dirty="0">
+                <a:solidFill>
+                  <a:srgbClr val="FF0000"/>
+                </a:solidFill>
+              </a:rPr>
+              <a:t>b2</a:t>
+            </a:r>
+          </a:p>
+          <a:p>
+            <a:r>
+              <a:rPr lang="zh-CN" altLang="en-US" sz="1600" b="1" dirty="0">
+                <a:solidFill>
+                  <a:srgbClr val="FF0000"/>
+                </a:solidFill>
+              </a:rPr>
+              <a:t>同时，构造并初始化对象</a:t>
+            </a:r>
+            <a:r>
+              <a:rPr lang="en-US" altLang="zh-CN" sz="1600" b="1" dirty="0">
+                <a:solidFill>
+                  <a:srgbClr val="FF0000"/>
+                </a:solidFill>
+              </a:rPr>
+              <a:t>2</a:t>
+            </a:r>
+          </a:p>
+        </p:txBody>
+      </p:sp>
+      <p:sp>
+        <p:nvSpPr>
+          <p:cNvPr id="7" name="TextBox 6"/>
+          <p:cNvSpPr txBox="1"/>
+          <p:nvPr/>
+        </p:nvSpPr>
+        <p:spPr>
+          <a:xfrm>
+            <a:off x="1331640" y="2578656"/>
+            <a:ext cx="2369559" cy="584775"/>
+          </a:xfrm>
+          <a:prstGeom prst="rect">
+            <a:avLst/>
+          </a:prstGeom>
+          <a:noFill/>
+        </p:spPr>
+        <p:txBody>
+          <a:bodyPr wrap="none" rtlCol="0">
+            <a:spAutoFit/>
+          </a:bodyPr>
+          <a:lstStyle/>
+          <a:p>
+            <a:r>
+              <a:rPr lang="zh-CN" altLang="en-US" sz="1600" b="1" dirty="0">
+                <a:solidFill>
+                  <a:srgbClr val="FF0000"/>
+                </a:solidFill>
+              </a:rPr>
+              <a:t>变量</a:t>
+            </a:r>
+            <a:r>
+              <a:rPr lang="en-US" altLang="zh-CN" sz="1600" b="1" dirty="0">
+                <a:solidFill>
+                  <a:srgbClr val="FF0000"/>
+                </a:solidFill>
+              </a:rPr>
+              <a:t>b2</a:t>
+            </a:r>
+            <a:r>
+              <a:rPr lang="zh-CN" altLang="en-US" sz="1600" b="1" dirty="0">
+                <a:solidFill>
+                  <a:srgbClr val="FF0000"/>
+                </a:solidFill>
+              </a:rPr>
+              <a:t>将其引用对象</a:t>
+            </a:r>
+            <a:r>
+              <a:rPr lang="en-US" altLang="zh-CN" sz="1600" b="1" dirty="0">
+                <a:solidFill>
+                  <a:srgbClr val="FF0000"/>
+                </a:solidFill>
+              </a:rPr>
+              <a:t>2</a:t>
+            </a:r>
+            <a:r>
+              <a:rPr lang="zh-CN" altLang="en-US" sz="1600" b="1" dirty="0">
+                <a:solidFill>
+                  <a:srgbClr val="FF0000"/>
+                </a:solidFill>
+              </a:rPr>
+              <a:t>的</a:t>
             </a:r>
             <a:endParaRPr lang="en-US" altLang="zh-CN" sz="1600" b="1" dirty="0">
               <a:solidFill>
@@ -11942,7 +11513,7 @@
                   <a:srgbClr val="FF0000"/>
                 </a:solidFill>
               </a:rPr>
-              <a:t>对象</a:t>
+              <a:t>地址传递给变量</a:t>
             </a:r>
             <a:r>
               <a:rPr lang="en-US" altLang="zh-CN" sz="1600" b="1" dirty="0">
@@ -11950,15 +11521,40 @@
                   <a:srgbClr val="FF0000"/>
                 </a:solidFill>
               </a:rPr>
-              <a:t>1/</a:t>
-            </a:r>
+              <a:t>b1</a:t>
+            </a:r>
+          </a:p>
+        </p:txBody>
+      </p:sp>
+      <p:sp>
+        <p:nvSpPr>
+          <p:cNvPr id="12" name="TextBox 11"/>
+          <p:cNvSpPr txBox="1"/>
+          <p:nvPr/>
+        </p:nvSpPr>
+        <p:spPr>
+          <a:xfrm>
+            <a:off x="1979712" y="3376554"/>
+            <a:ext cx="1832553" cy="338554"/>
+          </a:xfrm>
+          <a:prstGeom prst="rect">
+            <a:avLst/>
+          </a:prstGeom>
+          <a:noFill/>
+        </p:spPr>
+        <p:txBody>
+          <a:bodyPr wrap="none" rtlCol="0">
+            <a:spAutoFit/>
+          </a:bodyPr>
+          <a:lstStyle/>
+          <a:p>
             <a:r>
               <a:rPr lang="zh-CN" altLang="en-US" sz="1600" b="1" dirty="0">
                 <a:solidFill>
                   <a:srgbClr val="FF0000"/>
                 </a:solidFill>
               </a:rPr>
-              <a:t>对象</a:t>
+              <a:t>清空变量</a:t>
             </a:r>
             <a:r>
               <a:rPr lang="en-US" altLang="zh-CN" sz="1600" b="1" dirty="0">
@@ -11966,7 +11562,7 @@
                   <a:srgbClr val="FF0000"/>
                 </a:solidFill>
               </a:rPr>
-              <a:t>2</a:t>
+              <a:t>b1</a:t>
             </a:r>
             <a:r>
               <a:rPr lang="zh-CN" altLang="en-US" sz="1600" b="1" dirty="0">
@@ -11974,7 +11570,40 @@
                   <a:srgbClr val="FF0000"/>
                 </a:solidFill>
               </a:rPr>
-              <a:t>的状态？</a:t>
+              <a:t>的引用</a:t>
+            </a:r>
+          </a:p>
+        </p:txBody>
+      </p:sp>
+      <p:sp>
+        <p:nvSpPr>
+          <p:cNvPr id="13" name="TextBox 12"/>
+          <p:cNvSpPr txBox="1"/>
+          <p:nvPr/>
+        </p:nvSpPr>
+        <p:spPr>
+          <a:xfrm>
+            <a:off x="886624" y="3941846"/>
+            <a:ext cx="1524776" cy="830997"/>
+          </a:xfrm>
+          <a:prstGeom prst="rect">
+            <a:avLst/>
+          </a:prstGeom>
+          <a:noFill/>
+        </p:spPr>
+        <p:txBody>
+          <a:bodyPr wrap="none" rtlCol="0">
+            <a:spAutoFit/>
+          </a:bodyPr>
+          <a:lstStyle/>
+          <a:p>
+            <a:r>
+              <a:rPr lang="zh-CN" altLang="en-US" sz="1600" b="1" dirty="0">
+                <a:solidFill>
+                  <a:srgbClr val="FF0000"/>
+                </a:solidFill>
+              </a:rPr>
+              <a:t>此时</a:t>
             </a:r>
             <a:endParaRPr lang="en-US" altLang="zh-CN" sz="1600" b="1" dirty="0">
               <a:solidFill>
@@ -11989,7 +11618,7 @@
                   <a:srgbClr val="FF0000"/>
                 </a:solidFill>
               </a:rPr>
-              <a:t>没有变量拥有对象</a:t>
+              <a:t>对象</a:t>
             </a:r>
             <a:r>
               <a:rPr lang="en-US" altLang="zh-CN" sz="1600" b="1" dirty="0">
@@ -12005,7 +11634,7 @@
                   <a:srgbClr val="FF0000"/>
                 </a:solidFill>
               </a:rPr>
-              <a:t>的引用地址</a:t>
+              <a:t>的状态？</a:t>
             </a:r>
             <a:endParaRPr lang="en-US" altLang="zh-CN" sz="1600" b="1" dirty="0">
               <a:solidFill>
@@ -12020,7 +11649,7 @@
                   <a:srgbClr val="FF0000"/>
                 </a:solidFill>
               </a:rPr>
-              <a:t>即使想传出</a:t>
+              <a:t>对象</a:t>
             </a:r>
             <a:r>
               <a:rPr lang="en-US" altLang="zh-CN" sz="1600" b="1" dirty="0">
@@ -12028,7 +11657,7 @@
                   <a:srgbClr val="FF0000"/>
                 </a:solidFill>
               </a:rPr>
-              <a:t>/</a:t>
+              <a:t>2</a:t>
             </a:r>
             <a:r>
               <a:rPr lang="zh-CN" altLang="en-US" sz="1600" b="1" dirty="0">
@@ -12036,7 +11665,94 @@
                   <a:srgbClr val="FF0000"/>
                 </a:solidFill>
               </a:rPr>
-              <a:t>返回也无可能</a:t>
+              <a:t>的状态？</a:t>
+            </a:r>
+          </a:p>
+        </p:txBody>
+      </p:sp>
+      <p:pic>
+        <p:nvPicPr>
+          <p:cNvPr id="15" name="Picture 3"/>
+          <p:cNvPicPr>
+            <a:picLocks noChangeAspect="1" noChangeArrowheads="1"/>
+          </p:cNvPicPr>
+          <p:nvPr/>
+        </p:nvPicPr>
+        <p:blipFill>
+          <a:blip r:embed="rId3">
+            <a:extLst>
+              <a:ext uri="{28A0092B-C50C-407E-A947-70E740481C1C}">
+                <a14:useLocalDpi xmlns:a14="http://schemas.microsoft.com/office/drawing/2010/main" val="0"/>
+              </a:ext>
+            </a:extLst>
+          </a:blip>
+          <a:srcRect/>
+          <a:stretch>
+            <a:fillRect/>
+          </a:stretch>
+        </p:blipFill>
+        <p:spPr bwMode="auto">
+          <a:xfrm>
+            <a:off x="4617377" y="2990744"/>
+            <a:ext cx="4127191" cy="1448728"/>
+          </a:xfrm>
+          <a:prstGeom prst="rect">
+            <a:avLst/>
+          </a:prstGeom>
+          <a:noFill/>
+          <a:ln>
+            <a:noFill/>
+          </a:ln>
+          <a:extLst>
+            <a:ext uri="{909E8E84-426E-40DD-AFC4-6F175D3DCCD1}">
+              <a14:hiddenFill xmlns:a14="http://schemas.microsoft.com/office/drawing/2010/main">
+                <a:solidFill>
+                  <a:schemeClr val="accent1"/>
+                </a:solidFill>
+              </a14:hiddenFill>
+            </a:ext>
+            <a:ext uri="{91240B29-F687-4F45-9708-019B960494DF}">
+              <a14:hiddenLine xmlns:a14="http://schemas.microsoft.com/office/drawing/2010/main" w="9525">
+                <a:solidFill>
+                  <a:schemeClr val="tx1"/>
+                </a:solidFill>
+                <a:miter lim="800000"/>
+                <a:headEnd/>
+                <a:tailEnd/>
+              </a14:hiddenLine>
+            </a:ext>
+          </a:extLst>
+        </p:spPr>
+      </p:pic>
+      <p:sp>
+        <p:nvSpPr>
+          <p:cNvPr id="14" name="TextBox 13"/>
+          <p:cNvSpPr txBox="1"/>
+          <p:nvPr/>
+        </p:nvSpPr>
+        <p:spPr>
+          <a:xfrm>
+            <a:off x="4617377" y="4694947"/>
+            <a:ext cx="2948243" cy="1569660"/>
+          </a:xfrm>
+          <a:prstGeom prst="rect">
+            <a:avLst/>
+          </a:prstGeom>
+          <a:noFill/>
+        </p:spPr>
+        <p:txBody>
+          <a:bodyPr wrap="none" rtlCol="0">
+            <a:spAutoFit/>
+          </a:bodyPr>
+          <a:lstStyle/>
+          <a:p>
+            <a:r>
+              <a:rPr lang="zh-CN" altLang="en-US" sz="1600" b="1" dirty="0">
+                <a:solidFill>
+                  <a:srgbClr val="FF0000"/>
+                </a:solidFill>
+              </a:rPr>
+              <a:t>方法结束后</a:t>
             </a:r>
             <a:endParaRPr lang="en-US" altLang="zh-CN" sz="1600" b="1" dirty="0">
               <a:solidFill>
@@ -12059,6 +11775,22 @@
                   <a:srgbClr val="FF0000"/>
                 </a:solidFill>
               </a:rPr>
+              <a:t>1/</a:t>
+            </a:r>
+            <a:r>
+              <a:rPr lang="zh-CN" altLang="en-US" sz="1600" b="1" dirty="0">
+                <a:solidFill>
+                  <a:srgbClr val="FF0000"/>
+                </a:solidFill>
+              </a:rPr>
+              <a:t>对象</a:t>
+            </a:r>
+            <a:r>
+              <a:rPr lang="en-US" altLang="zh-CN" sz="1600" b="1" dirty="0">
+                <a:solidFill>
+                  <a:srgbClr val="FF0000"/>
+                </a:solidFill>
+              </a:rPr>
               <a:t>2</a:t>
             </a:r>
             <a:r>
@@ -12067,7 +11799,7 @@
                   <a:srgbClr val="FF0000"/>
                 </a:solidFill>
               </a:rPr>
-              <a:t>如果没有传递出引用，则</a:t>
+              <a:t>的状态？</a:t>
             </a:r>
             <a:endParaRPr lang="en-US" altLang="zh-CN" sz="1600" b="1" dirty="0">
               <a:solidFill>
@@ -12082,7 +11814,23 @@
                   <a:srgbClr val="FF0000"/>
                 </a:solidFill>
               </a:rPr>
-              <a:t>将在下次回收时销毁</a:t>
+              <a:t>没有变量拥有对象</a:t>
+            </a:r>
+            <a:r>
+              <a:rPr lang="en-US" altLang="zh-CN" sz="1600" b="1" dirty="0">
+                <a:solidFill>
+                  <a:srgbClr val="FF0000"/>
+                </a:solidFill>
+              </a:rPr>
+              <a:t>1</a:t>
+            </a:r>
+            <a:r>
+              <a:rPr lang="zh-CN" altLang="en-US" sz="1600" b="1" dirty="0">
+                <a:solidFill>
+                  <a:srgbClr val="FF0000"/>
+                </a:solidFill>
+              </a:rPr>
+              <a:t>的引用地址</a:t>
             </a:r>
             <a:endParaRPr lang="en-US" altLang="zh-CN" sz="1600" b="1" dirty="0">
               <a:solidFill>
@@ -12090,29 +11838,6 @@
               </a:solidFill>
             </a:endParaRPr>
           </a:p>
-        </p:txBody>
-      </p:sp>
-      <p:sp>
-        <p:nvSpPr>
-          <p:cNvPr id="16" name="TextBox 15"/>
-          <p:cNvSpPr txBox="1"/>
-          <p:nvPr/>
-        </p:nvSpPr>
-        <p:spPr>
-          <a:xfrm>
-            <a:off x="443073" y="4941168"/>
-            <a:ext cx="3073277" cy="1077218"/>
-          </a:xfrm>
-          <a:prstGeom prst="rect">
-            <a:avLst/>
-          </a:prstGeom>
-          <a:noFill/>
-        </p:spPr>
-        <p:txBody>
-          <a:bodyPr wrap="none" rtlCol="0">
-            <a:spAutoFit/>
-          </a:bodyPr>
-          <a:lstStyle/>
           <a:p>
             <a:r>
               <a:rPr lang="zh-CN" altLang="en-US" sz="1600" b="1" dirty="0">
@@ -12120,7 +11845,7 @@
                   <a:srgbClr val="FF0000"/>
                 </a:solidFill>
               </a:rPr>
-              <a:t>对象</a:t>
+              <a:t>即使想传出</a:t>
             </a:r>
             <a:r>
               <a:rPr lang="en-US" altLang="zh-CN" sz="1600" b="1" dirty="0">
@@ -12128,7 +11853,7 @@
                   <a:srgbClr val="FF0000"/>
                 </a:solidFill>
               </a:rPr>
-              <a:t>1</a:t>
+              <a:t>/</a:t>
             </a:r>
             <a:r>
               <a:rPr lang="zh-CN" altLang="en-US" sz="1600" b="1" dirty="0">
@@ -12136,39 +11861,7 @@
                   <a:srgbClr val="FF0000"/>
                 </a:solidFill>
               </a:rPr>
-              <a:t>在</a:t>
-            </a:r>
-            <a:r>
-              <a:rPr lang="en-US" altLang="zh-CN" sz="1600" b="1" dirty="0">
-                <a:solidFill>
-                  <a:srgbClr val="FF0000"/>
-                </a:solidFill>
-              </a:rPr>
-              <a:t>b1</a:t>
-            </a:r>
-            <a:r>
-              <a:rPr lang="zh-CN" altLang="en-US" sz="1600" b="1" dirty="0">
-                <a:solidFill>
-                  <a:srgbClr val="FF0000"/>
-                </a:solidFill>
-              </a:rPr>
-              <a:t>改变引用为对象</a:t>
-            </a:r>
-            <a:r>
-              <a:rPr lang="en-US" altLang="zh-CN" sz="1600" b="1" dirty="0">
-                <a:solidFill>
-                  <a:srgbClr val="FF0000"/>
-                </a:solidFill>
-              </a:rPr>
-              <a:t>2</a:t>
-            </a:r>
-            <a:r>
-              <a:rPr lang="zh-CN" altLang="en-US" sz="1600" b="1" dirty="0">
-                <a:solidFill>
-                  <a:srgbClr val="FF0000"/>
-                </a:solidFill>
-              </a:rPr>
-              <a:t>时</a:t>
+              <a:t>返回也无可能</a:t>
             </a:r>
             <a:endParaRPr lang="en-US" altLang="zh-CN" sz="1600" b="1" dirty="0">
               <a:solidFill>
@@ -12183,7 +11876,23 @@
                   <a:srgbClr val="FF0000"/>
                 </a:solidFill>
               </a:rPr>
-              <a:t>失去引用</a:t>
+              <a:t>对象</a:t>
+            </a:r>
+            <a:r>
+              <a:rPr lang="en-US" altLang="zh-CN" sz="1600" b="1" dirty="0">
+                <a:solidFill>
+                  <a:srgbClr val="FF0000"/>
+                </a:solidFill>
+              </a:rPr>
+              <a:t>2</a:t>
+            </a:r>
+            <a:r>
+              <a:rPr lang="zh-CN" altLang="en-US" sz="1600" b="1" dirty="0">
+                <a:solidFill>
+                  <a:srgbClr val="FF0000"/>
+                </a:solidFill>
+              </a:rPr>
+              <a:t>如果没有传递出引用，则</a:t>
             </a:r>
             <a:endParaRPr lang="en-US" altLang="zh-CN" sz="1600" b="1" dirty="0">
               <a:solidFill>
@@ -12198,23 +11907,7 @@
                   <a:srgbClr val="FF0000"/>
                 </a:solidFill>
               </a:rPr>
-              <a:t>虽然，</a:t>
-            </a:r>
-            <a:r>
-              <a:rPr lang="en-US" altLang="zh-CN" sz="1600" b="1" dirty="0">
-                <a:solidFill>
-                  <a:srgbClr val="FF0000"/>
-                </a:solidFill>
-              </a:rPr>
-              <a:t>b1</a:t>
-            </a:r>
-            <a:r>
-              <a:rPr lang="zh-CN" altLang="en-US" sz="1600" b="1" dirty="0">
-                <a:solidFill>
-                  <a:srgbClr val="FF0000"/>
-                </a:solidFill>
-              </a:rPr>
-              <a:t>置空不再引用任何对象</a:t>
+              <a:t>将在下次回收时销毁</a:t>
             </a:r>
             <a:endParaRPr lang="en-US" altLang="zh-CN" sz="1600" b="1" dirty="0">
               <a:solidFill>
@@ -12222,6 +11915,29 @@
               </a:solidFill>
             </a:endParaRPr>
           </a:p>
+        </p:txBody>
+      </p:sp>
+      <p:sp>
+        <p:nvSpPr>
+          <p:cNvPr id="16" name="TextBox 15"/>
+          <p:cNvSpPr txBox="1"/>
+          <p:nvPr/>
+        </p:nvSpPr>
+        <p:spPr>
+          <a:xfrm>
+            <a:off x="443073" y="4941168"/>
+            <a:ext cx="3073277" cy="1077218"/>
+          </a:xfrm>
+          <a:prstGeom prst="rect">
+            <a:avLst/>
+          </a:prstGeom>
+          <a:noFill/>
+        </p:spPr>
+        <p:txBody>
+          <a:bodyPr wrap="none" rtlCol="0">
+            <a:spAutoFit/>
+          </a:bodyPr>
+          <a:lstStyle/>
           <a:p>
             <a:r>
               <a:rPr lang="zh-CN" altLang="en-US" sz="1600" b="1" dirty="0">
@@ -12229,7 +11945,7 @@
                   <a:srgbClr val="FF0000"/>
                 </a:solidFill>
               </a:rPr>
-              <a:t>但</a:t>
+              <a:t>对象</a:t>
             </a:r>
             <a:r>
               <a:rPr lang="en-US" altLang="zh-CN" sz="1600" b="1" dirty="0">
@@ -12237,7 +11953,7 @@
                   <a:srgbClr val="FF0000"/>
                 </a:solidFill>
               </a:rPr>
-              <a:t>b2</a:t>
+              <a:t>1</a:t>
             </a:r>
             <a:r>
               <a:rPr lang="zh-CN" altLang="en-US" sz="1600" b="1" dirty="0">
@@ -12245,7 +11961,7 @@
                   <a:srgbClr val="FF0000"/>
                 </a:solidFill>
               </a:rPr>
-              <a:t>仍然引用着对象</a:t>
+              <a:t>在</a:t>
             </a:r>
             <a:r>
               <a:rPr lang="en-US" altLang="zh-CN" sz="1600" b="1" dirty="0">
@@ -12253,13 +11969,117 @@
                   <a:srgbClr val="FF0000"/>
                 </a:solidFill>
               </a:rPr>
+              <a:t>b1</a:t>
+            </a:r>
+            <a:r>
+              <a:rPr lang="zh-CN" altLang="en-US" sz="1600" b="1" dirty="0">
+                <a:solidFill>
+                  <a:srgbClr val="FF0000"/>
+                </a:solidFill>
+              </a:rPr>
+              <a:t>改变引用为对象</a:t>
+            </a:r>
+            <a:r>
+              <a:rPr lang="en-US" altLang="zh-CN" sz="1600" b="1" dirty="0">
+                <a:solidFill>
+                  <a:srgbClr val="FF0000"/>
+                </a:solidFill>
+              </a:rPr>
               <a:t>2</a:t>
+            </a:r>
+            <a:r>
+              <a:rPr lang="zh-CN" altLang="en-US" sz="1600" b="1" dirty="0">
+                <a:solidFill>
+                  <a:srgbClr val="FF0000"/>
+                </a:solidFill>
+              </a:rPr>
+              <a:t>时</a:t>
             </a:r>
             <a:endParaRPr lang="en-US" altLang="zh-CN" sz="1600" b="1" dirty="0">
               <a:solidFill>
                 <a:srgbClr val="FF0000"/>
               </a:solidFill>
             </a:endParaRPr>
+          </a:p>
+          <a:p>
+            <a:r>
+              <a:rPr lang="zh-CN" altLang="en-US" sz="1600" b="1" dirty="0">
+                <a:solidFill>
+                  <a:srgbClr val="FF0000"/>
+                </a:solidFill>
+              </a:rPr>
+              <a:t>失去引用</a:t>
+            </a:r>
+            <a:endParaRPr lang="en-US" altLang="zh-CN" sz="1600" b="1" dirty="0">
+              <a:solidFill>
+                <a:srgbClr val="FF0000"/>
+              </a:solidFill>
+            </a:endParaRPr>
+          </a:p>
+          <a:p>
+            <a:r>
+              <a:rPr lang="zh-CN" altLang="en-US" sz="1600" b="1" dirty="0">
+                <a:solidFill>
+                  <a:srgbClr val="FF0000"/>
+                </a:solidFill>
+              </a:rPr>
+              <a:t>虽然，</a:t>
+            </a:r>
+            <a:r>
+              <a:rPr lang="en-US" altLang="zh-CN" sz="1600" b="1" dirty="0">
+                <a:solidFill>
+                  <a:srgbClr val="FF0000"/>
+                </a:solidFill>
+              </a:rPr>
+              <a:t>b1</a:t>
+            </a:r>
+            <a:r>
+              <a:rPr lang="zh-CN" altLang="en-US" sz="1600" b="1" dirty="0">
+                <a:solidFill>
+                  <a:srgbClr val="FF0000"/>
+                </a:solidFill>
+              </a:rPr>
+              <a:t>置空不再引用任何对象</a:t>
+            </a:r>
+            <a:endParaRPr lang="en-US" altLang="zh-CN" sz="1600" b="1" dirty="0">
+              <a:solidFill>
+                <a:srgbClr val="FF0000"/>
+              </a:solidFill>
+            </a:endParaRPr>
+          </a:p>
+          <a:p>
+            <a:r>
+              <a:rPr lang="zh-CN" altLang="en-US" sz="1600" b="1" dirty="0">
+                <a:solidFill>
+                  <a:srgbClr val="FF0000"/>
+                </a:solidFill>
+              </a:rPr>
+              <a:t>但</a:t>
+            </a:r>
+            <a:r>
+              <a:rPr lang="en-US" altLang="zh-CN" sz="1600" b="1" dirty="0">
+                <a:solidFill>
+                  <a:srgbClr val="FF0000"/>
+                </a:solidFill>
+              </a:rPr>
+              <a:t>b2</a:t>
+            </a:r>
+            <a:r>
+              <a:rPr lang="zh-CN" altLang="en-US" sz="1600" b="1" dirty="0">
+                <a:solidFill>
+                  <a:srgbClr val="FF0000"/>
+                </a:solidFill>
+              </a:rPr>
+              <a:t>仍然引用着对象</a:t>
+            </a:r>
+            <a:r>
+              <a:rPr lang="en-US" altLang="zh-CN" sz="1600" b="1" dirty="0">
+                <a:solidFill>
+                  <a:srgbClr val="FF0000"/>
+                </a:solidFill>
+              </a:rPr>
+              <a:t>2</a:t>
+            </a:r>
           </a:p>
         </p:txBody>
       </p:sp>
@@ -12993,7 +12813,6 @@
               <a:rPr lang="en-US" altLang="zh-CN" dirty="0"/>
               <a:t>When a number of objects are created from the same class blueprint, they each have their own distinct copies of instance variables.</a:t>
             </a:r>
-            <a:endParaRPr lang="en-US" altLang="zh-CN" dirty="0"/>
           </a:p>
           <a:p>
             <a:r>
@@ -13032,7 +12851,6 @@
               <a:rPr lang="en-US" altLang="zh-CN" dirty="0"/>
               <a:t>. They are associated with the class, rather than with any object. Every instance of the class shares a class variable, which is in one fixed location in memory. Any object can change the value of a class variable, but class variables can also be manipulated without creating an instance of the class.</a:t>
             </a:r>
-            <a:endParaRPr lang="en-US" altLang="zh-CN" dirty="0"/>
           </a:p>
           <a:p>
             <a:endParaRPr lang="zh-CN" altLang="en-US" dirty="0"/>
@@ -13056,6 +12874,7 @@
           <a:p>
             <a:fld id="{0C913308-F349-4B6D-A68A-DD1791B4A57B}" type="slidenum">
               <a:rPr lang="zh-CN" altLang="en-US" smtClean="0"/>
+              <a:t>27</a:t>
             </a:fld>
             <a:endParaRPr lang="zh-CN" altLang="en-US" dirty="0"/>
           </a:p>
@@ -13266,6 +13085,7 @@
           <a:p>
             <a:fld id="{0C913308-F349-4B6D-A68A-DD1791B4A57B}" type="slidenum">
               <a:rPr lang="zh-CN" altLang="en-US" smtClean="0"/>
+              <a:t>28</a:t>
             </a:fld>
             <a:endParaRPr lang="zh-CN" altLang="en-US" dirty="0"/>
           </a:p>
@@ -13340,7 +13160,6 @@
               <a:rPr lang="zh-CN" altLang="en-US" dirty="0"/>
               <a:t>获取当前对象的实例变量</a:t>
             </a:r>
-            <a:endParaRPr lang="zh-CN" altLang="en-US" dirty="0"/>
           </a:p>
         </p:txBody>
       </p:sp>
@@ -13361,6 +13180,7 @@
           <a:p>
             <a:fld id="{0C913308-F349-4B6D-A68A-DD1791B4A57B}" type="slidenum">
               <a:rPr lang="zh-CN" altLang="en-US" smtClean="0"/>
+              <a:t>2</a:t>
             </a:fld>
             <a:endParaRPr lang="zh-CN" altLang="en-US" dirty="0"/>
           </a:p>
@@ -13369,60 +13189,6 @@
       <p:pic>
         <p:nvPicPr>
           <p:cNvPr id="6146" name="Picture 2"/>
-          <p:cNvPicPr>
-            <a:picLocks noChangeAspect="1" noChangeArrowheads="1"/>
-          </p:cNvPicPr>
-          <p:nvPr/>
-        </p:nvPicPr>
-        <p:blipFill>
-          <a:blip r:embed="rId1">
-            <a:extLst>
-              <a:ext uri="{28A0092B-C50C-407E-A947-70E740481C1C}">
-                <a14:useLocalDpi xmlns:a14="http://schemas.microsoft.com/office/drawing/2010/main" val="0"/>
-              </a:ext>
-            </a:extLst>
-          </a:blip>
-          <a:srcRect/>
-          <a:stretch>
-            <a:fillRect/>
-          </a:stretch>
-        </p:blipFill>
-        <p:spPr bwMode="auto">
-          <a:xfrm>
-            <a:off x="755576" y="1805129"/>
-            <a:ext cx="3381375" cy="762000"/>
-          </a:xfrm>
-          <a:prstGeom prst="rect">
-            <a:avLst/>
-          </a:prstGeom>
-          <a:noFill/>
-          <a:ln>
-            <a:noFill/>
-          </a:ln>
-          <a:extLst>
-            <a:ext uri="{909E8E84-426E-40DD-AFC4-6F175D3DCCD1}">
-              <a14:hiddenFill xmlns:a14="http://schemas.microsoft.com/office/drawing/2010/main">
-                <a:solidFill>
-                  <a:schemeClr val="accent1"/>
-                </a:solidFill>
-              </a14:hiddenFill>
-            </a:ext>
-            <a:ext uri="{91240B29-F687-4F45-9708-019B960494DF}">
-              <a14:hiddenLine xmlns:a14="http://schemas.microsoft.com/office/drawing/2010/main" w="9525">
-                <a:solidFill>
-                  <a:schemeClr val="tx1"/>
-                </a:solidFill>
-                <a:miter lim="800000"/>
-                <a:headEnd/>
-                <a:tailEnd/>
-              </a14:hiddenLine>
-            </a:ext>
-          </a:extLst>
-        </p:spPr>
-      </p:pic>
-      <p:pic>
-        <p:nvPicPr>
-          <p:cNvPr id="6147" name="Picture 3"/>
           <p:cNvPicPr>
             <a:picLocks noChangeAspect="1" noChangeArrowheads="1"/>
           </p:cNvPicPr>
@@ -13443,8 +13209,8 @@
         </p:blipFill>
         <p:spPr bwMode="auto">
           <a:xfrm>
-            <a:off x="696997" y="3516582"/>
-            <a:ext cx="3886200" cy="828675"/>
+            <a:off x="755576" y="1805129"/>
+            <a:ext cx="3381375" cy="762000"/>
           </a:xfrm>
           <a:prstGeom prst="rect">
             <a:avLst/>
@@ -13474,208 +13240,9 @@
           </a:extLst>
         </p:spPr>
       </p:pic>
-      <p:sp>
-        <p:nvSpPr>
-          <p:cNvPr id="5" name="TextBox 4"/>
-          <p:cNvSpPr txBox="1"/>
-          <p:nvPr/>
-        </p:nvSpPr>
-        <p:spPr>
-          <a:xfrm>
-            <a:off x="4860032" y="2982391"/>
-            <a:ext cx="2831224" cy="338554"/>
-          </a:xfrm>
-          <a:prstGeom prst="rect">
-            <a:avLst/>
-          </a:prstGeom>
-          <a:noFill/>
-        </p:spPr>
-        <p:txBody>
-          <a:bodyPr wrap="none" rtlCol="0">
-            <a:spAutoFit/>
-          </a:bodyPr>
-          <a:lstStyle/>
-          <a:p>
-            <a:r>
-              <a:rPr lang="zh-CN" altLang="en-US" sz="1600" b="1" dirty="0">
-                <a:solidFill>
-                  <a:srgbClr val="FF0000"/>
-                </a:solidFill>
-              </a:rPr>
-              <a:t>编译器自动插入</a:t>
-            </a:r>
-            <a:r>
-              <a:rPr lang="en-US" altLang="zh-CN" sz="1600" b="1" dirty="0">
-                <a:solidFill>
-                  <a:srgbClr val="FF0000"/>
-                </a:solidFill>
-              </a:rPr>
-              <a:t>this</a:t>
-            </a:r>
-            <a:r>
-              <a:rPr lang="zh-CN" altLang="en-US" sz="1600" b="1" dirty="0">
-                <a:solidFill>
-                  <a:srgbClr val="FF0000"/>
-                </a:solidFill>
-              </a:rPr>
-              <a:t>对象引用</a:t>
-            </a:r>
-            <a:endParaRPr lang="zh-CN" altLang="en-US" sz="1600" b="1" dirty="0">
-              <a:solidFill>
-                <a:srgbClr val="FF0000"/>
-              </a:solidFill>
-            </a:endParaRPr>
-          </a:p>
-        </p:txBody>
-      </p:sp>
-      <p:sp>
-        <p:nvSpPr>
-          <p:cNvPr id="6" name="上下箭头 5"/>
-          <p:cNvSpPr/>
-          <p:nvPr/>
-        </p:nvSpPr>
-        <p:spPr>
-          <a:xfrm>
-            <a:off x="2339752" y="2708920"/>
-            <a:ext cx="106511" cy="792088"/>
-          </a:xfrm>
-          <a:prstGeom prst="upDownArrow">
-            <a:avLst/>
-          </a:prstGeom>
-          <a:solidFill>
-            <a:srgbClr val="FF0000"/>
-          </a:solidFill>
-          <a:ln>
-            <a:noFill/>
-          </a:ln>
-        </p:spPr>
-        <p:style>
-          <a:lnRef idx="2">
-            <a:schemeClr val="accent1">
-              <a:shade val="50000"/>
-            </a:schemeClr>
-          </a:lnRef>
-          <a:fillRef idx="1">
-            <a:schemeClr val="accent1"/>
-          </a:fillRef>
-          <a:effectRef idx="0">
-            <a:schemeClr val="accent1"/>
-          </a:effectRef>
-          <a:fontRef idx="minor">
-            <a:schemeClr val="lt1"/>
-          </a:fontRef>
-        </p:style>
-        <p:txBody>
-          <a:bodyPr rtlCol="0" anchor="ctr"/>
-          <a:lstStyle/>
-          <a:p>
-            <a:pPr algn="ctr"/>
-            <a:endParaRPr lang="zh-CN" altLang="en-US"/>
-          </a:p>
-        </p:txBody>
-      </p:sp>
-      <p:sp>
-        <p:nvSpPr>
-          <p:cNvPr id="7" name="TextBox 6"/>
-          <p:cNvSpPr txBox="1"/>
-          <p:nvPr/>
-        </p:nvSpPr>
-        <p:spPr>
-          <a:xfrm>
-            <a:off x="2688703" y="3000447"/>
-            <a:ext cx="598241" cy="338554"/>
-          </a:xfrm>
-          <a:prstGeom prst="rect">
-            <a:avLst/>
-          </a:prstGeom>
-          <a:noFill/>
-        </p:spPr>
-        <p:txBody>
-          <a:bodyPr wrap="none" rtlCol="0">
-            <a:spAutoFit/>
-          </a:bodyPr>
-          <a:lstStyle/>
-          <a:p>
-            <a:r>
-              <a:rPr lang="zh-CN" altLang="en-US" sz="1600" b="1" dirty="0">
-                <a:solidFill>
-                  <a:srgbClr val="FF0000"/>
-                </a:solidFill>
-              </a:rPr>
-              <a:t>等效</a:t>
-            </a:r>
-            <a:endParaRPr lang="zh-CN" altLang="en-US" sz="1600" b="1" dirty="0">
-              <a:solidFill>
-                <a:srgbClr val="FF0000"/>
-              </a:solidFill>
-            </a:endParaRPr>
-          </a:p>
-        </p:txBody>
-      </p:sp>
-      <p:sp>
-        <p:nvSpPr>
-          <p:cNvPr id="8" name="TextBox 7"/>
-          <p:cNvSpPr txBox="1"/>
-          <p:nvPr/>
-        </p:nvSpPr>
-        <p:spPr>
-          <a:xfrm>
-            <a:off x="5220072" y="4133962"/>
-            <a:ext cx="1797287" cy="584775"/>
-          </a:xfrm>
-          <a:prstGeom prst="rect">
-            <a:avLst/>
-          </a:prstGeom>
-          <a:noFill/>
-        </p:spPr>
-        <p:txBody>
-          <a:bodyPr wrap="none" rtlCol="0">
-            <a:spAutoFit/>
-          </a:bodyPr>
-          <a:lstStyle/>
-          <a:p>
-            <a:r>
-              <a:rPr lang="zh-CN" altLang="en-US" sz="1600" b="1" dirty="0">
-                <a:solidFill>
-                  <a:srgbClr val="FF0000"/>
-                </a:solidFill>
-              </a:rPr>
-              <a:t>因此，除非必须</a:t>
-            </a:r>
-            <a:endParaRPr lang="en-US" altLang="zh-CN" sz="1600" b="1" dirty="0">
-              <a:solidFill>
-                <a:srgbClr val="FF0000"/>
-              </a:solidFill>
-            </a:endParaRPr>
-          </a:p>
-          <a:p>
-            <a:r>
-              <a:rPr lang="zh-CN" altLang="en-US" sz="1600" b="1" dirty="0">
-                <a:solidFill>
-                  <a:srgbClr val="FF0000"/>
-                </a:solidFill>
-              </a:rPr>
-              <a:t>无需显示使用</a:t>
-            </a:r>
-            <a:r>
-              <a:rPr lang="en-US" altLang="zh-CN" sz="1600" b="1" dirty="0">
-                <a:solidFill>
-                  <a:srgbClr val="FF0000"/>
-                </a:solidFill>
-              </a:rPr>
-              <a:t>this</a:t>
-            </a:r>
-            <a:endParaRPr lang="zh-CN" altLang="en-US" sz="1600" b="1" dirty="0">
-              <a:solidFill>
-                <a:srgbClr val="FF0000"/>
-              </a:solidFill>
-            </a:endParaRPr>
-          </a:p>
-        </p:txBody>
-      </p:sp>
       <p:pic>
         <p:nvPicPr>
-          <p:cNvPr id="1026" name="Picture 2"/>
+          <p:cNvPr id="6147" name="Picture 3"/>
           <p:cNvPicPr>
             <a:picLocks noChangeAspect="1" noChangeArrowheads="1"/>
           </p:cNvPicPr>
@@ -13696,8 +13263,8 @@
         </p:blipFill>
         <p:spPr bwMode="auto">
           <a:xfrm>
-            <a:off x="40753" y="5097560"/>
-            <a:ext cx="5295900" cy="695325"/>
+            <a:off x="696997" y="3516582"/>
+            <a:ext cx="3886200" cy="828675"/>
           </a:xfrm>
           <a:prstGeom prst="rect">
             <a:avLst/>
@@ -13729,13 +13296,62 @@
       </p:pic>
       <p:sp>
         <p:nvSpPr>
-          <p:cNvPr id="11" name="上下箭头 10"/>
+          <p:cNvPr id="5" name="TextBox 4"/>
+          <p:cNvSpPr txBox="1"/>
+          <p:nvPr/>
+        </p:nvSpPr>
+        <p:spPr>
+          <a:xfrm>
+            <a:off x="4860032" y="2982391"/>
+            <a:ext cx="2831224" cy="338554"/>
+          </a:xfrm>
+          <a:prstGeom prst="rect">
+            <a:avLst/>
+          </a:prstGeom>
+          <a:noFill/>
+        </p:spPr>
+        <p:txBody>
+          <a:bodyPr wrap="none" rtlCol="0">
+            <a:spAutoFit/>
+          </a:bodyPr>
+          <a:lstStyle/>
+          <a:p>
+            <a:r>
+              <a:rPr lang="zh-CN" altLang="en-US" sz="1600" b="1" dirty="0">
+                <a:solidFill>
+                  <a:srgbClr val="FF0000"/>
+                </a:solidFill>
+              </a:rPr>
+              <a:t>编译器自动插入</a:t>
+            </a:r>
+            <a:r>
+              <a:rPr lang="en-US" altLang="zh-CN" sz="1600" b="1" dirty="0">
+                <a:solidFill>
+                  <a:srgbClr val="FF0000"/>
+                </a:solidFill>
+              </a:rPr>
+              <a:t>this</a:t>
+            </a:r>
+            <a:r>
+              <a:rPr lang="zh-CN" altLang="en-US" sz="1600" b="1" dirty="0">
+                <a:solidFill>
+                  <a:srgbClr val="FF0000"/>
+                </a:solidFill>
+              </a:rPr>
+              <a:t>对象引用</a:t>
+            </a:r>
+          </a:p>
+        </p:txBody>
+      </p:sp>
+      <p:sp>
+        <p:nvSpPr>
+          <p:cNvPr id="6" name="上下箭头 5"/>
           <p:cNvSpPr/>
           <p:nvPr/>
         </p:nvSpPr>
         <p:spPr>
           <a:xfrm>
-            <a:off x="2249712" y="4282225"/>
+            <a:off x="2339752" y="2708920"/>
             <a:ext cx="106511" cy="792088"/>
           </a:xfrm>
           <a:prstGeom prst="upDownArrow">
@@ -13775,13 +13391,13 @@
       </p:sp>
       <p:sp>
         <p:nvSpPr>
-          <p:cNvPr id="12" name="TextBox 11"/>
+          <p:cNvPr id="7" name="TextBox 6"/>
           <p:cNvSpPr txBox="1"/>
           <p:nvPr/>
         </p:nvSpPr>
         <p:spPr>
           <a:xfrm>
-            <a:off x="2598663" y="4573752"/>
+            <a:off x="2688703" y="3000447"/>
             <a:ext cx="598241" cy="338554"/>
           </a:xfrm>
           <a:prstGeom prst="rect">
@@ -13802,6 +13418,62 @@
                 </a:solidFill>
               </a:rPr>
               <a:t>等效</a:t>
+            </a:r>
+          </a:p>
+        </p:txBody>
+      </p:sp>
+      <p:sp>
+        <p:nvSpPr>
+          <p:cNvPr id="8" name="TextBox 7"/>
+          <p:cNvSpPr txBox="1"/>
+          <p:nvPr/>
+        </p:nvSpPr>
+        <p:spPr>
+          <a:xfrm>
+            <a:off x="5220072" y="4133962"/>
+            <a:ext cx="1797287" cy="584775"/>
+          </a:xfrm>
+          <a:prstGeom prst="rect">
+            <a:avLst/>
+          </a:prstGeom>
+          <a:noFill/>
+        </p:spPr>
+        <p:txBody>
+          <a:bodyPr wrap="none" rtlCol="0">
+            <a:spAutoFit/>
+          </a:bodyPr>
+          <a:lstStyle/>
+          <a:p>
+            <a:r>
+              <a:rPr lang="zh-CN" altLang="en-US" sz="1600" b="1" dirty="0">
+                <a:solidFill>
+                  <a:srgbClr val="FF0000"/>
+                </a:solidFill>
+              </a:rPr>
+              <a:t>因此，除非必须</a:t>
+            </a:r>
+            <a:endParaRPr lang="en-US" altLang="zh-CN" sz="1600" b="1" dirty="0">
+              <a:solidFill>
+                <a:srgbClr val="FF0000"/>
+              </a:solidFill>
+            </a:endParaRPr>
+          </a:p>
+          <a:p>
+            <a:r>
+              <a:rPr lang="zh-CN" altLang="en-US" sz="1600" b="1" dirty="0">
+                <a:solidFill>
+                  <a:srgbClr val="FF0000"/>
+                </a:solidFill>
+              </a:rPr>
+              <a:t>无需显示使用</a:t>
+            </a:r>
+            <a:r>
+              <a:rPr lang="en-US" altLang="zh-CN" sz="1600" b="1" dirty="0">
+                <a:solidFill>
+                  <a:srgbClr val="FF0000"/>
+                </a:solidFill>
+              </a:rPr>
+              <a:t>this</a:t>
             </a:r>
             <a:endParaRPr lang="zh-CN" altLang="en-US" sz="1600" b="1" dirty="0">
               <a:solidFill>
@@ -13811,6 +13483,139 @@
           </a:p>
         </p:txBody>
       </p:sp>
+      <p:pic>
+        <p:nvPicPr>
+          <p:cNvPr id="1026" name="Picture 2"/>
+          <p:cNvPicPr>
+            <a:picLocks noChangeAspect="1" noChangeArrowheads="1"/>
+          </p:cNvPicPr>
+          <p:nvPr/>
+        </p:nvPicPr>
+        <p:blipFill>
+          <a:blip r:embed="rId4">
+            <a:extLst>
+              <a:ext uri="{28A0092B-C50C-407E-A947-70E740481C1C}">
+                <a14:useLocalDpi xmlns:a14="http://schemas.microsoft.com/office/drawing/2010/main" val="0"/>
+              </a:ext>
+            </a:extLst>
+          </a:blip>
+          <a:srcRect/>
+          <a:stretch>
+            <a:fillRect/>
+          </a:stretch>
+        </p:blipFill>
+        <p:spPr bwMode="auto">
+          <a:xfrm>
+            <a:off x="40753" y="5097560"/>
+            <a:ext cx="5295900" cy="695325"/>
+          </a:xfrm>
+          <a:prstGeom prst="rect">
+            <a:avLst/>
+          </a:prstGeom>
+          <a:noFill/>
+          <a:ln>
+            <a:noFill/>
+          </a:ln>
+          <a:extLst>
+            <a:ext uri="{909E8E84-426E-40DD-AFC4-6F175D3DCCD1}">
+              <a14:hiddenFill xmlns:a14="http://schemas.microsoft.com/office/drawing/2010/main">
+                <a:solidFill>
+                  <a:schemeClr val="accent1"/>
+                </a:solidFill>
+              </a14:hiddenFill>
+            </a:ext>
+            <a:ext uri="{91240B29-F687-4F45-9708-019B960494DF}">
+              <a14:hiddenLine xmlns:a14="http://schemas.microsoft.com/office/drawing/2010/main" w="9525">
+                <a:solidFill>
+                  <a:schemeClr val="tx1"/>
+                </a:solidFill>
+                <a:miter lim="800000"/>
+                <a:headEnd/>
+                <a:tailEnd/>
+              </a14:hiddenLine>
+            </a:ext>
+          </a:extLst>
+        </p:spPr>
+      </p:pic>
+      <p:sp>
+        <p:nvSpPr>
+          <p:cNvPr id="11" name="上下箭头 10"/>
+          <p:cNvSpPr/>
+          <p:nvPr/>
+        </p:nvSpPr>
+        <p:spPr>
+          <a:xfrm>
+            <a:off x="2249712" y="4282225"/>
+            <a:ext cx="106511" cy="792088"/>
+          </a:xfrm>
+          <a:prstGeom prst="upDownArrow">
+            <a:avLst/>
+          </a:prstGeom>
+          <a:solidFill>
+            <a:srgbClr val="FF0000"/>
+          </a:solidFill>
+          <a:ln>
+            <a:noFill/>
+          </a:ln>
+        </p:spPr>
+        <p:style>
+          <a:lnRef idx="2">
+            <a:schemeClr val="accent1">
+              <a:shade val="50000"/>
+            </a:schemeClr>
+          </a:lnRef>
+          <a:fillRef idx="1">
+            <a:schemeClr val="accent1"/>
+          </a:fillRef>
+          <a:effectRef idx="0">
+            <a:schemeClr val="accent1"/>
+          </a:effectRef>
+          <a:fontRef idx="minor">
+            <a:schemeClr val="lt1"/>
+          </a:fontRef>
+        </p:style>
+        <p:txBody>
+          <a:bodyPr rtlCol="0" anchor="ctr"/>
+          <a:lstStyle/>
+          <a:p>
+            <a:pPr algn="ctr"/>
+            <a:endParaRPr lang="zh-CN" altLang="en-US"/>
+          </a:p>
+        </p:txBody>
+      </p:sp>
+      <p:sp>
+        <p:nvSpPr>
+          <p:cNvPr id="12" name="TextBox 11"/>
+          <p:cNvSpPr txBox="1"/>
+          <p:nvPr/>
+        </p:nvSpPr>
+        <p:spPr>
+          <a:xfrm>
+            <a:off x="2598663" y="4573752"/>
+            <a:ext cx="598241" cy="338554"/>
+          </a:xfrm>
+          <a:prstGeom prst="rect">
+            <a:avLst/>
+          </a:prstGeom>
+          <a:noFill/>
+        </p:spPr>
+        <p:txBody>
+          <a:bodyPr wrap="none" rtlCol="0">
+            <a:spAutoFit/>
+          </a:bodyPr>
+          <a:lstStyle/>
+          <a:p>
+            <a:r>
+              <a:rPr lang="zh-CN" altLang="en-US" sz="1600" b="1" dirty="0">
+                <a:solidFill>
+                  <a:srgbClr val="FF0000"/>
+                </a:solidFill>
+              </a:rPr>
+              <a:t>等效</a:t>
+            </a:r>
+          </a:p>
+        </p:txBody>
+      </p:sp>
       <p:sp>
         <p:nvSpPr>
           <p:cNvPr id="2" name="TextBox 1"/>
@@ -13872,11 +13677,6 @@
               </a:rPr>
               <a:t>”是内部还是外部的引用</a:t>
             </a:r>
-            <a:endParaRPr lang="zh-CN" altLang="en-US" sz="1600" b="1" dirty="0">
-              <a:solidFill>
-                <a:srgbClr val="FF0000"/>
-              </a:solidFill>
-            </a:endParaRPr>
           </a:p>
         </p:txBody>
       </p:sp>
@@ -13965,7 +13765,6 @@
               <a:rPr lang="zh-CN" altLang="en-US" dirty="0"/>
               <a:t>由于，静态变量仅与类相关而与类的具体对象无关，因此通过类名称直接调用</a:t>
             </a:r>
-            <a:endParaRPr lang="zh-CN" altLang="en-US" dirty="0"/>
           </a:p>
           <a:p>
             <a:endParaRPr lang="zh-CN" altLang="en-US" dirty="0"/>
@@ -13989,6 +13788,7 @@
           <a:p>
             <a:fld id="{0C913308-F349-4B6D-A68A-DD1791B4A57B}" type="slidenum">
               <a:rPr lang="zh-CN" altLang="en-US" smtClean="0"/>
+              <a:t>29</a:t>
             </a:fld>
             <a:endParaRPr lang="zh-CN" altLang="en-US" dirty="0"/>
           </a:p>
@@ -13997,98 +13797,6 @@
       <p:pic>
         <p:nvPicPr>
           <p:cNvPr id="5" name="Picture 3"/>
-          <p:cNvPicPr>
-            <a:picLocks noChangeAspect="1" noChangeArrowheads="1"/>
-          </p:cNvPicPr>
-          <p:nvPr/>
-        </p:nvPicPr>
-        <p:blipFill>
-          <a:blip r:embed="rId1">
-            <a:extLst>
-              <a:ext uri="{28A0092B-C50C-407E-A947-70E740481C1C}">
-                <a14:useLocalDpi xmlns:a14="http://schemas.microsoft.com/office/drawing/2010/main" val="0"/>
-              </a:ext>
-            </a:extLst>
-          </a:blip>
-          <a:srcRect/>
-          <a:stretch>
-            <a:fillRect/>
-          </a:stretch>
-        </p:blipFill>
-        <p:spPr bwMode="auto">
-          <a:xfrm>
-            <a:off x="179512" y="1139693"/>
-            <a:ext cx="5314950" cy="619125"/>
-          </a:xfrm>
-          <a:prstGeom prst="rect">
-            <a:avLst/>
-          </a:prstGeom>
-          <a:noFill/>
-          <a:ln>
-            <a:noFill/>
-          </a:ln>
-          <a:extLst>
-            <a:ext uri="{909E8E84-426E-40DD-AFC4-6F175D3DCCD1}">
-              <a14:hiddenFill xmlns:a14="http://schemas.microsoft.com/office/drawing/2010/main">
-                <a:solidFill>
-                  <a:schemeClr val="accent1"/>
-                </a:solidFill>
-              </a14:hiddenFill>
-            </a:ext>
-            <a:ext uri="{91240B29-F687-4F45-9708-019B960494DF}">
-              <a14:hiddenLine xmlns:a14="http://schemas.microsoft.com/office/drawing/2010/main" w="9525">
-                <a:solidFill>
-                  <a:schemeClr val="tx1"/>
-                </a:solidFill>
-                <a:miter lim="800000"/>
-                <a:headEnd/>
-                <a:tailEnd/>
-              </a14:hiddenLine>
-            </a:ext>
-          </a:extLst>
-        </p:spPr>
-      </p:pic>
-      <p:sp>
-        <p:nvSpPr>
-          <p:cNvPr id="6" name="TextBox 5"/>
-          <p:cNvSpPr txBox="1"/>
-          <p:nvPr/>
-        </p:nvSpPr>
-        <p:spPr>
-          <a:xfrm>
-            <a:off x="6228184" y="1412776"/>
-            <a:ext cx="2252540" cy="338554"/>
-          </a:xfrm>
-          <a:prstGeom prst="rect">
-            <a:avLst/>
-          </a:prstGeom>
-          <a:noFill/>
-        </p:spPr>
-        <p:txBody>
-          <a:bodyPr wrap="none" rtlCol="0">
-            <a:spAutoFit/>
-          </a:bodyPr>
-          <a:lstStyle/>
-          <a:p>
-            <a:r>
-              <a:rPr lang="zh-CN" altLang="en-US" sz="1600" b="1" dirty="0">
-                <a:solidFill>
-                  <a:srgbClr val="FF0000"/>
-                </a:solidFill>
-              </a:rPr>
-              <a:t>在类中声明了公有常量</a:t>
-            </a:r>
-            <a:endParaRPr lang="zh-CN" altLang="en-US" sz="1600" b="1" dirty="0">
-              <a:solidFill>
-                <a:srgbClr val="FF0000"/>
-              </a:solidFill>
-            </a:endParaRPr>
-          </a:p>
-        </p:txBody>
-      </p:sp>
-      <p:pic>
-        <p:nvPicPr>
-          <p:cNvPr id="3074" name="Picture 2"/>
           <p:cNvPicPr>
             <a:picLocks noChangeAspect="1" noChangeArrowheads="1"/>
           </p:cNvPicPr>
@@ -14109,8 +13817,8 @@
         </p:blipFill>
         <p:spPr bwMode="auto">
           <a:xfrm>
-            <a:off x="251520" y="2224440"/>
-            <a:ext cx="4533900" cy="942975"/>
+            <a:off x="179512" y="1139693"/>
+            <a:ext cx="5314950" cy="619125"/>
           </a:xfrm>
           <a:prstGeom prst="rect">
             <a:avLst/>
@@ -14142,14 +13850,14 @@
       </p:pic>
       <p:sp>
         <p:nvSpPr>
-          <p:cNvPr id="7" name="TextBox 6"/>
+          <p:cNvPr id="6" name="TextBox 5"/>
           <p:cNvSpPr txBox="1"/>
           <p:nvPr/>
         </p:nvSpPr>
         <p:spPr>
           <a:xfrm>
-            <a:off x="5796136" y="2526650"/>
-            <a:ext cx="2666114" cy="338554"/>
+            <a:off x="6228184" y="1412776"/>
+            <a:ext cx="2252540" cy="338554"/>
           </a:xfrm>
           <a:prstGeom prst="rect">
             <a:avLst/>
@@ -14168,19 +13876,14 @@
                   <a:srgbClr val="FF0000"/>
                 </a:solidFill>
               </a:rPr>
-              <a:t>外部通过类型名称直接调用</a:t>
-            </a:r>
-            <a:endParaRPr lang="zh-CN" altLang="en-US" sz="1600" b="1" dirty="0">
-              <a:solidFill>
-                <a:srgbClr val="FF0000"/>
-              </a:solidFill>
-            </a:endParaRPr>
+              <a:t>在类中声明了公有常量</a:t>
+            </a:r>
           </a:p>
         </p:txBody>
       </p:sp>
       <p:pic>
         <p:nvPicPr>
-          <p:cNvPr id="3076" name="Picture 4"/>
+          <p:cNvPr id="3074" name="Picture 2"/>
           <p:cNvPicPr>
             <a:picLocks noChangeAspect="1" noChangeArrowheads="1"/>
           </p:cNvPicPr>
@@ -14201,8 +13904,8 @@
         </p:blipFill>
         <p:spPr bwMode="auto">
           <a:xfrm>
-            <a:off x="899592" y="3690585"/>
-            <a:ext cx="6486525" cy="962025"/>
+            <a:off x="251520" y="2224440"/>
+            <a:ext cx="4533900" cy="942975"/>
           </a:xfrm>
           <a:prstGeom prst="rect">
             <a:avLst/>
@@ -14234,6 +13937,93 @@
       </p:pic>
       <p:sp>
         <p:nvSpPr>
+          <p:cNvPr id="7" name="TextBox 6"/>
+          <p:cNvSpPr txBox="1"/>
+          <p:nvPr/>
+        </p:nvSpPr>
+        <p:spPr>
+          <a:xfrm>
+            <a:off x="5796136" y="2526650"/>
+            <a:ext cx="2666114" cy="338554"/>
+          </a:xfrm>
+          <a:prstGeom prst="rect">
+            <a:avLst/>
+          </a:prstGeom>
+          <a:noFill/>
+        </p:spPr>
+        <p:txBody>
+          <a:bodyPr wrap="none" rtlCol="0">
+            <a:spAutoFit/>
+          </a:bodyPr>
+          <a:lstStyle/>
+          <a:p>
+            <a:r>
+              <a:rPr lang="zh-CN" altLang="en-US" sz="1600" b="1" dirty="0">
+                <a:solidFill>
+                  <a:srgbClr val="FF0000"/>
+                </a:solidFill>
+              </a:rPr>
+              <a:t>外部通过类型名称直接调用</a:t>
+            </a:r>
+          </a:p>
+        </p:txBody>
+      </p:sp>
+      <p:pic>
+        <p:nvPicPr>
+          <p:cNvPr id="3076" name="Picture 4"/>
+          <p:cNvPicPr>
+            <a:picLocks noChangeAspect="1" noChangeArrowheads="1"/>
+          </p:cNvPicPr>
+          <p:nvPr/>
+        </p:nvPicPr>
+        <p:blipFill>
+          <a:blip r:embed="rId4">
+            <a:extLst>
+              <a:ext uri="{28A0092B-C50C-407E-A947-70E740481C1C}">
+                <a14:useLocalDpi xmlns:a14="http://schemas.microsoft.com/office/drawing/2010/main" val="0"/>
+              </a:ext>
+            </a:extLst>
+          </a:blip>
+          <a:srcRect/>
+          <a:stretch>
+            <a:fillRect/>
+          </a:stretch>
+        </p:blipFill>
+        <p:spPr bwMode="auto">
+          <a:xfrm>
+            <a:off x="899592" y="3690585"/>
+            <a:ext cx="6486525" cy="962025"/>
+          </a:xfrm>
+          <a:prstGeom prst="rect">
+            <a:avLst/>
+          </a:prstGeom>
+          <a:noFill/>
+          <a:ln>
+            <a:noFill/>
+          </a:ln>
+          <a:extLst>
+            <a:ext uri="{909E8E84-426E-40DD-AFC4-6F175D3DCCD1}">
+              <a14:hiddenFill xmlns:a14="http://schemas.microsoft.com/office/drawing/2010/main">
+                <a:solidFill>
+                  <a:schemeClr val="accent1"/>
+                </a:solidFill>
+              </a14:hiddenFill>
+            </a:ext>
+            <a:ext uri="{91240B29-F687-4F45-9708-019B960494DF}">
+              <a14:hiddenLine xmlns:a14="http://schemas.microsoft.com/office/drawing/2010/main" w="9525">
+                <a:solidFill>
+                  <a:schemeClr val="tx1"/>
+                </a:solidFill>
+                <a:miter lim="800000"/>
+                <a:headEnd/>
+                <a:tailEnd/>
+              </a14:hiddenLine>
+            </a:ext>
+          </a:extLst>
+        </p:spPr>
+      </p:pic>
+      <p:sp>
+        <p:nvSpPr>
           <p:cNvPr id="11" name="TextBox 10"/>
           <p:cNvSpPr txBox="1"/>
           <p:nvPr/>
@@ -14293,11 +14083,6 @@
               </a:rPr>
               <a:t>常量不与类的任何对象关联</a:t>
             </a:r>
-            <a:endParaRPr lang="zh-CN" altLang="en-US" sz="1600" b="1" dirty="0">
-              <a:solidFill>
-                <a:srgbClr val="FF0000"/>
-              </a:solidFill>
-            </a:endParaRPr>
           </a:p>
         </p:txBody>
       </p:sp>
@@ -14406,7 +14191,6 @@
               <a:rPr lang="en-US" altLang="zh-CN" dirty="0"/>
               <a:t>, as in</a:t>
             </a:r>
-            <a:endParaRPr lang="en-US" altLang="zh-CN" dirty="0"/>
           </a:p>
           <a:p>
             <a:endParaRPr lang="en-US" altLang="zh-CN" dirty="0"/>
@@ -14416,7 +14200,6 @@
               <a:rPr lang="zh-CN" altLang="en-US" dirty="0"/>
               <a:t>与静态变量相似，类的静态方法也与类的实例对象无关。通过类型名称直接调用方法</a:t>
             </a:r>
-            <a:endParaRPr lang="zh-CN" altLang="en-US" dirty="0"/>
           </a:p>
         </p:txBody>
       </p:sp>
@@ -14437,6 +14220,7 @@
           <a:p>
             <a:fld id="{0C913308-F349-4B6D-A68A-DD1791B4A57B}" type="slidenum">
               <a:rPr lang="zh-CN" altLang="en-US" smtClean="0"/>
+              <a:t>30</a:t>
             </a:fld>
             <a:endParaRPr lang="zh-CN" altLang="en-US" dirty="0"/>
           </a:p>
@@ -14635,6 +14419,7 @@
           <a:p>
             <a:fld id="{0C913308-F349-4B6D-A68A-DD1791B4A57B}" type="slidenum">
               <a:rPr lang="zh-CN" altLang="en-US" smtClean="0"/>
+              <a:t>31</a:t>
             </a:fld>
             <a:endParaRPr lang="zh-CN" altLang="en-US" dirty="0"/>
           </a:p>
@@ -14730,11 +14515,6 @@
               </a:rPr>
               <a:t>对外提供静态方法访问当前累加数量</a:t>
             </a:r>
-            <a:endParaRPr lang="zh-CN" altLang="en-US" sz="1600" b="1" dirty="0">
-              <a:solidFill>
-                <a:srgbClr val="FF0000"/>
-              </a:solidFill>
-            </a:endParaRPr>
           </a:p>
         </p:txBody>
       </p:sp>
@@ -14747,7 +14527,7 @@
           <p:nvPr/>
         </p:nvPicPr>
         <p:blipFill>
-          <a:blip r:embed="rId1">
+          <a:blip r:embed="rId2">
             <a:extLst>
               <a:ext uri="{28A0092B-C50C-407E-A947-70E740481C1C}">
                 <a14:useLocalDpi xmlns:a14="http://schemas.microsoft.com/office/drawing/2010/main" val="0"/>
@@ -14873,7 +14653,7 @@
           <p:nvPr/>
         </p:nvPicPr>
         <p:blipFill>
-          <a:blip r:embed="rId2">
+          <a:blip r:embed="rId3">
             <a:extLst>
               <a:ext uri="{28A0092B-C50C-407E-A947-70E740481C1C}">
                 <a14:useLocalDpi xmlns:a14="http://schemas.microsoft.com/office/drawing/2010/main" val="0"/>
@@ -15001,11 +14781,6 @@
               </a:rPr>
               <a:t>访问其提供的静态方法</a:t>
             </a:r>
-            <a:endParaRPr lang="zh-CN" altLang="en-US" sz="1600" b="1" dirty="0">
-              <a:solidFill>
-                <a:srgbClr val="FF0000"/>
-              </a:solidFill>
-            </a:endParaRPr>
           </a:p>
         </p:txBody>
       </p:sp>
@@ -15054,7 +14829,7 @@
           <p:nvPr/>
         </p:nvPicPr>
         <p:blipFill>
-          <a:blip r:embed="rId3">
+          <a:blip r:embed="rId4">
             <a:extLst>
               <a:ext uri="{28A0092B-C50C-407E-A947-70E740481C1C}">
                 <a14:useLocalDpi xmlns:a14="http://schemas.microsoft.com/office/drawing/2010/main" val="0"/>
@@ -15544,7 +15319,6 @@
               <a:rPr lang="zh-CN" altLang="en-US" dirty="0"/>
               <a:t>等</a:t>
             </a:r>
-            <a:endParaRPr lang="zh-CN" altLang="en-US" dirty="0"/>
           </a:p>
         </p:txBody>
       </p:sp>
@@ -15565,6 +15339,7 @@
           <a:p>
             <a:fld id="{0C913308-F349-4B6D-A68A-DD1791B4A57B}" type="slidenum">
               <a:rPr lang="zh-CN" altLang="en-US" smtClean="0"/>
+              <a:t>32</a:t>
             </a:fld>
             <a:endParaRPr lang="zh-CN" altLang="en-US" dirty="0"/>
           </a:p>
@@ -15630,11 +15405,6 @@
               </a:rPr>
               <a:t>无法编译</a:t>
             </a:r>
-            <a:endParaRPr lang="zh-CN" altLang="en-US" sz="1600" b="1" dirty="0">
-              <a:solidFill>
-                <a:srgbClr val="FF0000"/>
-              </a:solidFill>
-            </a:endParaRPr>
           </a:p>
         </p:txBody>
       </p:sp>
@@ -15801,7 +15571,7 @@
           <p:nvPr/>
         </p:nvPicPr>
         <p:blipFill>
-          <a:blip r:embed="rId1">
+          <a:blip r:embed="rId2">
             <a:extLst>
               <a:ext uri="{28A0092B-C50C-407E-A947-70E740481C1C}">
                 <a14:useLocalDpi xmlns:a14="http://schemas.microsoft.com/office/drawing/2010/main" val="0"/>
@@ -16114,6 +15884,7 @@
           <a:p>
             <a:fld id="{0C913308-F349-4B6D-A68A-DD1791B4A57B}" type="slidenum">
               <a:rPr lang="zh-CN" altLang="en-US" smtClean="0"/>
+              <a:t>33</a:t>
             </a:fld>
             <a:endParaRPr lang="zh-CN" altLang="en-US" dirty="0"/>
           </a:p>
@@ -16187,11 +15958,6 @@
               </a:rPr>
               <a:t>只能调用静态方法</a:t>
             </a:r>
-            <a:endParaRPr lang="zh-CN" altLang="en-US" sz="1600" b="1" dirty="0">
-              <a:solidFill>
-                <a:srgbClr val="FF0000"/>
-              </a:solidFill>
-            </a:endParaRPr>
           </a:p>
           <a:p>
             <a:endParaRPr lang="en-US" altLang="zh-CN" sz="1600" b="1" dirty="0">
@@ -16269,11 +16035,6 @@
               </a:rPr>
               <a:t>无需创建测试类的对象</a:t>
             </a:r>
-            <a:endParaRPr lang="zh-CN" altLang="en-US" sz="1600" b="1" dirty="0">
-              <a:solidFill>
-                <a:srgbClr val="FF0000"/>
-              </a:solidFill>
-            </a:endParaRPr>
           </a:p>
         </p:txBody>
       </p:sp>
@@ -16286,7 +16047,7 @@
           <p:nvPr/>
         </p:nvPicPr>
         <p:blipFill>
-          <a:blip r:embed="rId1">
+          <a:blip r:embed="rId2">
             <a:extLst>
               <a:ext uri="{28A0092B-C50C-407E-A947-70E740481C1C}">
                 <a14:useLocalDpi xmlns:a14="http://schemas.microsoft.com/office/drawing/2010/main" val="0"/>
@@ -16484,7 +16245,6 @@
               <a:rPr lang="en-US" altLang="zh-CN" dirty="0"/>
               <a:t>is a normal block of code enclosed in braces, { }, and preceded by the static keyword. </a:t>
             </a:r>
-            <a:endParaRPr lang="en-US" altLang="zh-CN" dirty="0"/>
           </a:p>
           <a:p>
             <a:endParaRPr lang="en-US" altLang="zh-CN" dirty="0"/>
@@ -16533,6 +16293,7 @@
           <a:p>
             <a:fld id="{0C913308-F349-4B6D-A68A-DD1791B4A57B}" type="slidenum">
               <a:rPr lang="zh-CN" altLang="en-US" smtClean="0"/>
+              <a:t>34</a:t>
             </a:fld>
             <a:endParaRPr lang="zh-CN" altLang="en-US" dirty="0"/>
           </a:p>
@@ -16568,11 +16329,6 @@
               </a:rPr>
               <a:t>static {</a:t>
             </a:r>
-            <a:endParaRPr lang="en-US" altLang="zh-CN" sz="2000" b="1" dirty="0">
-              <a:solidFill>
-                <a:srgbClr val="FF0000"/>
-              </a:solidFill>
-            </a:endParaRPr>
           </a:p>
           <a:p>
             <a:r>
@@ -16583,11 +16339,6 @@
               </a:rPr>
               <a:t>    // whatever code is needed for initialization goes here</a:t>
             </a:r>
-            <a:endParaRPr lang="en-US" altLang="zh-CN" sz="2000" b="1" dirty="0">
-              <a:solidFill>
-                <a:srgbClr val="FF0000"/>
-              </a:solidFill>
-            </a:endParaRPr>
           </a:p>
           <a:p>
             <a:r>
@@ -16669,7 +16420,6 @@
               <a:rPr lang="zh-CN" altLang="en-US" dirty="0"/>
               <a:t>即使是包含主函数的类，依然先执行静态代码块初始化类，然后执行主函数</a:t>
             </a:r>
-            <a:endParaRPr lang="zh-CN" altLang="en-US" dirty="0"/>
           </a:p>
           <a:p>
             <a:r>
@@ -16725,7 +16475,6 @@
               <a:rPr lang="zh-CN" altLang="en-US" dirty="0"/>
               <a:t>属性，初始化的执行顺序，后期讨论</a:t>
             </a:r>
-            <a:endParaRPr lang="zh-CN" altLang="en-US" dirty="0"/>
           </a:p>
         </p:txBody>
       </p:sp>
@@ -16746,6 +16495,7 @@
           <a:p>
             <a:fld id="{0C913308-F349-4B6D-A68A-DD1791B4A57B}" type="slidenum">
               <a:rPr lang="zh-CN" altLang="en-US" smtClean="0"/>
+              <a:t>35</a:t>
             </a:fld>
             <a:endParaRPr lang="zh-CN" altLang="en-US" dirty="0"/>
           </a:p>
@@ -16793,6 +16543,7 @@
           <a:p>
             <a:fld id="{0C913308-F349-4B6D-A68A-DD1791B4A57B}" type="slidenum">
               <a:rPr lang="zh-CN" altLang="en-US" smtClean="0"/>
+              <a:t>36</a:t>
             </a:fld>
             <a:endParaRPr lang="zh-CN" altLang="en-US" dirty="0"/>
           </a:p>
@@ -16807,7 +16558,7 @@
           <p:nvPr/>
         </p:nvPicPr>
         <p:blipFill>
-          <a:blip r:embed="rId1"/>
+          <a:blip r:embed="rId2"/>
           <a:stretch>
             <a:fillRect/>
           </a:stretch>
@@ -16831,7 +16582,7 @@
           <p:nvPr/>
         </p:nvPicPr>
         <p:blipFill>
-          <a:blip r:embed="rId2"/>
+          <a:blip r:embed="rId3"/>
           <a:stretch>
             <a:fillRect/>
           </a:stretch>
@@ -17050,11 +16801,6 @@
               </a:rPr>
               <a:t>执行构造函数</a:t>
             </a:r>
-            <a:endParaRPr lang="zh-CN" altLang="en-US" sz="1600" b="1" dirty="0">
-              <a:solidFill>
-                <a:srgbClr val="FF0000"/>
-              </a:solidFill>
-            </a:endParaRPr>
           </a:p>
         </p:txBody>
       </p:sp>
@@ -17103,7 +16849,7 @@
           <p:nvPr/>
         </p:nvPicPr>
         <p:blipFill>
-          <a:blip r:embed="rId3"/>
+          <a:blip r:embed="rId4"/>
           <a:stretch>
             <a:fillRect/>
           </a:stretch>
@@ -17637,6 +17383,7 @@
           <a:p>
             <a:fld id="{0C913308-F349-4B6D-A68A-DD1791B4A57B}" type="slidenum">
               <a:rPr lang="zh-CN" altLang="en-US" smtClean="0"/>
+              <a:t>37</a:t>
             </a:fld>
             <a:endParaRPr lang="zh-CN" altLang="en-US" dirty="0"/>
           </a:p>
@@ -17651,7 +17398,7 @@
           <p:nvPr/>
         </p:nvPicPr>
         <p:blipFill>
-          <a:blip r:embed="rId1">
+          <a:blip r:embed="rId2">
             <a:extLst>
               <a:ext uri="{28A0092B-C50C-407E-A947-70E740481C1C}">
                 <a14:useLocalDpi xmlns:a14="http://schemas.microsoft.com/office/drawing/2010/main" val="0"/>
@@ -17705,7 +17452,7 @@
           <p:nvPr/>
         </p:nvPicPr>
         <p:blipFill>
-          <a:blip r:embed="rId2">
+          <a:blip r:embed="rId3">
             <a:extLst>
               <a:ext uri="{28A0092B-C50C-407E-A947-70E740481C1C}">
                 <a14:useLocalDpi xmlns:a14="http://schemas.microsoft.com/office/drawing/2010/main" val="0"/>
@@ -17890,11 +17637,6 @@
               </a:rPr>
               <a:t>会创建几次对象？</a:t>
             </a:r>
-            <a:endParaRPr lang="zh-CN" altLang="en-US" sz="1600" b="1" dirty="0">
-              <a:solidFill>
-                <a:srgbClr val="FF0000"/>
-              </a:solidFill>
-            </a:endParaRPr>
           </a:p>
         </p:txBody>
       </p:sp>
@@ -17935,6 +17677,16 @@
                 </a:solidFill>
               </a:rPr>
               <a:t>bicycle</a:t>
+            </a:r>
+          </a:p>
+          <a:p>
+            <a:r>
+              <a:rPr lang="zh-CN" altLang="en-US" sz="1600" b="1" dirty="0">
+                <a:solidFill>
+                  <a:srgbClr val="FF0000"/>
+                </a:solidFill>
+              </a:rPr>
+              <a:t>引用为空</a:t>
             </a:r>
             <a:endParaRPr lang="en-US" altLang="zh-CN" sz="1600" b="1" dirty="0">
               <a:solidFill>
@@ -17949,7 +17701,31 @@
                   <a:srgbClr val="FF0000"/>
                 </a:solidFill>
               </a:rPr>
-              <a:t>引用为空</a:t>
+              <a:t>执行</a:t>
+            </a:r>
+            <a:r>
+              <a:rPr lang="en-US" altLang="zh-CN" sz="1600" b="1" dirty="0" err="1">
+                <a:solidFill>
+                  <a:srgbClr val="FF0000"/>
+                </a:solidFill>
+              </a:rPr>
+              <a:t>getBicycle</a:t>
+            </a:r>
+            <a:r>
+              <a:rPr lang="en-US" altLang="zh-CN" sz="1600" b="1" dirty="0">
+                <a:solidFill>
+                  <a:srgbClr val="FF0000"/>
+                </a:solidFill>
+              </a:rPr>
+              <a:t>()</a:t>
+            </a:r>
+            <a:r>
+              <a:rPr lang="zh-CN" altLang="en-US" sz="1600" b="1" dirty="0">
+                <a:solidFill>
+                  <a:srgbClr val="FF0000"/>
+                </a:solidFill>
+              </a:rPr>
+              <a:t>方法</a:t>
             </a:r>
             <a:endParaRPr lang="en-US" altLang="zh-CN" sz="1600" b="1" dirty="0">
               <a:solidFill>
@@ -17964,31 +17740,7 @@
                   <a:srgbClr val="FF0000"/>
                 </a:solidFill>
               </a:rPr>
-              <a:t>执行</a:t>
-            </a:r>
-            <a:r>
-              <a:rPr lang="en-US" altLang="zh-CN" sz="1600" b="1" dirty="0" err="1">
-                <a:solidFill>
-                  <a:srgbClr val="FF0000"/>
-                </a:solidFill>
-              </a:rPr>
-              <a:t>getBicycle</a:t>
-            </a:r>
-            <a:r>
-              <a:rPr lang="en-US" altLang="zh-CN" sz="1600" b="1" dirty="0">
-                <a:solidFill>
-                  <a:srgbClr val="FF0000"/>
-                </a:solidFill>
-              </a:rPr>
-              <a:t>()</a:t>
-            </a:r>
-            <a:r>
-              <a:rPr lang="zh-CN" altLang="en-US" sz="1600" b="1" dirty="0">
-                <a:solidFill>
-                  <a:srgbClr val="FF0000"/>
-                </a:solidFill>
-              </a:rPr>
-              <a:t>方法</a:t>
+              <a:t>创建对象并返回引用地址</a:t>
             </a:r>
             <a:endParaRPr lang="en-US" altLang="zh-CN" sz="1600" b="1" dirty="0">
               <a:solidFill>
@@ -18003,7 +17755,23 @@
                   <a:srgbClr val="FF0000"/>
                 </a:solidFill>
               </a:rPr>
-              <a:t>创建对象并返回引用地址</a:t>
+              <a:t>第</a:t>
+            </a:r>
+            <a:r>
+              <a:rPr lang="en-US" altLang="zh-CN" sz="1600" b="1" dirty="0">
+                <a:solidFill>
+                  <a:srgbClr val="FF0000"/>
+                </a:solidFill>
+              </a:rPr>
+              <a:t>2</a:t>
+            </a:r>
+            <a:r>
+              <a:rPr lang="zh-CN" altLang="en-US" sz="1600" b="1" dirty="0">
+                <a:solidFill>
+                  <a:srgbClr val="FF0000"/>
+                </a:solidFill>
+              </a:rPr>
+              <a:t>次调用</a:t>
             </a:r>
             <a:endParaRPr lang="en-US" altLang="zh-CN" sz="1600" b="1" dirty="0">
               <a:solidFill>
@@ -18018,23 +17786,7 @@
                   <a:srgbClr val="FF0000"/>
                 </a:solidFill>
               </a:rPr>
-              <a:t>第</a:t>
-            </a:r>
-            <a:r>
-              <a:rPr lang="en-US" altLang="zh-CN" sz="1600" b="1" dirty="0">
-                <a:solidFill>
-                  <a:srgbClr val="FF0000"/>
-                </a:solidFill>
-              </a:rPr>
-              <a:t>2</a:t>
-            </a:r>
-            <a:r>
-              <a:rPr lang="zh-CN" altLang="en-US" sz="1600" b="1" dirty="0">
-                <a:solidFill>
-                  <a:srgbClr val="FF0000"/>
-                </a:solidFill>
-              </a:rPr>
-              <a:t>次调用</a:t>
+              <a:t>引用对象已存在</a:t>
             </a:r>
             <a:endParaRPr lang="en-US" altLang="zh-CN" sz="1600" b="1" dirty="0">
               <a:solidFill>
@@ -18049,7 +17801,7 @@
                   <a:srgbClr val="FF0000"/>
                 </a:solidFill>
               </a:rPr>
-              <a:t>引用对象已存在</a:t>
+              <a:t>直接使用</a:t>
             </a:r>
             <a:endParaRPr lang="en-US" altLang="zh-CN" sz="1600" b="1" dirty="0">
               <a:solidFill>
@@ -18058,14 +17810,6 @@
             </a:endParaRPr>
           </a:p>
           <a:p>
-            <a:r>
-              <a:rPr lang="zh-CN" altLang="en-US" sz="1600" b="1" dirty="0">
-                <a:solidFill>
-                  <a:srgbClr val="FF0000"/>
-                </a:solidFill>
-              </a:rPr>
-              <a:t>直接使用</a:t>
-            </a:r>
             <a:endParaRPr lang="en-US" altLang="zh-CN" sz="1600" b="1" dirty="0">
               <a:solidFill>
                 <a:srgbClr val="FF0000"/>
@@ -18073,6 +17817,38 @@
             </a:endParaRPr>
           </a:p>
           <a:p>
+            <a:r>
+              <a:rPr lang="zh-CN" altLang="en-US" sz="1600" b="1" dirty="0">
+                <a:solidFill>
+                  <a:srgbClr val="FF0000"/>
+                </a:solidFill>
+              </a:rPr>
+              <a:t>因此</a:t>
+            </a:r>
+            <a:r>
+              <a:rPr lang="en-US" altLang="zh-CN" sz="1600" b="1" dirty="0" err="1">
+                <a:solidFill>
+                  <a:srgbClr val="FF0000"/>
+                </a:solidFill>
+              </a:rPr>
+              <a:t>getBicycle</a:t>
+            </a:r>
+            <a:r>
+              <a:rPr lang="en-US" altLang="zh-CN" sz="1600" b="1" dirty="0">
+                <a:solidFill>
+                  <a:srgbClr val="FF0000"/>
+                </a:solidFill>
+              </a:rPr>
+              <a:t>()</a:t>
+            </a:r>
+            <a:r>
+              <a:rPr lang="zh-CN" altLang="en-US" sz="1600" b="1" dirty="0">
+                <a:solidFill>
+                  <a:srgbClr val="FF0000"/>
+                </a:solidFill>
+              </a:rPr>
+              <a:t>方法</a:t>
+            </a:r>
             <a:endParaRPr lang="en-US" altLang="zh-CN" sz="1600" b="1" dirty="0">
               <a:solidFill>
                 <a:srgbClr val="FF0000"/>
@@ -18086,31 +17862,7 @@
                   <a:srgbClr val="FF0000"/>
                 </a:solidFill>
               </a:rPr>
-              <a:t>因此</a:t>
-            </a:r>
-            <a:r>
-              <a:rPr lang="en-US" altLang="zh-CN" sz="1600" b="1" dirty="0" err="1">
-                <a:solidFill>
-                  <a:srgbClr val="FF0000"/>
-                </a:solidFill>
-              </a:rPr>
-              <a:t>getBicycle</a:t>
-            </a:r>
-            <a:r>
-              <a:rPr lang="en-US" altLang="zh-CN" sz="1600" b="1" dirty="0">
-                <a:solidFill>
-                  <a:srgbClr val="FF0000"/>
-                </a:solidFill>
-              </a:rPr>
-              <a:t>()</a:t>
-            </a:r>
-            <a:r>
-              <a:rPr lang="zh-CN" altLang="en-US" sz="1600" b="1" dirty="0">
-                <a:solidFill>
-                  <a:srgbClr val="FF0000"/>
-                </a:solidFill>
-              </a:rPr>
-              <a:t>方法</a:t>
+              <a:t>仅会在首次执行初始化一次</a:t>
             </a:r>
             <a:endParaRPr lang="en-US" altLang="zh-CN" sz="1600" b="1" dirty="0">
               <a:solidFill>
@@ -18120,147 +17872,117 @@
           </a:p>
           <a:p>
             <a:r>
+              <a:rPr lang="en-US" altLang="zh-CN" sz="1600" b="1" dirty="0">
+                <a:solidFill>
+                  <a:srgbClr val="FF0000"/>
+                </a:solidFill>
+              </a:rPr>
+              <a:t>2</a:t>
+            </a:r>
+            <a:r>
               <a:rPr lang="zh-CN" altLang="en-US" sz="1600" b="1" dirty="0">
                 <a:solidFill>
                   <a:srgbClr val="FF0000"/>
                 </a:solidFill>
               </a:rPr>
-              <a:t>仅会在首次执行初始化一次</a:t>
-            </a:r>
+              <a:t>次调用的是同一个对象</a:t>
+            </a:r>
+          </a:p>
+          <a:p>
             <a:endParaRPr lang="en-US" altLang="zh-CN" sz="1600" b="1" dirty="0">
               <a:solidFill>
                 <a:srgbClr val="FF0000"/>
               </a:solidFill>
             </a:endParaRPr>
           </a:p>
-          <a:p>
-            <a:r>
-              <a:rPr lang="en-US" altLang="zh-CN" sz="1600" b="1" dirty="0">
-                <a:solidFill>
-                  <a:srgbClr val="FF0000"/>
-                </a:solidFill>
-              </a:rPr>
-              <a:t>2</a:t>
-            </a:r>
+        </p:txBody>
+      </p:sp>
+      <p:sp>
+        <p:nvSpPr>
+          <p:cNvPr id="14" name="TextBox 13"/>
+          <p:cNvSpPr txBox="1"/>
+          <p:nvPr/>
+        </p:nvSpPr>
+        <p:spPr>
+          <a:xfrm>
+            <a:off x="2339752" y="4721162"/>
+            <a:ext cx="3286477" cy="338554"/>
+          </a:xfrm>
+          <a:prstGeom prst="rect">
+            <a:avLst/>
+          </a:prstGeom>
+          <a:noFill/>
+        </p:spPr>
+        <p:txBody>
+          <a:bodyPr wrap="none" rtlCol="0">
+            <a:spAutoFit/>
+          </a:bodyPr>
+          <a:lstStyle/>
+          <a:p>
             <a:r>
               <a:rPr lang="zh-CN" altLang="en-US" sz="1600" b="1" dirty="0">
                 <a:solidFill>
                   <a:srgbClr val="FF0000"/>
                 </a:solidFill>
               </a:rPr>
-              <a:t>次调用的是同一个对象</a:t>
-            </a:r>
-            <a:endParaRPr lang="zh-CN" altLang="en-US" sz="1600" b="1" dirty="0">
-              <a:solidFill>
-                <a:srgbClr val="FF0000"/>
-              </a:solidFill>
-            </a:endParaRPr>
-          </a:p>
-          <a:p>
+              <a:t>静态对象，可通过静态方法初始化</a:t>
+            </a:r>
+          </a:p>
+        </p:txBody>
+      </p:sp>
+      <p:sp>
+        <p:nvSpPr>
+          <p:cNvPr id="15" name="TextBox 14"/>
+          <p:cNvSpPr txBox="1"/>
+          <p:nvPr/>
+        </p:nvSpPr>
+        <p:spPr>
+          <a:xfrm>
+            <a:off x="2339752" y="2720908"/>
+            <a:ext cx="1938351" cy="584775"/>
+          </a:xfrm>
+          <a:prstGeom prst="rect">
+            <a:avLst/>
+          </a:prstGeom>
+          <a:noFill/>
+        </p:spPr>
+        <p:txBody>
+          <a:bodyPr wrap="none" rtlCol="0">
+            <a:spAutoFit/>
+          </a:bodyPr>
+          <a:lstStyle/>
+          <a:p>
+            <a:r>
+              <a:rPr lang="zh-CN" altLang="en-US" sz="1600" b="1" dirty="0">
+                <a:solidFill>
+                  <a:srgbClr val="FF0000"/>
+                </a:solidFill>
+              </a:rPr>
+              <a:t>实例化一次</a:t>
+            </a:r>
             <a:endParaRPr lang="en-US" altLang="zh-CN" sz="1600" b="1" dirty="0">
               <a:solidFill>
                 <a:srgbClr val="FF0000"/>
               </a:solidFill>
             </a:endParaRPr>
           </a:p>
-        </p:txBody>
-      </p:sp>
-      <p:sp>
-        <p:nvSpPr>
-          <p:cNvPr id="14" name="TextBox 13"/>
-          <p:cNvSpPr txBox="1"/>
-          <p:nvPr/>
-        </p:nvSpPr>
-        <p:spPr>
-          <a:xfrm>
-            <a:off x="2339752" y="4721162"/>
-            <a:ext cx="3286477" cy="338554"/>
-          </a:xfrm>
-          <a:prstGeom prst="rect">
-            <a:avLst/>
-          </a:prstGeom>
-          <a:noFill/>
-        </p:spPr>
-        <p:txBody>
-          <a:bodyPr wrap="none" rtlCol="0">
-            <a:spAutoFit/>
-          </a:bodyPr>
-          <a:lstStyle/>
-          <a:p>
+          <a:p>
+            <a:r>
+              <a:rPr lang="en-US" altLang="zh-CN" sz="1600" b="1" dirty="0">
+                <a:solidFill>
+                  <a:srgbClr val="FF0000"/>
+                </a:solidFill>
+              </a:rPr>
+              <a:t>2</a:t>
+            </a:r>
             <a:r>
               <a:rPr lang="zh-CN" altLang="en-US" sz="1600" b="1" dirty="0">
                 <a:solidFill>
                   <a:srgbClr val="FF0000"/>
                 </a:solidFill>
               </a:rPr>
-              <a:t>静态对象，可通过静态方法初始化</a:t>
-            </a:r>
-            <a:endParaRPr lang="zh-CN" altLang="en-US" sz="1600" b="1" dirty="0">
-              <a:solidFill>
-                <a:srgbClr val="FF0000"/>
-              </a:solidFill>
-            </a:endParaRPr>
-          </a:p>
-        </p:txBody>
-      </p:sp>
-      <p:sp>
-        <p:nvSpPr>
-          <p:cNvPr id="15" name="TextBox 14"/>
-          <p:cNvSpPr txBox="1"/>
-          <p:nvPr/>
-        </p:nvSpPr>
-        <p:spPr>
-          <a:xfrm>
-            <a:off x="2339752" y="2720908"/>
-            <a:ext cx="1938351" cy="584775"/>
-          </a:xfrm>
-          <a:prstGeom prst="rect">
-            <a:avLst/>
-          </a:prstGeom>
-          <a:noFill/>
-        </p:spPr>
-        <p:txBody>
-          <a:bodyPr wrap="none" rtlCol="0">
-            <a:spAutoFit/>
-          </a:bodyPr>
-          <a:lstStyle/>
-          <a:p>
-            <a:r>
-              <a:rPr lang="zh-CN" altLang="en-US" sz="1600" b="1" dirty="0">
-                <a:solidFill>
-                  <a:srgbClr val="FF0000"/>
-                </a:solidFill>
-              </a:rPr>
-              <a:t>实例化一次</a:t>
-            </a:r>
-            <a:endParaRPr lang="en-US" altLang="zh-CN" sz="1600" b="1" dirty="0">
-              <a:solidFill>
-                <a:srgbClr val="FF0000"/>
-              </a:solidFill>
-            </a:endParaRPr>
-          </a:p>
-          <a:p>
-            <a:r>
-              <a:rPr lang="en-US" altLang="zh-CN" sz="1600" b="1" dirty="0">
-                <a:solidFill>
-                  <a:srgbClr val="FF0000"/>
-                </a:solidFill>
-              </a:rPr>
-              <a:t>2</a:t>
-            </a:r>
-            <a:r>
-              <a:rPr lang="zh-CN" altLang="en-US" sz="1600" b="1" dirty="0">
-                <a:solidFill>
-                  <a:srgbClr val="FF0000"/>
-                </a:solidFill>
-              </a:rPr>
               <a:t>次调用时相同对象</a:t>
             </a:r>
-            <a:endParaRPr lang="zh-CN" altLang="en-US" sz="1600" b="1" dirty="0">
-              <a:solidFill>
-                <a:srgbClr val="FF0000"/>
-              </a:solidFill>
-            </a:endParaRPr>
           </a:p>
         </p:txBody>
       </p:sp>
@@ -18517,6 +18239,7 @@
           <a:p>
             <a:fld id="{0C913308-F349-4B6D-A68A-DD1791B4A57B}" type="slidenum">
               <a:rPr lang="zh-CN" altLang="en-US" smtClean="0"/>
+              <a:t>38</a:t>
             </a:fld>
             <a:endParaRPr lang="zh-CN" altLang="en-US" dirty="0"/>
           </a:p>
@@ -18747,11 +18470,6 @@
               </a:rPr>
               <a:t>应用的实际根路径</a:t>
             </a:r>
-            <a:endParaRPr lang="zh-CN" altLang="en-US" sz="1600" b="1" dirty="0">
-              <a:solidFill>
-                <a:srgbClr val="FF0000"/>
-              </a:solidFill>
-            </a:endParaRPr>
           </a:p>
         </p:txBody>
       </p:sp>
@@ -18764,7 +18482,7 @@
           <p:nvPr/>
         </p:nvPicPr>
         <p:blipFill>
-          <a:blip r:embed="rId1">
+          <a:blip r:embed="rId2">
             <a:extLst>
               <a:ext uri="{28A0092B-C50C-407E-A947-70E740481C1C}">
                 <a14:useLocalDpi xmlns:a14="http://schemas.microsoft.com/office/drawing/2010/main" val="0"/>
@@ -18923,6 +18641,7 @@
           <a:p>
             <a:fld id="{0C913308-F349-4B6D-A68A-DD1791B4A57B}" type="slidenum">
               <a:rPr lang="zh-CN" altLang="en-US" smtClean="0"/>
+              <a:t>3</a:t>
             </a:fld>
             <a:endParaRPr lang="zh-CN" altLang="en-US" dirty="0"/>
           </a:p>
@@ -18931,30 +18650,6 @@
       <p:pic>
         <p:nvPicPr>
           <p:cNvPr id="5" name="图片 4"/>
-          <p:cNvPicPr>
-            <a:picLocks noChangeAspect="1"/>
-          </p:cNvPicPr>
-          <p:nvPr/>
-        </p:nvPicPr>
-        <p:blipFill>
-          <a:blip r:embed="rId1"/>
-          <a:stretch>
-            <a:fillRect/>
-          </a:stretch>
-        </p:blipFill>
-        <p:spPr>
-          <a:xfrm>
-            <a:off x="117443" y="188640"/>
-            <a:ext cx="4464496" cy="2465775"/>
-          </a:xfrm>
-          <a:prstGeom prst="rect">
-            <a:avLst/>
-          </a:prstGeom>
-        </p:spPr>
-      </p:pic>
-      <p:pic>
-        <p:nvPicPr>
-          <p:cNvPr id="6" name="图片 5"/>
           <p:cNvPicPr>
             <a:picLocks noChangeAspect="1"/>
           </p:cNvPicPr>
@@ -18968,8 +18663,8 @@
         </p:blipFill>
         <p:spPr>
           <a:xfrm>
-            <a:off x="6269" y="3645024"/>
-            <a:ext cx="6038733" cy="1285353"/>
+            <a:off x="117443" y="188640"/>
+            <a:ext cx="4464496" cy="2465775"/>
           </a:xfrm>
           <a:prstGeom prst="rect">
             <a:avLst/>
@@ -18978,7 +18673,7 @@
       </p:pic>
       <p:pic>
         <p:nvPicPr>
-          <p:cNvPr id="7" name="图片 6"/>
+          <p:cNvPr id="6" name="图片 5"/>
           <p:cNvPicPr>
             <a:picLocks noChangeAspect="1"/>
           </p:cNvPicPr>
@@ -18992,6 +18687,30 @@
         </p:blipFill>
         <p:spPr>
           <a:xfrm>
+            <a:off x="6269" y="3645024"/>
+            <a:ext cx="6038733" cy="1285353"/>
+          </a:xfrm>
+          <a:prstGeom prst="rect">
+            <a:avLst/>
+          </a:prstGeom>
+        </p:spPr>
+      </p:pic>
+      <p:pic>
+        <p:nvPicPr>
+          <p:cNvPr id="7" name="图片 6"/>
+          <p:cNvPicPr>
+            <a:picLocks noChangeAspect="1"/>
+          </p:cNvPicPr>
+          <p:nvPr/>
+        </p:nvPicPr>
+        <p:blipFill>
+          <a:blip r:embed="rId4"/>
+          <a:stretch>
+            <a:fillRect/>
+          </a:stretch>
+        </p:blipFill>
+        <p:spPr>
+          <a:xfrm>
             <a:off x="7452320" y="3933056"/>
             <a:ext cx="1352550" cy="838200"/>
           </a:xfrm>
@@ -19045,11 +18764,6 @@
               </a:rPr>
               <a:t>指定属性值</a:t>
             </a:r>
-            <a:endParaRPr lang="zh-CN" altLang="en-US" sz="1600" b="1" dirty="0">
-              <a:solidFill>
-                <a:srgbClr val="FF0000"/>
-              </a:solidFill>
-            </a:endParaRPr>
           </a:p>
         </p:txBody>
       </p:sp>
@@ -19102,7 +18816,6 @@
               <a:rPr lang="zh-CN" altLang="en-US" dirty="0"/>
               <a:t>需求：学生初始化时必须包含姓名与性别</a:t>
             </a:r>
-            <a:endParaRPr lang="zh-CN" altLang="en-US" dirty="0"/>
           </a:p>
         </p:txBody>
       </p:sp>
@@ -19123,6 +18836,7 @@
           <a:p>
             <a:fld id="{0C913308-F349-4B6D-A68A-DD1791B4A57B}" type="slidenum">
               <a:rPr lang="zh-CN" altLang="en-US" smtClean="0"/>
+              <a:t>39</a:t>
             </a:fld>
             <a:endParaRPr lang="zh-CN" altLang="en-US" dirty="0"/>
           </a:p>
@@ -19131,60 +18845,6 @@
       <p:pic>
         <p:nvPicPr>
           <p:cNvPr id="9218" name="Picture 2"/>
-          <p:cNvPicPr>
-            <a:picLocks noChangeAspect="1" noChangeArrowheads="1"/>
-          </p:cNvPicPr>
-          <p:nvPr/>
-        </p:nvPicPr>
-        <p:blipFill>
-          <a:blip r:embed="rId1">
-            <a:extLst>
-              <a:ext uri="{28A0092B-C50C-407E-A947-70E740481C1C}">
-                <a14:useLocalDpi xmlns:a14="http://schemas.microsoft.com/office/drawing/2010/main" val="0"/>
-              </a:ext>
-            </a:extLst>
-          </a:blip>
-          <a:srcRect/>
-          <a:stretch>
-            <a:fillRect/>
-          </a:stretch>
-        </p:blipFill>
-        <p:spPr bwMode="auto">
-          <a:xfrm>
-            <a:off x="1907704" y="692696"/>
-            <a:ext cx="4829175" cy="1828800"/>
-          </a:xfrm>
-          <a:prstGeom prst="rect">
-            <a:avLst/>
-          </a:prstGeom>
-          <a:noFill/>
-          <a:ln>
-            <a:noFill/>
-          </a:ln>
-          <a:extLst>
-            <a:ext uri="{909E8E84-426E-40DD-AFC4-6F175D3DCCD1}">
-              <a14:hiddenFill xmlns:a14="http://schemas.microsoft.com/office/drawing/2010/main">
-                <a:solidFill>
-                  <a:schemeClr val="accent1"/>
-                </a:solidFill>
-              </a14:hiddenFill>
-            </a:ext>
-            <a:ext uri="{91240B29-F687-4F45-9708-019B960494DF}">
-              <a14:hiddenLine xmlns:a14="http://schemas.microsoft.com/office/drawing/2010/main" w="9525">
-                <a:solidFill>
-                  <a:schemeClr val="tx1"/>
-                </a:solidFill>
-                <a:miter lim="800000"/>
-                <a:headEnd/>
-                <a:tailEnd/>
-              </a14:hiddenLine>
-            </a:ext>
-          </a:extLst>
-        </p:spPr>
-      </p:pic>
-      <p:pic>
-        <p:nvPicPr>
-          <p:cNvPr id="9219" name="Picture 3"/>
           <p:cNvPicPr>
             <a:picLocks noChangeAspect="1" noChangeArrowheads="1"/>
           </p:cNvPicPr>
@@ -19205,8 +18865,8 @@
         </p:blipFill>
         <p:spPr bwMode="auto">
           <a:xfrm>
-            <a:off x="1727423" y="2780928"/>
-            <a:ext cx="5686425" cy="695325"/>
+            <a:off x="1907704" y="692696"/>
+            <a:ext cx="4829175" cy="1828800"/>
           </a:xfrm>
           <a:prstGeom prst="rect">
             <a:avLst/>
@@ -19236,6 +18896,60 @@
           </a:extLst>
         </p:spPr>
       </p:pic>
+      <p:pic>
+        <p:nvPicPr>
+          <p:cNvPr id="9219" name="Picture 3"/>
+          <p:cNvPicPr>
+            <a:picLocks noChangeAspect="1" noChangeArrowheads="1"/>
+          </p:cNvPicPr>
+          <p:nvPr/>
+        </p:nvPicPr>
+        <p:blipFill>
+          <a:blip r:embed="rId3">
+            <a:extLst>
+              <a:ext uri="{28A0092B-C50C-407E-A947-70E740481C1C}">
+                <a14:useLocalDpi xmlns:a14="http://schemas.microsoft.com/office/drawing/2010/main" val="0"/>
+              </a:ext>
+            </a:extLst>
+          </a:blip>
+          <a:srcRect/>
+          <a:stretch>
+            <a:fillRect/>
+          </a:stretch>
+        </p:blipFill>
+        <p:spPr bwMode="auto">
+          <a:xfrm>
+            <a:off x="1727423" y="2780928"/>
+            <a:ext cx="5686425" cy="695325"/>
+          </a:xfrm>
+          <a:prstGeom prst="rect">
+            <a:avLst/>
+          </a:prstGeom>
+          <a:noFill/>
+          <a:ln>
+            <a:noFill/>
+          </a:ln>
+          <a:extLst>
+            <a:ext uri="{909E8E84-426E-40DD-AFC4-6F175D3DCCD1}">
+              <a14:hiddenFill xmlns:a14="http://schemas.microsoft.com/office/drawing/2010/main">
+                <a:solidFill>
+                  <a:schemeClr val="accent1"/>
+                </a:solidFill>
+              </a14:hiddenFill>
+            </a:ext>
+            <a:ext uri="{91240B29-F687-4F45-9708-019B960494DF}">
+              <a14:hiddenLine xmlns:a14="http://schemas.microsoft.com/office/drawing/2010/main" w="9525">
+                <a:solidFill>
+                  <a:schemeClr val="tx1"/>
+                </a:solidFill>
+                <a:miter lim="800000"/>
+                <a:headEnd/>
+                <a:tailEnd/>
+              </a14:hiddenLine>
+            </a:ext>
+          </a:extLst>
+        </p:spPr>
+      </p:pic>
       <p:sp>
         <p:nvSpPr>
           <p:cNvPr id="5" name="TextBox 4"/>
@@ -19289,6 +19003,16 @@
                 </a:solidFill>
               </a:rPr>
               <a:t>)</a:t>
+            </a:r>
+          </a:p>
+          <a:p>
+            <a:r>
+              <a:rPr lang="zh-CN" altLang="en-US" sz="1600" b="1" dirty="0">
+                <a:solidFill>
+                  <a:srgbClr val="FF0000"/>
+                </a:solidFill>
+              </a:rPr>
+              <a:t>增加了出错率，拼写错误无法检测</a:t>
             </a:r>
             <a:endParaRPr lang="en-US" altLang="zh-CN" sz="1600" b="1" dirty="0">
               <a:solidFill>
@@ -19303,7 +19027,7 @@
                   <a:srgbClr val="FF0000"/>
                 </a:solidFill>
               </a:rPr>
-              <a:t>增加了出错率，拼写错误无法检测</a:t>
+              <a:t>降低了后期可维护性</a:t>
             </a:r>
             <a:endParaRPr lang="en-US" altLang="zh-CN" sz="1600" b="1" dirty="0">
               <a:solidFill>
@@ -19318,28 +19042,8 @@
                   <a:srgbClr val="FF0000"/>
                 </a:solidFill>
               </a:rPr>
-              <a:t>降低了后期可维护性</a:t>
-            </a:r>
-            <a:endParaRPr lang="en-US" altLang="zh-CN" sz="1600" b="1" dirty="0">
-              <a:solidFill>
-                <a:srgbClr val="FF0000"/>
-              </a:solidFill>
-            </a:endParaRPr>
-          </a:p>
-          <a:p>
-            <a:r>
-              <a:rPr lang="zh-CN" altLang="en-US" sz="1600" b="1" dirty="0">
-                <a:solidFill>
-                  <a:srgbClr val="FF0000"/>
-                </a:solidFill>
-              </a:rPr>
               <a:t>如需修改为中文词，需修改所有构造函数参数</a:t>
             </a:r>
-            <a:endParaRPr lang="zh-CN" altLang="en-US" sz="1600" b="1" dirty="0">
-              <a:solidFill>
-                <a:srgbClr val="FF0000"/>
-              </a:solidFill>
-            </a:endParaRPr>
           </a:p>
         </p:txBody>
       </p:sp>
@@ -19559,6 +19263,7 @@
           <a:p>
             <a:fld id="{0C913308-F349-4B6D-A68A-DD1791B4A57B}" type="slidenum">
               <a:rPr lang="zh-CN" altLang="en-US" smtClean="0"/>
+              <a:t>40</a:t>
             </a:fld>
             <a:endParaRPr lang="zh-CN" altLang="en-US" dirty="0"/>
           </a:p>
@@ -19573,7 +19278,7 @@
           <p:nvPr/>
         </p:nvPicPr>
         <p:blipFill>
-          <a:blip r:embed="rId1">
+          <a:blip r:embed="rId2">
             <a:extLst>
               <a:ext uri="{28A0092B-C50C-407E-A947-70E740481C1C}">
                 <a14:useLocalDpi xmlns:a14="http://schemas.microsoft.com/office/drawing/2010/main" val="0"/>
@@ -19663,11 +19368,6 @@
               </a:rPr>
               <a:t>性别常量</a:t>
             </a:r>
-            <a:endParaRPr lang="zh-CN" altLang="en-US" sz="1600" b="1" dirty="0">
-              <a:solidFill>
-                <a:srgbClr val="FF0000"/>
-              </a:solidFill>
-            </a:endParaRPr>
           </a:p>
         </p:txBody>
       </p:sp>
@@ -19680,7 +19380,7 @@
           <p:nvPr/>
         </p:nvPicPr>
         <p:blipFill>
-          <a:blip r:embed="rId2">
+          <a:blip r:embed="rId3">
             <a:extLst>
               <a:ext uri="{28A0092B-C50C-407E-A947-70E740481C1C}">
                 <a14:useLocalDpi xmlns:a14="http://schemas.microsoft.com/office/drawing/2010/main" val="0"/>
@@ -20058,7 +19758,6 @@
               <a:rPr lang="en-US" altLang="zh-CN" dirty="0"/>
               <a:t>. Such a class is called a nested.</a:t>
             </a:r>
-            <a:endParaRPr lang="en-US" altLang="zh-CN" dirty="0"/>
           </a:p>
           <a:p>
             <a:r>
@@ -20089,7 +19788,6 @@
               <a:rPr lang="en-US" altLang="zh-CN" dirty="0"/>
               <a:t>.</a:t>
             </a:r>
-            <a:endParaRPr lang="en-US" altLang="zh-CN" dirty="0"/>
           </a:p>
         </p:txBody>
       </p:sp>
@@ -20110,6 +19808,7 @@
           <a:p>
             <a:fld id="{0C913308-F349-4B6D-A68A-DD1791B4A57B}" type="slidenum">
               <a:rPr lang="zh-CN" altLang="en-US" smtClean="0"/>
+              <a:t>41</a:t>
             </a:fld>
             <a:endParaRPr lang="zh-CN" altLang="en-US" dirty="0"/>
           </a:p>
@@ -20209,14 +19908,12 @@
               <a:rPr lang="zh-CN" altLang="en-US" dirty="0"/>
               <a:t>辅助类” 使代码更具可读性与可维护性，也可以减少源文件的个数</a:t>
             </a:r>
-            <a:endParaRPr lang="zh-CN" altLang="en-US" dirty="0"/>
           </a:p>
           <a:p>
             <a:r>
               <a:rPr lang="zh-CN" altLang="en-US" dirty="0"/>
               <a:t>增强了应用的封装特性</a:t>
             </a:r>
-            <a:endParaRPr lang="zh-CN" altLang="en-US" dirty="0"/>
           </a:p>
           <a:p>
             <a:endParaRPr lang="zh-CN" altLang="en-US" dirty="0"/>
@@ -20240,6 +19937,7 @@
           <a:p>
             <a:fld id="{0C913308-F349-4B6D-A68A-DD1791B4A57B}" type="slidenum">
               <a:rPr lang="zh-CN" altLang="en-US" smtClean="0"/>
+              <a:t>42</a:t>
             </a:fld>
             <a:endParaRPr lang="zh-CN" altLang="en-US" dirty="0"/>
           </a:p>
@@ -20254,7 +19952,7 @@
           <p:nvPr/>
         </p:nvPicPr>
         <p:blipFill>
-          <a:blip r:embed="rId1">
+          <a:blip r:embed="rId2">
             <a:extLst>
               <a:ext uri="{28A0092B-C50C-407E-A947-70E740481C1C}">
                 <a14:useLocalDpi xmlns:a14="http://schemas.microsoft.com/office/drawing/2010/main" val="0"/>
@@ -20333,7 +20031,7 @@
           <p:nvPr/>
         </p:nvPicPr>
         <p:blipFill>
-          <a:blip r:embed="rId1">
+          <a:blip r:embed="rId2">
             <a:extLst>
               <a:ext uri="{28A0092B-C50C-407E-A947-70E740481C1C}">
                 <a14:useLocalDpi xmlns:a14="http://schemas.microsoft.com/office/drawing/2010/main" val="0"/>
@@ -20395,6 +20093,7 @@
           <a:p>
             <a:fld id="{0C913308-F349-4B6D-A68A-DD1791B4A57B}" type="slidenum">
               <a:rPr lang="zh-CN" altLang="en-US" smtClean="0"/>
+              <a:t>43</a:t>
             </a:fld>
             <a:endParaRPr lang="zh-CN" altLang="en-US" dirty="0"/>
           </a:p>
@@ -20499,6 +20198,118 @@
               </a:rPr>
               <a:t>的相关属性</a:t>
             </a:r>
+          </a:p>
+        </p:txBody>
+      </p:sp>
+      <p:sp>
+        <p:nvSpPr>
+          <p:cNvPr id="5" name="TextBox 4"/>
+          <p:cNvSpPr txBox="1"/>
+          <p:nvPr/>
+        </p:nvSpPr>
+        <p:spPr>
+          <a:xfrm>
+            <a:off x="3871533" y="349205"/>
+            <a:ext cx="1261884" cy="830997"/>
+          </a:xfrm>
+          <a:prstGeom prst="rect">
+            <a:avLst/>
+          </a:prstGeom>
+          <a:noFill/>
+        </p:spPr>
+        <p:txBody>
+          <a:bodyPr wrap="none" rtlCol="0">
+            <a:spAutoFit/>
+          </a:bodyPr>
+          <a:lstStyle/>
+          <a:p>
+            <a:r>
+              <a:rPr lang="zh-CN" altLang="en-US" sz="1600" b="1" dirty="0">
+                <a:solidFill>
+                  <a:srgbClr val="FF0000"/>
+                </a:solidFill>
+              </a:rPr>
+              <a:t>基于组合</a:t>
+            </a:r>
+            <a:endParaRPr lang="en-US" altLang="zh-CN" sz="1600" b="1" dirty="0">
+              <a:solidFill>
+                <a:srgbClr val="FF0000"/>
+              </a:solidFill>
+            </a:endParaRPr>
+          </a:p>
+          <a:p>
+            <a:r>
+              <a:rPr lang="zh-CN" altLang="en-US" sz="1600" b="1" dirty="0">
+                <a:solidFill>
+                  <a:srgbClr val="FF0000"/>
+                </a:solidFill>
+              </a:rPr>
+              <a:t>将</a:t>
+            </a:r>
+            <a:r>
+              <a:rPr lang="en-US" altLang="zh-CN" sz="1600" b="1" dirty="0">
+                <a:solidFill>
+                  <a:srgbClr val="FF0000"/>
+                </a:solidFill>
+              </a:rPr>
+              <a:t>IQ</a:t>
+            </a:r>
+            <a:r>
+              <a:rPr lang="zh-CN" altLang="en-US" sz="1600" b="1" dirty="0">
+                <a:solidFill>
+                  <a:srgbClr val="FF0000"/>
+                </a:solidFill>
+              </a:rPr>
+              <a:t>封装</a:t>
+            </a:r>
+            <a:endParaRPr lang="en-US" altLang="zh-CN" sz="1600" b="1" dirty="0">
+              <a:solidFill>
+                <a:srgbClr val="FF0000"/>
+              </a:solidFill>
+            </a:endParaRPr>
+          </a:p>
+          <a:p>
+            <a:r>
+              <a:rPr lang="zh-CN" altLang="en-US" sz="1600" b="1" dirty="0">
+                <a:solidFill>
+                  <a:srgbClr val="FF0000"/>
+                </a:solidFill>
+              </a:rPr>
+              <a:t>为人的属性</a:t>
+            </a:r>
+          </a:p>
+        </p:txBody>
+      </p:sp>
+      <p:sp>
+        <p:nvSpPr>
+          <p:cNvPr id="7" name="TextBox 6"/>
+          <p:cNvSpPr txBox="1"/>
+          <p:nvPr/>
+        </p:nvSpPr>
+        <p:spPr>
+          <a:xfrm>
+            <a:off x="539552" y="3561052"/>
+            <a:ext cx="2574744" cy="338554"/>
+          </a:xfrm>
+          <a:prstGeom prst="rect">
+            <a:avLst/>
+          </a:prstGeom>
+          <a:noFill/>
+        </p:spPr>
+        <p:txBody>
+          <a:bodyPr wrap="none" rtlCol="0">
+            <a:spAutoFit/>
+          </a:bodyPr>
+          <a:lstStyle/>
+          <a:p>
+            <a:r>
+              <a:rPr lang="en-US" altLang="zh-CN" sz="1600" b="1" dirty="0">
+                <a:solidFill>
+                  <a:srgbClr val="FF0000"/>
+                </a:solidFill>
+              </a:rPr>
+              <a:t>+++++++++++++++++++++</a:t>
+            </a:r>
             <a:endParaRPr lang="zh-CN" altLang="en-US" sz="1600" b="1" dirty="0">
               <a:solidFill>
                 <a:srgbClr val="FF0000"/>
@@ -20509,14 +20320,14 @@
       </p:sp>
       <p:sp>
         <p:nvSpPr>
-          <p:cNvPr id="5" name="TextBox 4"/>
+          <p:cNvPr id="11" name="TextBox 10"/>
           <p:cNvSpPr txBox="1"/>
           <p:nvPr/>
         </p:nvSpPr>
         <p:spPr>
           <a:xfrm>
-            <a:off x="3871533" y="349205"/>
-            <a:ext cx="1261884" cy="830997"/>
+            <a:off x="5340205" y="3432760"/>
+            <a:ext cx="2872902" cy="1323439"/>
           </a:xfrm>
           <a:prstGeom prst="rect">
             <a:avLst/>
@@ -20535,7 +20346,23 @@
                   <a:srgbClr val="FF0000"/>
                 </a:solidFill>
               </a:rPr>
-              <a:t>基于组合</a:t>
+              <a:t>基于外部类名称</a:t>
+            </a:r>
+            <a:r>
+              <a:rPr lang="en-US" altLang="zh-CN" sz="1600" b="1" dirty="0">
+                <a:solidFill>
+                  <a:srgbClr val="FF0000"/>
+                </a:solidFill>
+              </a:rPr>
+              <a:t>.</a:t>
+            </a:r>
+            <a:r>
+              <a:rPr lang="zh-CN" altLang="en-US" sz="1600" b="1" dirty="0">
+                <a:solidFill>
+                  <a:srgbClr val="FF0000"/>
+                </a:solidFill>
+              </a:rPr>
+              <a:t>静态内部类</a:t>
             </a:r>
             <a:endParaRPr lang="en-US" altLang="zh-CN" sz="1600" b="1" dirty="0">
               <a:solidFill>
@@ -20550,23 +20377,7 @@
                   <a:srgbClr val="FF0000"/>
                 </a:solidFill>
               </a:rPr>
-              <a:t>将</a:t>
-            </a:r>
-            <a:r>
-              <a:rPr lang="en-US" altLang="zh-CN" sz="1600" b="1" dirty="0">
-                <a:solidFill>
-                  <a:srgbClr val="FF0000"/>
-                </a:solidFill>
-              </a:rPr>
-              <a:t>IQ</a:t>
-            </a:r>
-            <a:r>
-              <a:rPr lang="zh-CN" altLang="en-US" sz="1600" b="1" dirty="0">
-                <a:solidFill>
-                  <a:srgbClr val="FF0000"/>
-                </a:solidFill>
-              </a:rPr>
-              <a:t>封装</a:t>
+              <a:t>引入静态内部类型</a:t>
             </a:r>
             <a:endParaRPr lang="en-US" altLang="zh-CN" sz="1600" b="1" dirty="0">
               <a:solidFill>
@@ -20581,99 +20392,7 @@
                   <a:srgbClr val="FF0000"/>
                 </a:solidFill>
               </a:rPr>
-              <a:t>为人的属性</a:t>
-            </a:r>
-            <a:endParaRPr lang="zh-CN" altLang="en-US" sz="1600" b="1" dirty="0">
-              <a:solidFill>
-                <a:srgbClr val="FF0000"/>
-              </a:solidFill>
-            </a:endParaRPr>
-          </a:p>
-        </p:txBody>
-      </p:sp>
-      <p:sp>
-        <p:nvSpPr>
-          <p:cNvPr id="7" name="TextBox 6"/>
-          <p:cNvSpPr txBox="1"/>
-          <p:nvPr/>
-        </p:nvSpPr>
-        <p:spPr>
-          <a:xfrm>
-            <a:off x="539552" y="3561052"/>
-            <a:ext cx="2574744" cy="338554"/>
-          </a:xfrm>
-          <a:prstGeom prst="rect">
-            <a:avLst/>
-          </a:prstGeom>
-          <a:noFill/>
-        </p:spPr>
-        <p:txBody>
-          <a:bodyPr wrap="none" rtlCol="0">
-            <a:spAutoFit/>
-          </a:bodyPr>
-          <a:lstStyle/>
-          <a:p>
-            <a:r>
-              <a:rPr lang="en-US" altLang="zh-CN" sz="1600" b="1" dirty="0">
-                <a:solidFill>
-                  <a:srgbClr val="FF0000"/>
-                </a:solidFill>
-              </a:rPr>
-              <a:t>+++++++++++++++++++++</a:t>
-            </a:r>
-            <a:endParaRPr lang="zh-CN" altLang="en-US" sz="1600" b="1" dirty="0">
-              <a:solidFill>
-                <a:srgbClr val="FF0000"/>
-              </a:solidFill>
-            </a:endParaRPr>
-          </a:p>
-        </p:txBody>
-      </p:sp>
-      <p:sp>
-        <p:nvSpPr>
-          <p:cNvPr id="11" name="TextBox 10"/>
-          <p:cNvSpPr txBox="1"/>
-          <p:nvPr/>
-        </p:nvSpPr>
-        <p:spPr>
-          <a:xfrm>
-            <a:off x="5340205" y="3432760"/>
-            <a:ext cx="2872902" cy="1323439"/>
-          </a:xfrm>
-          <a:prstGeom prst="rect">
-            <a:avLst/>
-          </a:prstGeom>
-          <a:noFill/>
-        </p:spPr>
-        <p:txBody>
-          <a:bodyPr wrap="none" rtlCol="0">
-            <a:spAutoFit/>
-          </a:bodyPr>
-          <a:lstStyle/>
-          <a:p>
-            <a:r>
-              <a:rPr lang="zh-CN" altLang="en-US" sz="1600" b="1" dirty="0">
-                <a:solidFill>
-                  <a:srgbClr val="FF0000"/>
-                </a:solidFill>
-              </a:rPr>
-              <a:t>基于外部类名称</a:t>
-            </a:r>
-            <a:r>
-              <a:rPr lang="en-US" altLang="zh-CN" sz="1600" b="1" dirty="0">
-                <a:solidFill>
-                  <a:srgbClr val="FF0000"/>
-                </a:solidFill>
-              </a:rPr>
-              <a:t>.</a:t>
-            </a:r>
-            <a:r>
-              <a:rPr lang="zh-CN" altLang="en-US" sz="1600" b="1" dirty="0">
-                <a:solidFill>
-                  <a:srgbClr val="FF0000"/>
-                </a:solidFill>
-              </a:rPr>
-              <a:t>静态内部类</a:t>
+              <a:t>与普通类相同的构建操作过程</a:t>
             </a:r>
             <a:endParaRPr lang="en-US" altLang="zh-CN" sz="1600" b="1" dirty="0">
               <a:solidFill>
@@ -20688,7 +20407,23 @@
                   <a:srgbClr val="FF0000"/>
                 </a:solidFill>
               </a:rPr>
-              <a:t>引入静态内部类型</a:t>
+              <a:t>从而创建</a:t>
+            </a:r>
+            <a:r>
+              <a:rPr lang="en-US" altLang="zh-CN" sz="1600" b="1" dirty="0">
+                <a:solidFill>
+                  <a:srgbClr val="FF0000"/>
+                </a:solidFill>
+              </a:rPr>
+              <a:t>IQ</a:t>
+            </a:r>
+            <a:r>
+              <a:rPr lang="zh-CN" altLang="en-US" sz="1600" b="1" dirty="0">
+                <a:solidFill>
+                  <a:srgbClr val="FF0000"/>
+                </a:solidFill>
+              </a:rPr>
+              <a:t>对象</a:t>
             </a:r>
             <a:endParaRPr lang="en-US" altLang="zh-CN" sz="1600" b="1" dirty="0">
               <a:solidFill>
@@ -20703,7 +20438,56 @@
                   <a:srgbClr val="FF0000"/>
                 </a:solidFill>
               </a:rPr>
-              <a:t>与普通类相同的构建操作过程</a:t>
+              <a:t>静态内部类的对象</a:t>
+            </a:r>
+          </a:p>
+        </p:txBody>
+      </p:sp>
+      <p:sp>
+        <p:nvSpPr>
+          <p:cNvPr id="13" name="TextBox 12"/>
+          <p:cNvSpPr txBox="1"/>
+          <p:nvPr/>
+        </p:nvSpPr>
+        <p:spPr>
+          <a:xfrm>
+            <a:off x="5508104" y="5225449"/>
+            <a:ext cx="2486578" cy="584775"/>
+          </a:xfrm>
+          <a:prstGeom prst="rect">
+            <a:avLst/>
+          </a:prstGeom>
+          <a:noFill/>
+        </p:spPr>
+        <p:txBody>
+          <a:bodyPr wrap="none" rtlCol="0">
+            <a:spAutoFit/>
+          </a:bodyPr>
+          <a:lstStyle/>
+          <a:p>
+            <a:r>
+              <a:rPr lang="zh-CN" altLang="en-US" sz="1600" b="1" dirty="0">
+                <a:solidFill>
+                  <a:srgbClr val="FF0000"/>
+                </a:solidFill>
+              </a:rPr>
+              <a:t>创建</a:t>
+            </a:r>
+            <a:r>
+              <a:rPr lang="en-US" altLang="zh-CN" sz="1600" b="1" dirty="0">
+                <a:solidFill>
+                  <a:srgbClr val="FF0000"/>
+                </a:solidFill>
+              </a:rPr>
+              <a:t>person</a:t>
+            </a:r>
+            <a:r>
+              <a:rPr lang="zh-CN" altLang="en-US" sz="1600" b="1" dirty="0">
+                <a:solidFill>
+                  <a:srgbClr val="FF0000"/>
+                </a:solidFill>
+              </a:rPr>
+              <a:t>对象</a:t>
             </a:r>
             <a:endParaRPr lang="en-US" altLang="zh-CN" sz="1600" b="1" dirty="0">
               <a:solidFill>
@@ -20718,7 +20502,7 @@
                   <a:srgbClr val="FF0000"/>
                 </a:solidFill>
               </a:rPr>
-              <a:t>从而创建</a:t>
+              <a:t>封装</a:t>
             </a:r>
             <a:r>
               <a:rPr lang="en-US" altLang="zh-CN" sz="1600" b="1" dirty="0">
@@ -20734,129 +20518,24 @@
                   <a:srgbClr val="FF0000"/>
                 </a:solidFill>
               </a:rPr>
-              <a:t>对象</a:t>
-            </a:r>
-            <a:endParaRPr lang="en-US" altLang="zh-CN" sz="1600" b="1" dirty="0">
-              <a:solidFill>
-                <a:srgbClr val="FF0000"/>
-              </a:solidFill>
-            </a:endParaRPr>
-          </a:p>
-          <a:p>
+              <a:t>对象为其</a:t>
+            </a:r>
+            <a:r>
+              <a:rPr lang="en-US" altLang="zh-CN" sz="1600" b="1" dirty="0" err="1">
+                <a:solidFill>
+                  <a:srgbClr val="FF0000"/>
+                </a:solidFill>
+              </a:rPr>
+              <a:t>iq</a:t>
+            </a:r>
             <a:r>
               <a:rPr lang="zh-CN" altLang="en-US" sz="1600" b="1" dirty="0">
                 <a:solidFill>
                   <a:srgbClr val="FF0000"/>
                 </a:solidFill>
               </a:rPr>
-              <a:t>静态内部类的对象</a:t>
-            </a:r>
-            <a:endParaRPr lang="zh-CN" altLang="en-US" sz="1600" b="1" dirty="0">
-              <a:solidFill>
-                <a:srgbClr val="FF0000"/>
-              </a:solidFill>
-            </a:endParaRPr>
-          </a:p>
-        </p:txBody>
-      </p:sp>
-      <p:sp>
-        <p:nvSpPr>
-          <p:cNvPr id="13" name="TextBox 12"/>
-          <p:cNvSpPr txBox="1"/>
-          <p:nvPr/>
-        </p:nvSpPr>
-        <p:spPr>
-          <a:xfrm>
-            <a:off x="5508104" y="5225449"/>
-            <a:ext cx="2486578" cy="584775"/>
-          </a:xfrm>
-          <a:prstGeom prst="rect">
-            <a:avLst/>
-          </a:prstGeom>
-          <a:noFill/>
-        </p:spPr>
-        <p:txBody>
-          <a:bodyPr wrap="none" rtlCol="0">
-            <a:spAutoFit/>
-          </a:bodyPr>
-          <a:lstStyle/>
-          <a:p>
-            <a:r>
-              <a:rPr lang="zh-CN" altLang="en-US" sz="1600" b="1" dirty="0">
-                <a:solidFill>
-                  <a:srgbClr val="FF0000"/>
-                </a:solidFill>
-              </a:rPr>
-              <a:t>创建</a:t>
-            </a:r>
-            <a:r>
-              <a:rPr lang="en-US" altLang="zh-CN" sz="1600" b="1" dirty="0">
-                <a:solidFill>
-                  <a:srgbClr val="FF0000"/>
-                </a:solidFill>
-              </a:rPr>
-              <a:t>person</a:t>
-            </a:r>
-            <a:r>
-              <a:rPr lang="zh-CN" altLang="en-US" sz="1600" b="1" dirty="0">
-                <a:solidFill>
-                  <a:srgbClr val="FF0000"/>
-                </a:solidFill>
-              </a:rPr>
-              <a:t>对象</a:t>
-            </a:r>
-            <a:endParaRPr lang="en-US" altLang="zh-CN" sz="1600" b="1" dirty="0">
-              <a:solidFill>
-                <a:srgbClr val="FF0000"/>
-              </a:solidFill>
-            </a:endParaRPr>
-          </a:p>
-          <a:p>
-            <a:r>
-              <a:rPr lang="zh-CN" altLang="en-US" sz="1600" b="1" dirty="0">
-                <a:solidFill>
-                  <a:srgbClr val="FF0000"/>
-                </a:solidFill>
-              </a:rPr>
-              <a:t>封装</a:t>
-            </a:r>
-            <a:r>
-              <a:rPr lang="en-US" altLang="zh-CN" sz="1600" b="1" dirty="0">
-                <a:solidFill>
-                  <a:srgbClr val="FF0000"/>
-                </a:solidFill>
-              </a:rPr>
-              <a:t>IQ</a:t>
-            </a:r>
-            <a:r>
-              <a:rPr lang="zh-CN" altLang="en-US" sz="1600" b="1" dirty="0">
-                <a:solidFill>
-                  <a:srgbClr val="FF0000"/>
-                </a:solidFill>
-              </a:rPr>
-              <a:t>对象为其</a:t>
-            </a:r>
-            <a:r>
-              <a:rPr lang="en-US" altLang="zh-CN" sz="1600" b="1" dirty="0" err="1">
-                <a:solidFill>
-                  <a:srgbClr val="FF0000"/>
-                </a:solidFill>
-              </a:rPr>
-              <a:t>iq</a:t>
-            </a:r>
-            <a:r>
-              <a:rPr lang="zh-CN" altLang="en-US" sz="1600" b="1" dirty="0">
-                <a:solidFill>
-                  <a:srgbClr val="FF0000"/>
-                </a:solidFill>
-              </a:rPr>
               <a:t>属性值</a:t>
             </a:r>
-            <a:endParaRPr lang="zh-CN" altLang="en-US" sz="1600" b="1" dirty="0">
-              <a:solidFill>
-                <a:srgbClr val="FF0000"/>
-              </a:solidFill>
-            </a:endParaRPr>
           </a:p>
         </p:txBody>
       </p:sp>
@@ -20869,7 +20548,7 @@
           <p:nvPr/>
         </p:nvPicPr>
         <p:blipFill>
-          <a:blip r:embed="rId2">
+          <a:blip r:embed="rId3">
             <a:extLst>
               <a:ext uri="{28A0092B-C50C-407E-A947-70E740481C1C}">
                 <a14:useLocalDpi xmlns:a14="http://schemas.microsoft.com/office/drawing/2010/main" val="0"/>
@@ -21306,7 +20985,6 @@
               <a:rPr lang="zh-CN" altLang="en-US" dirty="0"/>
               <a:t>即，静态内部类与外部类，仅是代码上的嵌套</a:t>
             </a:r>
-            <a:endParaRPr lang="zh-CN" altLang="en-US" dirty="0"/>
           </a:p>
         </p:txBody>
       </p:sp>
@@ -21327,6 +21005,7 @@
           <a:p>
             <a:fld id="{0C913308-F349-4B6D-A68A-DD1791B4A57B}" type="slidenum">
               <a:rPr lang="zh-CN" altLang="en-US" smtClean="0"/>
+              <a:t>44</a:t>
             </a:fld>
             <a:endParaRPr lang="zh-CN" altLang="en-US" dirty="0"/>
           </a:p>
@@ -21341,7 +21020,7 @@
           <p:nvPr/>
         </p:nvPicPr>
         <p:blipFill>
-          <a:blip r:embed="rId1">
+          <a:blip r:embed="rId2">
             <a:extLst>
               <a:ext uri="{28A0092B-C50C-407E-A947-70E740481C1C}">
                 <a14:useLocalDpi xmlns:a14="http://schemas.microsoft.com/office/drawing/2010/main" val="0"/>
@@ -21500,11 +21179,6 @@
               </a:rPr>
               <a:t>仅在代码层面嵌套</a:t>
             </a:r>
-            <a:endParaRPr lang="zh-CN" altLang="en-US" sz="1600" b="1" dirty="0">
-              <a:solidFill>
-                <a:srgbClr val="FF0000"/>
-              </a:solidFill>
-            </a:endParaRPr>
           </a:p>
         </p:txBody>
       </p:sp>
@@ -21587,7 +21261,6 @@
               <a:rPr lang="zh-CN" altLang="en-US" dirty="0"/>
               <a:t>不应暴露，仅在内部使用。内部类对象持有外部类对象引用，内部类对象在使用时，外部类资源无法释放，容易导致内存溢出</a:t>
             </a:r>
-            <a:endParaRPr lang="zh-CN" altLang="en-US" dirty="0"/>
           </a:p>
         </p:txBody>
       </p:sp>
@@ -21608,6 +21281,7 @@
           <a:p>
             <a:fld id="{0C913308-F349-4B6D-A68A-DD1791B4A57B}" type="slidenum">
               <a:rPr lang="zh-CN" altLang="en-US" smtClean="0"/>
+              <a:t>45</a:t>
             </a:fld>
             <a:endParaRPr lang="zh-CN" altLang="en-US" dirty="0"/>
           </a:p>
@@ -21622,7 +21296,7 @@
           <p:nvPr/>
         </p:nvPicPr>
         <p:blipFill>
-          <a:blip r:embed="rId1">
+          <a:blip r:embed="rId2">
             <a:extLst>
               <a:ext uri="{28A0092B-C50C-407E-A947-70E740481C1C}">
                 <a14:useLocalDpi xmlns:a14="http://schemas.microsoft.com/office/drawing/2010/main" val="0"/>
@@ -21743,11 +21417,6 @@
               </a:rPr>
               <a:t>即，内部类实际仍被单独编译</a:t>
             </a:r>
-            <a:endParaRPr lang="zh-CN" altLang="en-US" sz="1600" b="1" dirty="0">
-              <a:solidFill>
-                <a:srgbClr val="FF0000"/>
-              </a:solidFill>
-            </a:endParaRPr>
           </a:p>
         </p:txBody>
       </p:sp>
@@ -21828,11 +21497,6 @@
               </a:rPr>
               <a:t>符号名称</a:t>
             </a:r>
-            <a:endParaRPr lang="zh-CN" altLang="en-US" sz="1600" b="1" dirty="0">
-              <a:solidFill>
-                <a:srgbClr val="FF0000"/>
-              </a:solidFill>
-            </a:endParaRPr>
           </a:p>
         </p:txBody>
       </p:sp>
@@ -21931,7 +21595,6 @@
               <a:rPr lang="en-US" altLang="zh-CN" dirty="0"/>
               <a:t>type is a special data type that enables for a variable to be a set of predefined constants. The variable must be equal to one of the values that have been predefined for it. </a:t>
             </a:r>
-            <a:endParaRPr lang="en-US" altLang="zh-CN" dirty="0"/>
           </a:p>
           <a:p>
             <a:r>
@@ -22007,6 +21670,7 @@
           <a:p>
             <a:fld id="{0C913308-F349-4B6D-A68A-DD1791B4A57B}" type="slidenum">
               <a:rPr lang="zh-CN" altLang="en-US" smtClean="0"/>
+              <a:t>46</a:t>
             </a:fld>
             <a:endParaRPr lang="zh-CN" altLang="en-US" dirty="0"/>
           </a:p>
@@ -22061,7 +21725,6 @@
               <a:rPr lang="zh-CN" altLang="en-US" dirty="0"/>
               <a:t>需求：传入不同的季节，返回不同的结果</a:t>
             </a:r>
-            <a:endParaRPr lang="zh-CN" altLang="en-US" dirty="0"/>
           </a:p>
         </p:txBody>
       </p:sp>
@@ -22082,6 +21745,7 @@
           <a:p>
             <a:fld id="{0C913308-F349-4B6D-A68A-DD1791B4A57B}" type="slidenum">
               <a:rPr lang="zh-CN" altLang="en-US" smtClean="0"/>
+              <a:t>47</a:t>
             </a:fld>
             <a:endParaRPr lang="zh-CN" altLang="en-US" dirty="0"/>
           </a:p>
@@ -22090,60 +21754,6 @@
       <p:pic>
         <p:nvPicPr>
           <p:cNvPr id="15363" name="Picture 3"/>
-          <p:cNvPicPr>
-            <a:picLocks noChangeAspect="1" noChangeArrowheads="1"/>
-          </p:cNvPicPr>
-          <p:nvPr/>
-        </p:nvPicPr>
-        <p:blipFill>
-          <a:blip r:embed="rId1">
-            <a:extLst>
-              <a:ext uri="{28A0092B-C50C-407E-A947-70E740481C1C}">
-                <a14:useLocalDpi xmlns:a14="http://schemas.microsoft.com/office/drawing/2010/main" val="0"/>
-              </a:ext>
-            </a:extLst>
-          </a:blip>
-          <a:srcRect/>
-          <a:stretch>
-            <a:fillRect/>
-          </a:stretch>
-        </p:blipFill>
-        <p:spPr bwMode="auto">
-          <a:xfrm>
-            <a:off x="149997" y="713695"/>
-            <a:ext cx="5105400" cy="5219700"/>
-          </a:xfrm>
-          <a:prstGeom prst="rect">
-            <a:avLst/>
-          </a:prstGeom>
-          <a:noFill/>
-          <a:ln>
-            <a:noFill/>
-          </a:ln>
-          <a:extLst>
-            <a:ext uri="{909E8E84-426E-40DD-AFC4-6F175D3DCCD1}">
-              <a14:hiddenFill xmlns:a14="http://schemas.microsoft.com/office/drawing/2010/main">
-                <a:solidFill>
-                  <a:schemeClr val="accent1"/>
-                </a:solidFill>
-              </a14:hiddenFill>
-            </a:ext>
-            <a:ext uri="{91240B29-F687-4F45-9708-019B960494DF}">
-              <a14:hiddenLine xmlns:a14="http://schemas.microsoft.com/office/drawing/2010/main" w="9525">
-                <a:solidFill>
-                  <a:schemeClr val="tx1"/>
-                </a:solidFill>
-                <a:miter lim="800000"/>
-                <a:headEnd/>
-                <a:tailEnd/>
-              </a14:hiddenLine>
-            </a:ext>
-          </a:extLst>
-        </p:spPr>
-      </p:pic>
-      <p:pic>
-        <p:nvPicPr>
-          <p:cNvPr id="15364" name="Picture 4"/>
           <p:cNvPicPr>
             <a:picLocks noChangeAspect="1" noChangeArrowheads="1"/>
           </p:cNvPicPr>
@@ -22164,8 +21774,8 @@
         </p:blipFill>
         <p:spPr bwMode="auto">
           <a:xfrm>
-            <a:off x="5341489" y="1167104"/>
-            <a:ext cx="2215274" cy="503471"/>
+            <a:off x="149997" y="713695"/>
+            <a:ext cx="5105400" cy="5219700"/>
           </a:xfrm>
           <a:prstGeom prst="rect">
             <a:avLst/>
@@ -22195,6 +21805,60 @@
           </a:extLst>
         </p:spPr>
       </p:pic>
+      <p:pic>
+        <p:nvPicPr>
+          <p:cNvPr id="15364" name="Picture 4"/>
+          <p:cNvPicPr>
+            <a:picLocks noChangeAspect="1" noChangeArrowheads="1"/>
+          </p:cNvPicPr>
+          <p:nvPr/>
+        </p:nvPicPr>
+        <p:blipFill>
+          <a:blip r:embed="rId3">
+            <a:extLst>
+              <a:ext uri="{28A0092B-C50C-407E-A947-70E740481C1C}">
+                <a14:useLocalDpi xmlns:a14="http://schemas.microsoft.com/office/drawing/2010/main" val="0"/>
+              </a:ext>
+            </a:extLst>
+          </a:blip>
+          <a:srcRect/>
+          <a:stretch>
+            <a:fillRect/>
+          </a:stretch>
+        </p:blipFill>
+        <p:spPr bwMode="auto">
+          <a:xfrm>
+            <a:off x="5341489" y="1167104"/>
+            <a:ext cx="2215274" cy="503471"/>
+          </a:xfrm>
+          <a:prstGeom prst="rect">
+            <a:avLst/>
+          </a:prstGeom>
+          <a:noFill/>
+          <a:ln>
+            <a:noFill/>
+          </a:ln>
+          <a:extLst>
+            <a:ext uri="{909E8E84-426E-40DD-AFC4-6F175D3DCCD1}">
+              <a14:hiddenFill xmlns:a14="http://schemas.microsoft.com/office/drawing/2010/main">
+                <a:solidFill>
+                  <a:schemeClr val="accent1"/>
+                </a:solidFill>
+              </a14:hiddenFill>
+            </a:ext>
+            <a:ext uri="{91240B29-F687-4F45-9708-019B960494DF}">
+              <a14:hiddenLine xmlns:a14="http://schemas.microsoft.com/office/drawing/2010/main" w="9525">
+                <a:solidFill>
+                  <a:schemeClr val="tx1"/>
+                </a:solidFill>
+                <a:miter lim="800000"/>
+                <a:headEnd/>
+                <a:tailEnd/>
+              </a14:hiddenLine>
+            </a:ext>
+          </a:extLst>
+        </p:spPr>
+      </p:pic>
       <p:sp>
         <p:nvSpPr>
           <p:cNvPr id="5" name="TextBox 4"/>
@@ -22323,11 +21987,6 @@
               </a:rPr>
               <a:t>调用者输入变量的范围！</a:t>
             </a:r>
-            <a:endParaRPr lang="zh-CN" altLang="en-US" sz="1600" b="1" dirty="0">
-              <a:solidFill>
-                <a:srgbClr val="FF0000"/>
-              </a:solidFill>
-            </a:endParaRPr>
           </a:p>
         </p:txBody>
       </p:sp>
@@ -22703,6 +22362,7 @@
           <a:p>
             <a:fld id="{0C913308-F349-4B6D-A68A-DD1791B4A57B}" type="slidenum">
               <a:rPr lang="zh-CN" altLang="en-US" smtClean="0"/>
+              <a:t>48</a:t>
             </a:fld>
             <a:endParaRPr lang="zh-CN" altLang="en-US" dirty="0"/>
           </a:p>
@@ -22711,136 +22371,6 @@
       <p:pic>
         <p:nvPicPr>
           <p:cNvPr id="16387" name="Picture 3"/>
-          <p:cNvPicPr>
-            <a:picLocks noChangeAspect="1" noChangeArrowheads="1"/>
-          </p:cNvPicPr>
-          <p:nvPr/>
-        </p:nvPicPr>
-        <p:blipFill>
-          <a:blip r:embed="rId1">
-            <a:extLst>
-              <a:ext uri="{28A0092B-C50C-407E-A947-70E740481C1C}">
-                <a14:useLocalDpi xmlns:a14="http://schemas.microsoft.com/office/drawing/2010/main" val="0"/>
-              </a:ext>
-            </a:extLst>
-          </a:blip>
-          <a:srcRect/>
-          <a:stretch>
-            <a:fillRect/>
-          </a:stretch>
-        </p:blipFill>
-        <p:spPr bwMode="auto">
-          <a:xfrm>
-            <a:off x="285477" y="652673"/>
-            <a:ext cx="3733800" cy="895350"/>
-          </a:xfrm>
-          <a:prstGeom prst="rect">
-            <a:avLst/>
-          </a:prstGeom>
-          <a:noFill/>
-          <a:ln>
-            <a:noFill/>
-          </a:ln>
-          <a:extLst>
-            <a:ext uri="{909E8E84-426E-40DD-AFC4-6F175D3DCCD1}">
-              <a14:hiddenFill xmlns:a14="http://schemas.microsoft.com/office/drawing/2010/main">
-                <a:solidFill>
-                  <a:schemeClr val="accent1"/>
-                </a:solidFill>
-              </a14:hiddenFill>
-            </a:ext>
-            <a:ext uri="{91240B29-F687-4F45-9708-019B960494DF}">
-              <a14:hiddenLine xmlns:a14="http://schemas.microsoft.com/office/drawing/2010/main" w="9525">
-                <a:solidFill>
-                  <a:schemeClr val="tx1"/>
-                </a:solidFill>
-                <a:miter lim="800000"/>
-                <a:headEnd/>
-                <a:tailEnd/>
-              </a14:hiddenLine>
-            </a:ext>
-          </a:extLst>
-        </p:spPr>
-      </p:pic>
-      <p:sp>
-        <p:nvSpPr>
-          <p:cNvPr id="8" name="TextBox 7"/>
-          <p:cNvSpPr txBox="1"/>
-          <p:nvPr/>
-        </p:nvSpPr>
-        <p:spPr>
-          <a:xfrm>
-            <a:off x="2593887" y="625359"/>
-            <a:ext cx="1425390" cy="338554"/>
-          </a:xfrm>
-          <a:prstGeom prst="rect">
-            <a:avLst/>
-          </a:prstGeom>
-          <a:noFill/>
-        </p:spPr>
-        <p:txBody>
-          <a:bodyPr wrap="none" rtlCol="0">
-            <a:spAutoFit/>
-          </a:bodyPr>
-          <a:lstStyle/>
-          <a:p>
-            <a:r>
-              <a:rPr lang="zh-CN" altLang="en-US" sz="1600" b="1" dirty="0">
-                <a:solidFill>
-                  <a:srgbClr val="FF0000"/>
-                </a:solidFill>
-              </a:rPr>
-              <a:t>定义枚举类型</a:t>
-            </a:r>
-            <a:endParaRPr lang="zh-CN" altLang="en-US" sz="1600" b="1" dirty="0">
-              <a:solidFill>
-                <a:srgbClr val="FF0000"/>
-              </a:solidFill>
-            </a:endParaRPr>
-          </a:p>
-        </p:txBody>
-      </p:sp>
-      <p:sp>
-        <p:nvSpPr>
-          <p:cNvPr id="9" name="TextBox 8"/>
-          <p:cNvSpPr txBox="1"/>
-          <p:nvPr/>
-        </p:nvSpPr>
-        <p:spPr>
-          <a:xfrm>
-            <a:off x="4427984" y="931071"/>
-            <a:ext cx="1838965" cy="338554"/>
-          </a:xfrm>
-          <a:prstGeom prst="rect">
-            <a:avLst/>
-          </a:prstGeom>
-          <a:noFill/>
-        </p:spPr>
-        <p:txBody>
-          <a:bodyPr wrap="none" rtlCol="0">
-            <a:spAutoFit/>
-          </a:bodyPr>
-          <a:lstStyle/>
-          <a:p>
-            <a:r>
-              <a:rPr lang="zh-CN" altLang="en-US" sz="1600" b="1" dirty="0">
-                <a:solidFill>
-                  <a:srgbClr val="FF0000"/>
-                </a:solidFill>
-              </a:rPr>
-              <a:t>声明枚举常量列表</a:t>
-            </a:r>
-            <a:endParaRPr lang="en-US" altLang="zh-CN" sz="1600" b="1" dirty="0">
-              <a:solidFill>
-                <a:srgbClr val="FF0000"/>
-              </a:solidFill>
-            </a:endParaRPr>
-          </a:p>
-        </p:txBody>
-      </p:sp>
-      <p:pic>
-        <p:nvPicPr>
-          <p:cNvPr id="16388" name="Picture 4"/>
           <p:cNvPicPr>
             <a:picLocks noChangeAspect="1" noChangeArrowheads="1"/>
           </p:cNvPicPr>
@@ -22861,8 +22391,8 @@
         </p:blipFill>
         <p:spPr bwMode="auto">
           <a:xfrm>
-            <a:off x="52700" y="1934425"/>
-            <a:ext cx="5082374" cy="4764726"/>
+            <a:off x="285477" y="652673"/>
+            <a:ext cx="3733800" cy="895350"/>
           </a:xfrm>
           <a:prstGeom prst="rect">
             <a:avLst/>
@@ -22894,14 +22424,14 @@
       </p:pic>
       <p:sp>
         <p:nvSpPr>
-          <p:cNvPr id="6" name="TextBox 5"/>
+          <p:cNvPr id="8" name="TextBox 7"/>
           <p:cNvSpPr txBox="1"/>
           <p:nvPr/>
         </p:nvSpPr>
         <p:spPr>
           <a:xfrm>
-            <a:off x="285476" y="1595871"/>
-            <a:ext cx="3826689" cy="338554"/>
+            <a:off x="2593887" y="625359"/>
+            <a:ext cx="1425390" cy="338554"/>
           </a:xfrm>
           <a:prstGeom prst="rect">
             <a:avLst/>
@@ -22915,31 +22445,26 @@
           <a:lstStyle/>
           <a:p>
             <a:r>
-              <a:rPr lang="en-US" altLang="zh-CN" sz="1600" b="1" dirty="0">
-                <a:solidFill>
-                  <a:srgbClr val="FF0000"/>
-                </a:solidFill>
-              </a:rPr>
-              <a:t>++++++++++++++++++++++++++++++++</a:t>
-            </a:r>
-            <a:endParaRPr lang="zh-CN" altLang="en-US" sz="1600" b="1" dirty="0">
-              <a:solidFill>
-                <a:srgbClr val="FF0000"/>
-              </a:solidFill>
-            </a:endParaRPr>
-          </a:p>
-        </p:txBody>
-      </p:sp>
-      <p:sp>
-        <p:nvSpPr>
-          <p:cNvPr id="7" name="TextBox 6"/>
+              <a:rPr lang="zh-CN" altLang="en-US" sz="1600" b="1" dirty="0">
+                <a:solidFill>
+                  <a:srgbClr val="FF0000"/>
+                </a:solidFill>
+              </a:rPr>
+              <a:t>定义枚举类型</a:t>
+            </a:r>
+          </a:p>
+        </p:txBody>
+      </p:sp>
+      <p:sp>
+        <p:nvSpPr>
+          <p:cNvPr id="9" name="TextBox 8"/>
           <p:cNvSpPr txBox="1"/>
           <p:nvPr/>
         </p:nvSpPr>
         <p:spPr>
           <a:xfrm>
-            <a:off x="5193728" y="1548023"/>
-            <a:ext cx="2459328" cy="830997"/>
+            <a:off x="4427984" y="931071"/>
+            <a:ext cx="1838965" cy="338554"/>
           </a:xfrm>
           <a:prstGeom prst="rect">
             <a:avLst/>
@@ -22958,7 +22483,7 @@
                   <a:srgbClr val="FF0000"/>
                 </a:solidFill>
               </a:rPr>
-              <a:t>创建基于</a:t>
+              <a:t>声明枚举常量列表</a:t>
             </a:r>
             <a:endParaRPr lang="en-US" altLang="zh-CN" sz="1600" b="1" dirty="0">
               <a:solidFill>
@@ -22966,41 +22491,11 @@
               </a:solidFill>
             </a:endParaRPr>
           </a:p>
-          <a:p>
-            <a:r>
-              <a:rPr lang="zh-CN" altLang="en-US" sz="1600" b="1" dirty="0">
-                <a:solidFill>
-                  <a:srgbClr val="FF0000"/>
-                </a:solidFill>
-              </a:rPr>
-              <a:t>枚举类型参数的实现方法</a:t>
-            </a:r>
-            <a:endParaRPr lang="en-US" altLang="zh-CN" sz="1600" b="1" dirty="0">
-              <a:solidFill>
-                <a:srgbClr val="FF0000"/>
-              </a:solidFill>
-            </a:endParaRPr>
-          </a:p>
-          <a:p>
-            <a:r>
-              <a:rPr lang="zh-CN" altLang="en-US" sz="1600" b="1" dirty="0">
-                <a:solidFill>
-                  <a:srgbClr val="FF0000"/>
-                </a:solidFill>
-              </a:rPr>
-              <a:t>强制限制输入值的范围</a:t>
-            </a:r>
-            <a:endParaRPr lang="en-US" altLang="zh-CN" sz="1600" b="1" dirty="0">
-              <a:solidFill>
-                <a:srgbClr val="FF0000"/>
-              </a:solidFill>
-            </a:endParaRPr>
-          </a:p>
         </p:txBody>
       </p:sp>
       <p:pic>
         <p:nvPicPr>
-          <p:cNvPr id="16389" name="Picture 5"/>
+          <p:cNvPr id="16388" name="Picture 4"/>
           <p:cNvPicPr>
             <a:picLocks noChangeAspect="1" noChangeArrowheads="1"/>
           </p:cNvPicPr>
@@ -23021,8 +22516,8 @@
         </p:blipFill>
         <p:spPr bwMode="auto">
           <a:xfrm>
-            <a:off x="4498620" y="4941168"/>
-            <a:ext cx="4264322" cy="884505"/>
+            <a:off x="52700" y="1934425"/>
+            <a:ext cx="5082374" cy="4764726"/>
           </a:xfrm>
           <a:prstGeom prst="rect">
             <a:avLst/>
@@ -23054,14 +22549,14 @@
       </p:pic>
       <p:sp>
         <p:nvSpPr>
-          <p:cNvPr id="10" name="TextBox 9"/>
+          <p:cNvPr id="6" name="TextBox 5"/>
           <p:cNvSpPr txBox="1"/>
           <p:nvPr/>
         </p:nvSpPr>
         <p:spPr>
           <a:xfrm>
-            <a:off x="4975321" y="4077072"/>
-            <a:ext cx="3079689" cy="584775"/>
+            <a:off x="285476" y="1595871"/>
+            <a:ext cx="3826689" cy="338554"/>
           </a:xfrm>
           <a:prstGeom prst="rect">
             <a:avLst/>
@@ -23075,12 +22570,50 @@
           <a:lstStyle/>
           <a:p>
             <a:r>
+              <a:rPr lang="en-US" altLang="zh-CN" sz="1600" b="1" dirty="0">
+                <a:solidFill>
+                  <a:srgbClr val="FF0000"/>
+                </a:solidFill>
+              </a:rPr>
+              <a:t>++++++++++++++++++++++++++++++++</a:t>
+            </a:r>
+            <a:endParaRPr lang="zh-CN" altLang="en-US" sz="1600" b="1" dirty="0">
+              <a:solidFill>
+                <a:srgbClr val="FF0000"/>
+              </a:solidFill>
+            </a:endParaRPr>
+          </a:p>
+        </p:txBody>
+      </p:sp>
+      <p:sp>
+        <p:nvSpPr>
+          <p:cNvPr id="7" name="TextBox 6"/>
+          <p:cNvSpPr txBox="1"/>
+          <p:nvPr/>
+        </p:nvSpPr>
+        <p:spPr>
+          <a:xfrm>
+            <a:off x="5193728" y="1548023"/>
+            <a:ext cx="2459328" cy="830997"/>
+          </a:xfrm>
+          <a:prstGeom prst="rect">
+            <a:avLst/>
+          </a:prstGeom>
+          <a:noFill/>
+        </p:spPr>
+        <p:txBody>
+          <a:bodyPr wrap="none" rtlCol="0">
+            <a:spAutoFit/>
+          </a:bodyPr>
+          <a:lstStyle/>
+          <a:p>
+            <a:r>
               <a:rPr lang="zh-CN" altLang="en-US" sz="1600" b="1" dirty="0">
                 <a:solidFill>
                   <a:srgbClr val="FF0000"/>
                 </a:solidFill>
               </a:rPr>
-              <a:t>试图传入非枚举常量列表中的值</a:t>
+              <a:t>创建基于</a:t>
             </a:r>
             <a:endParaRPr lang="en-US" altLang="zh-CN" sz="1600" b="1" dirty="0">
               <a:solidFill>
@@ -23095,13 +22628,130 @@
                   <a:srgbClr val="FF0000"/>
                 </a:solidFill>
               </a:rPr>
-              <a:t>无法编译</a:t>
-            </a:r>
-            <a:endParaRPr lang="zh-CN" altLang="en-US" sz="1600" b="1" dirty="0">
+              <a:t>枚举类型参数的实现方法</a:t>
+            </a:r>
+            <a:endParaRPr lang="en-US" altLang="zh-CN" sz="1600" b="1" dirty="0">
               <a:solidFill>
                 <a:srgbClr val="FF0000"/>
               </a:solidFill>
             </a:endParaRPr>
+          </a:p>
+          <a:p>
+            <a:r>
+              <a:rPr lang="zh-CN" altLang="en-US" sz="1600" b="1" dirty="0">
+                <a:solidFill>
+                  <a:srgbClr val="FF0000"/>
+                </a:solidFill>
+              </a:rPr>
+              <a:t>强制限制输入值的范围</a:t>
+            </a:r>
+            <a:endParaRPr lang="en-US" altLang="zh-CN" sz="1600" b="1" dirty="0">
+              <a:solidFill>
+                <a:srgbClr val="FF0000"/>
+              </a:solidFill>
+            </a:endParaRPr>
+          </a:p>
+        </p:txBody>
+      </p:sp>
+      <p:pic>
+        <p:nvPicPr>
+          <p:cNvPr id="16389" name="Picture 5"/>
+          <p:cNvPicPr>
+            <a:picLocks noChangeAspect="1" noChangeArrowheads="1"/>
+          </p:cNvPicPr>
+          <p:nvPr/>
+        </p:nvPicPr>
+        <p:blipFill>
+          <a:blip r:embed="rId4">
+            <a:extLst>
+              <a:ext uri="{28A0092B-C50C-407E-A947-70E740481C1C}">
+                <a14:useLocalDpi xmlns:a14="http://schemas.microsoft.com/office/drawing/2010/main" val="0"/>
+              </a:ext>
+            </a:extLst>
+          </a:blip>
+          <a:srcRect/>
+          <a:stretch>
+            <a:fillRect/>
+          </a:stretch>
+        </p:blipFill>
+        <p:spPr bwMode="auto">
+          <a:xfrm>
+            <a:off x="4498620" y="4941168"/>
+            <a:ext cx="4264322" cy="884505"/>
+          </a:xfrm>
+          <a:prstGeom prst="rect">
+            <a:avLst/>
+          </a:prstGeom>
+          <a:noFill/>
+          <a:ln>
+            <a:noFill/>
+          </a:ln>
+          <a:extLst>
+            <a:ext uri="{909E8E84-426E-40DD-AFC4-6F175D3DCCD1}">
+              <a14:hiddenFill xmlns:a14="http://schemas.microsoft.com/office/drawing/2010/main">
+                <a:solidFill>
+                  <a:schemeClr val="accent1"/>
+                </a:solidFill>
+              </a14:hiddenFill>
+            </a:ext>
+            <a:ext uri="{91240B29-F687-4F45-9708-019B960494DF}">
+              <a14:hiddenLine xmlns:a14="http://schemas.microsoft.com/office/drawing/2010/main" w="9525">
+                <a:solidFill>
+                  <a:schemeClr val="tx1"/>
+                </a:solidFill>
+                <a:miter lim="800000"/>
+                <a:headEnd/>
+                <a:tailEnd/>
+              </a14:hiddenLine>
+            </a:ext>
+          </a:extLst>
+        </p:spPr>
+      </p:pic>
+      <p:sp>
+        <p:nvSpPr>
+          <p:cNvPr id="10" name="TextBox 9"/>
+          <p:cNvSpPr txBox="1"/>
+          <p:nvPr/>
+        </p:nvSpPr>
+        <p:spPr>
+          <a:xfrm>
+            <a:off x="4975321" y="4077072"/>
+            <a:ext cx="3079689" cy="584775"/>
+          </a:xfrm>
+          <a:prstGeom prst="rect">
+            <a:avLst/>
+          </a:prstGeom>
+          <a:noFill/>
+        </p:spPr>
+        <p:txBody>
+          <a:bodyPr wrap="none" rtlCol="0">
+            <a:spAutoFit/>
+          </a:bodyPr>
+          <a:lstStyle/>
+          <a:p>
+            <a:r>
+              <a:rPr lang="zh-CN" altLang="en-US" sz="1600" b="1" dirty="0">
+                <a:solidFill>
+                  <a:srgbClr val="FF0000"/>
+                </a:solidFill>
+              </a:rPr>
+              <a:t>试图传入非枚举常量列表中的值</a:t>
+            </a:r>
+            <a:endParaRPr lang="en-US" altLang="zh-CN" sz="1600" b="1" dirty="0">
+              <a:solidFill>
+                <a:srgbClr val="FF0000"/>
+              </a:solidFill>
+            </a:endParaRPr>
+          </a:p>
+          <a:p>
+            <a:r>
+              <a:rPr lang="zh-CN" altLang="en-US" sz="1600" b="1" dirty="0">
+                <a:solidFill>
+                  <a:srgbClr val="FF0000"/>
+                </a:solidFill>
+              </a:rPr>
+              <a:t>无法编译</a:t>
+            </a:r>
           </a:p>
         </p:txBody>
       </p:sp>
@@ -23114,7 +22764,7 @@
           <p:nvPr/>
         </p:nvPicPr>
         <p:blipFill>
-          <a:blip r:embed="rId4">
+          <a:blip r:embed="rId5">
             <a:extLst>
               <a:ext uri="{28A0092B-C50C-407E-A947-70E740481C1C}">
                 <a14:useLocalDpi xmlns:a14="http://schemas.microsoft.com/office/drawing/2010/main" val="0"/>
@@ -23817,7 +23467,6 @@
               <a:rPr lang="zh-CN" altLang="en-US" dirty="0"/>
               <a:t>关键词调用同一类中的另一个构造函数</a:t>
             </a:r>
-            <a:endParaRPr lang="zh-CN" altLang="en-US" dirty="0"/>
           </a:p>
         </p:txBody>
       </p:sp>
@@ -23838,6 +23487,7 @@
           <a:p>
             <a:fld id="{0C913308-F349-4B6D-A68A-DD1791B4A57B}" type="slidenum">
               <a:rPr lang="zh-CN" altLang="en-US" smtClean="0"/>
+              <a:t>4</a:t>
             </a:fld>
             <a:endParaRPr lang="zh-CN" altLang="en-US" dirty="0"/>
           </a:p>
@@ -23852,7 +23502,7 @@
           <p:nvPr/>
         </p:nvPicPr>
         <p:blipFill>
-          <a:blip r:embed="rId1">
+          <a:blip r:embed="rId2">
             <a:extLst>
               <a:ext uri="{28A0092B-C50C-407E-A947-70E740481C1C}">
                 <a14:useLocalDpi xmlns:a14="http://schemas.microsoft.com/office/drawing/2010/main" val="0"/>
@@ -23963,11 +23613,6 @@
               </a:rPr>
               <a:t>调用其他构造函数</a:t>
             </a:r>
-            <a:endParaRPr lang="zh-CN" altLang="en-US" sz="1600" b="1" dirty="0">
-              <a:solidFill>
-                <a:srgbClr val="FF0000"/>
-              </a:solidFill>
-            </a:endParaRPr>
           </a:p>
         </p:txBody>
       </p:sp>
@@ -24030,7 +23675,6 @@
               <a:rPr lang="zh-CN" altLang="en-US" dirty="0"/>
               <a:t>基于内部类型，枚举，进一步优化基于常量的实现</a:t>
             </a:r>
-            <a:endParaRPr lang="zh-CN" altLang="en-US" dirty="0"/>
           </a:p>
         </p:txBody>
       </p:sp>
@@ -24051,6 +23695,7 @@
           <a:p>
             <a:fld id="{0C913308-F349-4B6D-A68A-DD1791B4A57B}" type="slidenum">
               <a:rPr lang="zh-CN" altLang="en-US" smtClean="0"/>
+              <a:t>49</a:t>
             </a:fld>
             <a:endParaRPr lang="zh-CN" altLang="en-US" dirty="0"/>
           </a:p>
@@ -24149,6 +23794,7 @@
           <a:p>
             <a:fld id="{0C913308-F349-4B6D-A68A-DD1791B4A57B}" type="slidenum">
               <a:rPr lang="zh-CN" altLang="en-US" smtClean="0"/>
+              <a:t>50</a:t>
             </a:fld>
             <a:endParaRPr lang="zh-CN" altLang="en-US" dirty="0"/>
           </a:p>
@@ -24423,7 +24069,6 @@
               <a:rPr lang="zh-CN" altLang="en-US" dirty="0"/>
               <a:t>等</a:t>
             </a:r>
-            <a:endParaRPr lang="zh-CN" altLang="en-US" dirty="0"/>
           </a:p>
         </p:txBody>
       </p:sp>
@@ -24444,6 +24089,7 @@
           <a:p>
             <a:fld id="{0C913308-F349-4B6D-A68A-DD1791B4A57B}" type="slidenum">
               <a:rPr lang="zh-CN" altLang="en-US" smtClean="0"/>
+              <a:t>51</a:t>
             </a:fld>
             <a:endParaRPr lang="zh-CN" altLang="en-US" dirty="0"/>
           </a:p>
@@ -24531,6 +24177,7 @@
           <a:p>
             <a:fld id="{0C913308-F349-4B6D-A68A-DD1791B4A57B}" type="slidenum">
               <a:rPr lang="zh-CN" altLang="en-US" smtClean="0"/>
+              <a:t>52</a:t>
             </a:fld>
             <a:endParaRPr lang="zh-CN" altLang="en-US" dirty="0"/>
           </a:p>
@@ -24545,7 +24192,7 @@
           <p:nvPr/>
         </p:nvPicPr>
         <p:blipFill>
-          <a:blip r:embed="rId1">
+          <a:blip r:embed="rId2">
             <a:extLst>
               <a:ext uri="{28A0092B-C50C-407E-A947-70E740481C1C}">
                 <a14:useLocalDpi xmlns:a14="http://schemas.microsoft.com/office/drawing/2010/main" val="0"/>
@@ -24644,6 +24291,7 @@
           <a:p>
             <a:fld id="{0C913308-F349-4B6D-A68A-DD1791B4A57B}" type="slidenum">
               <a:rPr lang="zh-CN" altLang="en-US" smtClean="0"/>
+              <a:t>53</a:t>
             </a:fld>
             <a:endParaRPr lang="zh-CN" altLang="en-US" dirty="0"/>
           </a:p>
@@ -24668,8 +24316,20 @@
                 <a:tableStyleId>{5C22544A-7EE6-4342-B048-85BDC9FD1C3A}</a:tableStyleId>
               </a:tblPr>
               <a:tblGrid>
-                <a:gridCol w="2160240"/>
-                <a:gridCol w="6336704"/>
+                <a:gridCol w="2160240">
+                  <a:extLst>
+                    <a:ext uri="{9D8B030D-6E8A-4147-A177-3AD203B41FA5}">
+                      <a16:colId xmlns:a16="http://schemas.microsoft.com/office/drawing/2014/main" val="20000"/>
+                    </a:ext>
+                  </a:extLst>
+                </a:gridCol>
+                <a:gridCol w="6336704">
+                  <a:extLst>
+                    <a:ext uri="{9D8B030D-6E8A-4147-A177-3AD203B41FA5}">
+                      <a16:colId xmlns:a16="http://schemas.microsoft.com/office/drawing/2014/main" val="20001"/>
+                    </a:ext>
+                  </a:extLst>
+                </a:gridCol>
               </a:tblGrid>
               <a:tr h="384043">
                 <a:tc>
@@ -24696,6 +24356,11 @@
                   </a:txBody>
                   <a:tcPr/>
                 </a:tc>
+                <a:extLst>
+                  <a:ext uri="{0D108BD9-81ED-4DB2-BD59-A6C34878D82A}">
+                    <a16:rowId xmlns:a16="http://schemas.microsoft.com/office/drawing/2014/main" val="10000"/>
+                  </a:ext>
+                </a:extLst>
               </a:tr>
               <a:tr h="384043">
                 <a:tc>
@@ -24707,7 +24372,6 @@
                         <a:rPr lang="zh-CN" altLang="en-US" dirty="0"/>
                         <a:t>类</a:t>
                       </a:r>
-                      <a:endParaRPr lang="zh-CN" altLang="en-US" dirty="0"/>
                     </a:p>
                   </a:txBody>
                   <a:tcPr/>
@@ -24721,11 +24385,15 @@
                         <a:rPr lang="zh-CN" altLang="en-US" dirty="0"/>
                         <a:t>面向对象中的类；声明，命名规范；单继承</a:t>
                       </a:r>
-                      <a:endParaRPr lang="zh-CN" altLang="en-US" dirty="0"/>
                     </a:p>
                   </a:txBody>
                   <a:tcPr/>
                 </a:tc>
+                <a:extLst>
+                  <a:ext uri="{0D108BD9-81ED-4DB2-BD59-A6C34878D82A}">
+                    <a16:rowId xmlns:a16="http://schemas.microsoft.com/office/drawing/2014/main" val="10001"/>
+                  </a:ext>
+                </a:extLst>
               </a:tr>
               <a:tr h="384043">
                 <a:tc>
@@ -24737,7 +24405,6 @@
                         <a:rPr lang="zh-CN" altLang="en-US" dirty="0"/>
                         <a:t>属性</a:t>
                       </a:r>
-                      <a:endParaRPr lang="zh-CN" altLang="en-US" dirty="0"/>
                     </a:p>
                   </a:txBody>
                   <a:tcPr/>
@@ -24775,11 +24442,15 @@
                         <a:rPr lang="zh-CN" altLang="en-US" dirty="0"/>
                         <a:t>方法命名</a:t>
                       </a:r>
-                      <a:endParaRPr lang="zh-CN" altLang="en-US" dirty="0"/>
                     </a:p>
                   </a:txBody>
                   <a:tcPr/>
                 </a:tc>
+                <a:extLst>
+                  <a:ext uri="{0D108BD9-81ED-4DB2-BD59-A6C34878D82A}">
+                    <a16:rowId xmlns:a16="http://schemas.microsoft.com/office/drawing/2014/main" val="10002"/>
+                  </a:ext>
+                </a:extLst>
               </a:tr>
               <a:tr h="384043">
                 <a:tc>
@@ -24791,7 +24462,6 @@
                         <a:rPr lang="zh-CN" altLang="en-US" dirty="0"/>
                         <a:t>方法</a:t>
                       </a:r>
-                      <a:endParaRPr lang="zh-CN" altLang="en-US" dirty="0"/>
                     </a:p>
                   </a:txBody>
                   <a:tcPr/>
@@ -24805,11 +24475,15 @@
                         <a:rPr lang="zh-CN" altLang="en-US" dirty="0"/>
                         <a:t>方法的名称规范；声明；参数列表；方法签名；方法重载；返回值；</a:t>
                       </a:r>
-                      <a:endParaRPr lang="zh-CN" altLang="en-US" dirty="0"/>
                     </a:p>
                   </a:txBody>
                   <a:tcPr/>
                 </a:tc>
+                <a:extLst>
+                  <a:ext uri="{0D108BD9-81ED-4DB2-BD59-A6C34878D82A}">
+                    <a16:rowId xmlns:a16="http://schemas.microsoft.com/office/drawing/2014/main" val="10003"/>
+                  </a:ext>
+                </a:extLst>
               </a:tr>
               <a:tr h="384043">
                 <a:tc>
@@ -24821,7 +24495,6 @@
                         <a:rPr lang="zh-CN" altLang="en-US" dirty="0"/>
                         <a:t>构造函数</a:t>
                       </a:r>
-                      <a:endParaRPr lang="zh-CN" altLang="en-US" dirty="0"/>
                     </a:p>
                   </a:txBody>
                   <a:tcPr/>
@@ -24843,11 +24516,15 @@
                         <a:rPr lang="zh-CN" altLang="en-US" dirty="0"/>
                         <a:t>无参；约束；</a:t>
                       </a:r>
-                      <a:endParaRPr lang="zh-CN" altLang="en-US" dirty="0"/>
                     </a:p>
                   </a:txBody>
                   <a:tcPr/>
                 </a:tc>
+                <a:extLst>
+                  <a:ext uri="{0D108BD9-81ED-4DB2-BD59-A6C34878D82A}">
+                    <a16:rowId xmlns:a16="http://schemas.microsoft.com/office/drawing/2014/main" val="10004"/>
+                  </a:ext>
+                </a:extLst>
               </a:tr>
               <a:tr h="384043">
                 <a:tc>
@@ -24859,7 +24536,6 @@
                         <a:rPr lang="zh-CN" altLang="en-US" dirty="0"/>
                         <a:t>参数</a:t>
                       </a:r>
-                      <a:endParaRPr lang="zh-CN" altLang="en-US" dirty="0"/>
                     </a:p>
                   </a:txBody>
                   <a:tcPr/>
@@ -24889,11 +24565,15 @@
                         <a:rPr lang="zh-CN" altLang="en-US" dirty="0"/>
                         <a:t>引用传递；</a:t>
                       </a:r>
-                      <a:endParaRPr lang="zh-CN" altLang="en-US" dirty="0"/>
                     </a:p>
                   </a:txBody>
                   <a:tcPr/>
                 </a:tc>
+                <a:extLst>
+                  <a:ext uri="{0D108BD9-81ED-4DB2-BD59-A6C34878D82A}">
+                    <a16:rowId xmlns:a16="http://schemas.microsoft.com/office/drawing/2014/main" val="10005"/>
+                  </a:ext>
+                </a:extLst>
               </a:tr>
               <a:tr h="384043">
                 <a:tc>
@@ -24905,7 +24585,6 @@
                         <a:rPr lang="zh-CN" altLang="en-US" dirty="0"/>
                         <a:t>对象</a:t>
                       </a:r>
-                      <a:endParaRPr lang="zh-CN" altLang="en-US" dirty="0"/>
                     </a:p>
                   </a:txBody>
                   <a:tcPr/>
@@ -24927,11 +24606,15 @@
                         <a:rPr lang="zh-CN" altLang="en-US" dirty="0"/>
                         <a:t>关键词</a:t>
                       </a:r>
-                      <a:endParaRPr lang="zh-CN" altLang="en-US" dirty="0"/>
                     </a:p>
                   </a:txBody>
                   <a:tcPr/>
                 </a:tc>
+                <a:extLst>
+                  <a:ext uri="{0D108BD9-81ED-4DB2-BD59-A6C34878D82A}">
+                    <a16:rowId xmlns:a16="http://schemas.microsoft.com/office/drawing/2014/main" val="10006"/>
+                  </a:ext>
+                </a:extLst>
               </a:tr>
               <a:tr h="384043">
                 <a:tc>
@@ -24943,7 +24626,6 @@
                         <a:rPr lang="zh-CN" altLang="en-US" dirty="0"/>
                         <a:t>垃圾回收器</a:t>
                       </a:r>
-                      <a:endParaRPr lang="zh-CN" altLang="en-US" dirty="0"/>
                     </a:p>
                   </a:txBody>
                   <a:tcPr/>
@@ -24961,11 +24643,15 @@
                         <a:rPr lang="zh-CN" altLang="en-US" dirty="0"/>
                         <a:t>平台处理对象的特点；对象资源释放的时机与时间</a:t>
                       </a:r>
-                      <a:endParaRPr lang="zh-CN" altLang="en-US" dirty="0"/>
                     </a:p>
                   </a:txBody>
                   <a:tcPr/>
                 </a:tc>
+                <a:extLst>
+                  <a:ext uri="{0D108BD9-81ED-4DB2-BD59-A6C34878D82A}">
+                    <a16:rowId xmlns:a16="http://schemas.microsoft.com/office/drawing/2014/main" val="10007"/>
+                  </a:ext>
+                </a:extLst>
               </a:tr>
               <a:tr h="384043">
                 <a:tc>
@@ -24977,7 +24663,6 @@
                         <a:rPr lang="zh-CN" altLang="en-US" dirty="0"/>
                         <a:t>访问级别修饰符</a:t>
                       </a:r>
-                      <a:endParaRPr lang="zh-CN" altLang="en-US" dirty="0"/>
                     </a:p>
                   </a:txBody>
                   <a:tcPr/>
@@ -24999,11 +24684,15 @@
                         <a:rPr lang="zh-CN" altLang="en-US" dirty="0"/>
                         <a:t>成员级修饰符；修饰目标的可见范围；</a:t>
                       </a:r>
-                      <a:endParaRPr lang="zh-CN" altLang="en-US" dirty="0"/>
                     </a:p>
                   </a:txBody>
                   <a:tcPr/>
                 </a:tc>
+                <a:extLst>
+                  <a:ext uri="{0D108BD9-81ED-4DB2-BD59-A6C34878D82A}">
+                    <a16:rowId xmlns:a16="http://schemas.microsoft.com/office/drawing/2014/main" val="10008"/>
+                  </a:ext>
+                </a:extLst>
               </a:tr>
               <a:tr h="384043">
                 <a:tc>
@@ -25015,7 +24704,6 @@
                         <a:rPr lang="zh-CN" altLang="en-US" dirty="0"/>
                         <a:t>静态变量</a:t>
                       </a:r>
-                      <a:endParaRPr lang="zh-CN" altLang="en-US" dirty="0"/>
                     </a:p>
                   </a:txBody>
                   <a:tcPr/>
@@ -25029,11 +24717,15 @@
                         <a:rPr lang="zh-CN" altLang="en-US" dirty="0"/>
                         <a:t>声明；使用场景；特点；与类实例的关系；使用方法；命名</a:t>
                       </a:r>
-                      <a:endParaRPr lang="zh-CN" altLang="en-US" dirty="0"/>
                     </a:p>
                   </a:txBody>
                   <a:tcPr/>
                 </a:tc>
+                <a:extLst>
+                  <a:ext uri="{0D108BD9-81ED-4DB2-BD59-A6C34878D82A}">
+                    <a16:rowId xmlns:a16="http://schemas.microsoft.com/office/drawing/2014/main" val="10009"/>
+                  </a:ext>
+                </a:extLst>
               </a:tr>
               <a:tr h="384043">
                 <a:tc>
@@ -25045,7 +24737,6 @@
                         <a:rPr lang="zh-CN" altLang="en-US" dirty="0"/>
                         <a:t>静态方法</a:t>
                       </a:r>
-                      <a:endParaRPr lang="zh-CN" altLang="en-US" dirty="0"/>
                     </a:p>
                   </a:txBody>
                   <a:tcPr/>
@@ -25067,11 +24758,15 @@
                         <a:rPr lang="zh-CN" altLang="en-US" dirty="0"/>
                         <a:t>方法的关系；</a:t>
                       </a:r>
-                      <a:endParaRPr lang="zh-CN" altLang="en-US" dirty="0"/>
                     </a:p>
                   </a:txBody>
                   <a:tcPr/>
                 </a:tc>
+                <a:extLst>
+                  <a:ext uri="{0D108BD9-81ED-4DB2-BD59-A6C34878D82A}">
+                    <a16:rowId xmlns:a16="http://schemas.microsoft.com/office/drawing/2014/main" val="10010"/>
+                  </a:ext>
+                </a:extLst>
               </a:tr>
               <a:tr h="384043">
                 <a:tc>
@@ -25083,7 +24778,6 @@
                         <a:rPr lang="zh-CN" altLang="en-US" dirty="0"/>
                         <a:t>常量</a:t>
                       </a:r>
-                      <a:endParaRPr lang="zh-CN" altLang="en-US" dirty="0"/>
                     </a:p>
                   </a:txBody>
                   <a:tcPr/>
@@ -25097,11 +24791,15 @@
                         <a:rPr lang="zh-CN" altLang="en-US" dirty="0"/>
                         <a:t>基本类型与引用类型常量各种的特点；命名；</a:t>
                       </a:r>
-                      <a:endParaRPr lang="zh-CN" altLang="en-US" dirty="0"/>
                     </a:p>
                   </a:txBody>
                   <a:tcPr/>
                 </a:tc>
+                <a:extLst>
+                  <a:ext uri="{0D108BD9-81ED-4DB2-BD59-A6C34878D82A}">
+                    <a16:rowId xmlns:a16="http://schemas.microsoft.com/office/drawing/2014/main" val="10011"/>
+                  </a:ext>
+                </a:extLst>
               </a:tr>
             </a:tbl>
           </a:graphicData>
@@ -25149,6 +24847,7 @@
           <a:p>
             <a:fld id="{0C913308-F349-4B6D-A68A-DD1791B4A57B}" type="slidenum">
               <a:rPr lang="zh-CN" altLang="en-US" smtClean="0"/>
+              <a:t>54</a:t>
             </a:fld>
             <a:endParaRPr lang="zh-CN" altLang="en-US" dirty="0"/>
           </a:p>
@@ -25173,8 +24872,20 @@
                 <a:tableStyleId>{5C22544A-7EE6-4342-B048-85BDC9FD1C3A}</a:tableStyleId>
               </a:tblPr>
               <a:tblGrid>
-                <a:gridCol w="2160240"/>
-                <a:gridCol w="6336704"/>
+                <a:gridCol w="2160240">
+                  <a:extLst>
+                    <a:ext uri="{9D8B030D-6E8A-4147-A177-3AD203B41FA5}">
+                      <a16:colId xmlns:a16="http://schemas.microsoft.com/office/drawing/2014/main" val="20000"/>
+                    </a:ext>
+                  </a:extLst>
+                </a:gridCol>
+                <a:gridCol w="6336704">
+                  <a:extLst>
+                    <a:ext uri="{9D8B030D-6E8A-4147-A177-3AD203B41FA5}">
+                      <a16:colId xmlns:a16="http://schemas.microsoft.com/office/drawing/2014/main" val="20001"/>
+                    </a:ext>
+                  </a:extLst>
+                </a:gridCol>
               </a:tblGrid>
               <a:tr h="384043">
                 <a:tc>
@@ -25201,6 +24912,11 @@
                   </a:txBody>
                   <a:tcPr/>
                 </a:tc>
+                <a:extLst>
+                  <a:ext uri="{0D108BD9-81ED-4DB2-BD59-A6C34878D82A}">
+                    <a16:rowId xmlns:a16="http://schemas.microsoft.com/office/drawing/2014/main" val="10000"/>
+                  </a:ext>
+                </a:extLst>
               </a:tr>
               <a:tr h="384043">
                 <a:tc>
@@ -25212,7 +24928,6 @@
                         <a:rPr lang="zh-CN" altLang="en-US" dirty="0"/>
                         <a:t>静态块</a:t>
                       </a:r>
-                      <a:endParaRPr lang="zh-CN" altLang="en-US" dirty="0"/>
                     </a:p>
                   </a:txBody>
                   <a:tcPr/>
@@ -25226,11 +24941,15 @@
                         <a:rPr lang="zh-CN" altLang="en-US" dirty="0"/>
                         <a:t>作用；加载；执行顺序</a:t>
                       </a:r>
-                      <a:endParaRPr lang="zh-CN" altLang="en-US" dirty="0"/>
                     </a:p>
                   </a:txBody>
                   <a:tcPr/>
                 </a:tc>
+                <a:extLst>
+                  <a:ext uri="{0D108BD9-81ED-4DB2-BD59-A6C34878D82A}">
+                    <a16:rowId xmlns:a16="http://schemas.microsoft.com/office/drawing/2014/main" val="10001"/>
+                  </a:ext>
+                </a:extLst>
               </a:tr>
               <a:tr h="384043">
                 <a:tc>
@@ -25242,7 +24961,6 @@
                         <a:rPr lang="zh-CN" altLang="en-US" dirty="0"/>
                         <a:t>静态内部类</a:t>
                       </a:r>
-                      <a:endParaRPr lang="zh-CN" altLang="en-US" dirty="0"/>
                     </a:p>
                   </a:txBody>
                   <a:tcPr/>
@@ -25256,11 +24974,15 @@
                         <a:rPr lang="zh-CN" altLang="en-US" dirty="0"/>
                         <a:t>声明创建方法；作用；使用场景</a:t>
                       </a:r>
-                      <a:endParaRPr lang="zh-CN" altLang="en-US" dirty="0"/>
                     </a:p>
                   </a:txBody>
                   <a:tcPr/>
                 </a:tc>
+                <a:extLst>
+                  <a:ext uri="{0D108BD9-81ED-4DB2-BD59-A6C34878D82A}">
+                    <a16:rowId xmlns:a16="http://schemas.microsoft.com/office/drawing/2014/main" val="10002"/>
+                  </a:ext>
+                </a:extLst>
               </a:tr>
               <a:tr h="384043">
                 <a:tc>
@@ -25272,7 +24994,6 @@
                         <a:rPr lang="zh-CN" altLang="en-US" dirty="0"/>
                         <a:t>枚举</a:t>
                       </a:r>
-                      <a:endParaRPr lang="zh-CN" altLang="en-US" dirty="0"/>
                     </a:p>
                   </a:txBody>
                   <a:tcPr/>
@@ -25286,11 +25007,15 @@
                         <a:rPr lang="zh-CN" altLang="en-US" dirty="0"/>
                         <a:t>声明；使用场景；</a:t>
                       </a:r>
-                      <a:endParaRPr lang="zh-CN" altLang="en-US" dirty="0"/>
                     </a:p>
                   </a:txBody>
                   <a:tcPr/>
                 </a:tc>
+                <a:extLst>
+                  <a:ext uri="{0D108BD9-81ED-4DB2-BD59-A6C34878D82A}">
+                    <a16:rowId xmlns:a16="http://schemas.microsoft.com/office/drawing/2014/main" val="10003"/>
+                  </a:ext>
+                </a:extLst>
               </a:tr>
             </a:tbl>
           </a:graphicData>
@@ -25373,7 +25098,6 @@
               <a:rPr lang="en-US" altLang="zh-CN" dirty="0"/>
               <a:t>: The variable declarations that associate a variable name with an object type.</a:t>
             </a:r>
-            <a:endParaRPr lang="en-US" altLang="zh-CN" dirty="0"/>
           </a:p>
           <a:p>
             <a:r>
@@ -25388,7 +25112,6 @@
               <a:rPr lang="en-US" altLang="zh-CN" dirty="0"/>
               <a:t>: The new keyword is a Java operator that creates the object.</a:t>
             </a:r>
-            <a:endParaRPr lang="en-US" altLang="zh-CN" dirty="0"/>
           </a:p>
           <a:p>
             <a:r>
@@ -25403,7 +25126,6 @@
               <a:rPr lang="en-US" altLang="zh-CN" dirty="0"/>
               <a:t>: The new operator is followed by a call to a constructor, which initializes the new object.</a:t>
             </a:r>
-            <a:endParaRPr lang="en-US" altLang="zh-CN" dirty="0"/>
           </a:p>
           <a:p>
             <a:r>
@@ -25455,6 +25177,7 @@
           <a:p>
             <a:fld id="{0C913308-F349-4B6D-A68A-DD1791B4A57B}" type="slidenum">
               <a:rPr lang="zh-CN" altLang="en-US" smtClean="0"/>
+              <a:t>5</a:t>
             </a:fld>
             <a:endParaRPr lang="zh-CN" altLang="en-US" dirty="0"/>
           </a:p>
@@ -25509,14 +25232,12 @@
               <a:rPr lang="en-US" altLang="zh-CN" dirty="0"/>
               <a:t>Declaring a Variable to Refer to an Object. </a:t>
             </a:r>
-            <a:endParaRPr lang="en-US" altLang="zh-CN" dirty="0"/>
           </a:p>
           <a:p>
             <a:r>
               <a:rPr lang="en-US" altLang="zh-CN" dirty="0"/>
               <a:t>This notifies the compiler that you will use name to refer to data whose type is type.</a:t>
             </a:r>
-            <a:endParaRPr lang="en-US" altLang="zh-CN" dirty="0"/>
           </a:p>
           <a:p>
             <a:pPr marL="0" indent="0">
@@ -25545,7 +25266,6 @@
               <a:rPr lang="zh-CN" altLang="en-US" dirty="0"/>
               <a:t>类型对象的变量。仅声明了一个可以引用指定类型对象的变量，声明并不会创建一个对象，必须为其分配一个对象地址才能使用</a:t>
             </a:r>
-            <a:endParaRPr lang="zh-CN" altLang="en-US" dirty="0"/>
           </a:p>
         </p:txBody>
       </p:sp>
@@ -25566,6 +25286,7 @@
           <a:p>
             <a:fld id="{0C913308-F349-4B6D-A68A-DD1791B4A57B}" type="slidenum">
               <a:rPr lang="zh-CN" altLang="en-US" smtClean="0"/>
+              <a:t>6</a:t>
             </a:fld>
             <a:endParaRPr lang="zh-CN" altLang="en-US" dirty="0"/>
           </a:p>
@@ -25612,60 +25333,6 @@
       <p:pic>
         <p:nvPicPr>
           <p:cNvPr id="13314" name="Picture 2"/>
-          <p:cNvPicPr>
-            <a:picLocks noChangeAspect="1" noChangeArrowheads="1"/>
-          </p:cNvPicPr>
-          <p:nvPr/>
-        </p:nvPicPr>
-        <p:blipFill>
-          <a:blip r:embed="rId1">
-            <a:extLst>
-              <a:ext uri="{28A0092B-C50C-407E-A947-70E740481C1C}">
-                <a14:useLocalDpi xmlns:a14="http://schemas.microsoft.com/office/drawing/2010/main" val="0"/>
-              </a:ext>
-            </a:extLst>
-          </a:blip>
-          <a:srcRect/>
-          <a:stretch>
-            <a:fillRect/>
-          </a:stretch>
-        </p:blipFill>
-        <p:spPr bwMode="auto">
-          <a:xfrm>
-            <a:off x="3019953" y="3397826"/>
-            <a:ext cx="2952051" cy="523751"/>
-          </a:xfrm>
-          <a:prstGeom prst="rect">
-            <a:avLst/>
-          </a:prstGeom>
-          <a:noFill/>
-          <a:ln>
-            <a:noFill/>
-          </a:ln>
-          <a:extLst>
-            <a:ext uri="{909E8E84-426E-40DD-AFC4-6F175D3DCCD1}">
-              <a14:hiddenFill xmlns:a14="http://schemas.microsoft.com/office/drawing/2010/main">
-                <a:solidFill>
-                  <a:schemeClr val="accent1"/>
-                </a:solidFill>
-              </a14:hiddenFill>
-            </a:ext>
-            <a:ext uri="{91240B29-F687-4F45-9708-019B960494DF}">
-              <a14:hiddenLine xmlns:a14="http://schemas.microsoft.com/office/drawing/2010/main" w="9525">
-                <a:solidFill>
-                  <a:schemeClr val="tx1"/>
-                </a:solidFill>
-                <a:miter lim="800000"/>
-                <a:headEnd/>
-                <a:tailEnd/>
-              </a14:hiddenLine>
-            </a:ext>
-          </a:extLst>
-        </p:spPr>
-      </p:pic>
-      <p:pic>
-        <p:nvPicPr>
-          <p:cNvPr id="13315" name="Picture 3"/>
           <p:cNvPicPr>
             <a:picLocks noChangeAspect="1" noChangeArrowheads="1"/>
           </p:cNvPicPr>
@@ -25686,8 +25353,8 @@
         </p:blipFill>
         <p:spPr bwMode="auto">
           <a:xfrm>
-            <a:off x="0" y="4077072"/>
-            <a:ext cx="4604148" cy="720080"/>
+            <a:off x="3019953" y="3397826"/>
+            <a:ext cx="2952051" cy="523751"/>
           </a:xfrm>
           <a:prstGeom prst="rect">
             <a:avLst/>
@@ -25719,7 +25386,7 @@
       </p:pic>
       <p:pic>
         <p:nvPicPr>
-          <p:cNvPr id="13316" name="Picture 4"/>
+          <p:cNvPr id="13315" name="Picture 3"/>
           <p:cNvPicPr>
             <a:picLocks noChangeAspect="1" noChangeArrowheads="1"/>
           </p:cNvPicPr>
@@ -25740,8 +25407,8 @@
         </p:blipFill>
         <p:spPr bwMode="auto">
           <a:xfrm>
-            <a:off x="2555776" y="5229200"/>
-            <a:ext cx="5962650" cy="638175"/>
+            <a:off x="0" y="4077072"/>
+            <a:ext cx="4604148" cy="720080"/>
           </a:xfrm>
           <a:prstGeom prst="rect">
             <a:avLst/>
@@ -25771,6 +25438,60 @@
           </a:extLst>
         </p:spPr>
       </p:pic>
+      <p:pic>
+        <p:nvPicPr>
+          <p:cNvPr id="13316" name="Picture 4"/>
+          <p:cNvPicPr>
+            <a:picLocks noChangeAspect="1" noChangeArrowheads="1"/>
+          </p:cNvPicPr>
+          <p:nvPr/>
+        </p:nvPicPr>
+        <p:blipFill>
+          <a:blip r:embed="rId4">
+            <a:extLst>
+              <a:ext uri="{28A0092B-C50C-407E-A947-70E740481C1C}">
+                <a14:useLocalDpi xmlns:a14="http://schemas.microsoft.com/office/drawing/2010/main" val="0"/>
+              </a:ext>
+            </a:extLst>
+          </a:blip>
+          <a:srcRect/>
+          <a:stretch>
+            <a:fillRect/>
+          </a:stretch>
+        </p:blipFill>
+        <p:spPr bwMode="auto">
+          <a:xfrm>
+            <a:off x="2555776" y="5229200"/>
+            <a:ext cx="5962650" cy="638175"/>
+          </a:xfrm>
+          <a:prstGeom prst="rect">
+            <a:avLst/>
+          </a:prstGeom>
+          <a:noFill/>
+          <a:ln>
+            <a:noFill/>
+          </a:ln>
+          <a:extLst>
+            <a:ext uri="{909E8E84-426E-40DD-AFC4-6F175D3DCCD1}">
+              <a14:hiddenFill xmlns:a14="http://schemas.microsoft.com/office/drawing/2010/main">
+                <a:solidFill>
+                  <a:schemeClr val="accent1"/>
+                </a:solidFill>
+              </a14:hiddenFill>
+            </a:ext>
+            <a:ext uri="{91240B29-F687-4F45-9708-019B960494DF}">
+              <a14:hiddenLine xmlns:a14="http://schemas.microsoft.com/office/drawing/2010/main" w="9525">
+                <a:solidFill>
+                  <a:schemeClr val="tx1"/>
+                </a:solidFill>
+                <a:miter lim="800000"/>
+                <a:headEnd/>
+                <a:tailEnd/>
+              </a14:hiddenLine>
+            </a:ext>
+          </a:extLst>
+        </p:spPr>
+      </p:pic>
       <p:sp>
         <p:nvSpPr>
           <p:cNvPr id="15" name="TextBox 14"/>
@@ -25801,11 +25522,6 @@
               </a:rPr>
               <a:t>声明了一个引用为空的变量</a:t>
             </a:r>
-            <a:endParaRPr lang="zh-CN" altLang="en-US" sz="1600" b="1" dirty="0">
-              <a:solidFill>
-                <a:srgbClr val="FF0000"/>
-              </a:solidFill>
-            </a:endParaRPr>
           </a:p>
         </p:txBody>
       </p:sp>
@@ -25869,11 +25585,6 @@
               </a:rPr>
               <a:t>抛出著名的空指针异常</a:t>
             </a:r>
-            <a:endParaRPr lang="zh-CN" altLang="en-US" sz="1600" b="1" dirty="0">
-              <a:solidFill>
-                <a:srgbClr val="FF0000"/>
-              </a:solidFill>
-            </a:endParaRPr>
           </a:p>
         </p:txBody>
       </p:sp>
@@ -25998,14 +25709,12 @@
               <a:rPr lang="en-US" altLang="zh-CN" dirty="0"/>
               <a:t>Instantiating a Class</a:t>
             </a:r>
-            <a:endParaRPr lang="en-US" altLang="zh-CN" dirty="0"/>
           </a:p>
           <a:p>
             <a:r>
               <a:rPr lang="en-US" altLang="zh-CN" dirty="0"/>
               <a:t>The new operator instantiates a class by allocating memory for a new object and returning a reference to that memory.</a:t>
             </a:r>
-            <a:endParaRPr lang="en-US" altLang="zh-CN" dirty="0"/>
           </a:p>
           <a:p>
             <a:r>
@@ -26020,7 +25729,6 @@
               <a:rPr lang="zh-CN" altLang="en-US" dirty="0"/>
               <a:t>操作符为对象分配内存，并返回该对象的内存地址给变量</a:t>
             </a:r>
-            <a:endParaRPr lang="zh-CN" altLang="en-US" dirty="0"/>
           </a:p>
         </p:txBody>
       </p:sp>
@@ -26041,6 +25749,7 @@
           <a:p>
             <a:fld id="{0C913308-F349-4B6D-A68A-DD1791B4A57B}" type="slidenum">
               <a:rPr lang="zh-CN" altLang="en-US" smtClean="0"/>
+              <a:t>7</a:t>
             </a:fld>
             <a:endParaRPr lang="zh-CN" altLang="en-US" dirty="0"/>
           </a:p>
@@ -26099,11 +25808,6 @@
               </a:rPr>
               <a:t>并将内存地址返回给变量</a:t>
             </a:r>
-            <a:endParaRPr lang="zh-CN" altLang="en-US" sz="1600" b="1" dirty="0">
-              <a:solidFill>
-                <a:srgbClr val="FF0000"/>
-              </a:solidFill>
-            </a:endParaRPr>
           </a:p>
         </p:txBody>
       </p:sp>
@@ -26116,7 +25820,7 @@
           <p:nvPr/>
         </p:nvPicPr>
         <p:blipFill>
-          <a:blip r:embed="rId1">
+          <a:blip r:embed="rId2">
             <a:extLst>
               <a:ext uri="{28A0092B-C50C-407E-A947-70E740481C1C}">
                 <a14:useLocalDpi xmlns:a14="http://schemas.microsoft.com/office/drawing/2010/main" val="0"/>
@@ -26210,14 +25914,12 @@
               <a:rPr lang="en-US" altLang="zh-CN" dirty="0"/>
               <a:t>Initializing an Object</a:t>
             </a:r>
-            <a:endParaRPr lang="en-US" altLang="zh-CN" dirty="0"/>
           </a:p>
           <a:p>
             <a:r>
               <a:rPr lang="en-US" altLang="zh-CN" dirty="0"/>
               <a:t>The new operator also invokes the object constructor.</a:t>
             </a:r>
-            <a:endParaRPr lang="en-US" altLang="zh-CN" dirty="0"/>
           </a:p>
           <a:p>
             <a:r>
@@ -26256,6 +25958,7 @@
           <a:p>
             <a:fld id="{0C913308-F349-4B6D-A68A-DD1791B4A57B}" type="slidenum">
               <a:rPr lang="zh-CN" altLang="en-US" smtClean="0"/>
+              <a:t>8</a:t>
             </a:fld>
             <a:endParaRPr lang="zh-CN" altLang="en-US" dirty="0"/>
           </a:p>
@@ -26321,6 +26024,55 @@
               </a:rPr>
               <a:t>并将初始化数据写入内存</a:t>
             </a:r>
+          </a:p>
+        </p:txBody>
+      </p:sp>
+      <p:sp>
+        <p:nvSpPr>
+          <p:cNvPr id="7" name="TextBox 6"/>
+          <p:cNvSpPr txBox="1"/>
+          <p:nvPr/>
+        </p:nvSpPr>
+        <p:spPr>
+          <a:xfrm>
+            <a:off x="1838325" y="3655241"/>
+            <a:ext cx="4157998" cy="338554"/>
+          </a:xfrm>
+          <a:prstGeom prst="rect">
+            <a:avLst/>
+          </a:prstGeom>
+          <a:noFill/>
+        </p:spPr>
+        <p:txBody>
+          <a:bodyPr wrap="none" rtlCol="0">
+            <a:spAutoFit/>
+          </a:bodyPr>
+          <a:lstStyle/>
+          <a:p>
+            <a:r>
+              <a:rPr lang="en-US" altLang="zh-CN" sz="1600" b="1" dirty="0">
+                <a:solidFill>
+                  <a:srgbClr val="FF0000"/>
+                </a:solidFill>
+              </a:rPr>
+              <a:t>creating an object</a:t>
+            </a:r>
+            <a:r>
+              <a:rPr lang="zh-CN" altLang="en-US" sz="1600" b="1" dirty="0">
+                <a:solidFill>
+                  <a:srgbClr val="FF0000"/>
+                </a:solidFill>
+              </a:rPr>
+              <a:t> </a:t>
+            </a:r>
+            <a:r>
+              <a:rPr lang="en-US" altLang="zh-CN" sz="1600" b="1" dirty="0">
+                <a:solidFill>
+                  <a:srgbClr val="FF0000"/>
+                </a:solidFill>
+              </a:rPr>
+              <a:t>== instantiating a class</a:t>
+            </a:r>
             <a:endParaRPr lang="zh-CN" altLang="en-US" sz="1600" b="1" dirty="0">
               <a:solidFill>
                 <a:srgbClr val="FF0000"/>
@@ -26331,14 +26083,14 @@
       </p:sp>
       <p:sp>
         <p:nvSpPr>
-          <p:cNvPr id="7" name="TextBox 6"/>
+          <p:cNvPr id="8" name="TextBox 7"/>
           <p:cNvSpPr txBox="1"/>
           <p:nvPr/>
         </p:nvSpPr>
         <p:spPr>
           <a:xfrm>
-            <a:off x="1838325" y="3655241"/>
-            <a:ext cx="4157998" cy="338554"/>
+            <a:off x="1531318" y="4159297"/>
+            <a:ext cx="5354351" cy="338554"/>
           </a:xfrm>
           <a:prstGeom prst="rect">
             <a:avLst/>
@@ -26352,72 +26104,13 @@
           <a:lstStyle/>
           <a:p>
             <a:r>
-              <a:rPr lang="en-US" altLang="zh-CN" sz="1600" b="1" dirty="0">
-                <a:solidFill>
-                  <a:srgbClr val="FF0000"/>
-                </a:solidFill>
-              </a:rPr>
-              <a:t>creating an object</a:t>
-            </a:r>
-            <a:r>
               <a:rPr lang="zh-CN" altLang="en-US" sz="1600" b="1" dirty="0">
                 <a:solidFill>
                   <a:srgbClr val="FF0000"/>
                 </a:solidFill>
               </a:rPr>
-              <a:t> </a:t>
-            </a:r>
-            <a:r>
-              <a:rPr lang="en-US" altLang="zh-CN" sz="1600" b="1" dirty="0">
-                <a:solidFill>
-                  <a:srgbClr val="FF0000"/>
-                </a:solidFill>
-              </a:rPr>
-              <a:t>== instantiating a class</a:t>
-            </a:r>
-            <a:endParaRPr lang="zh-CN" altLang="en-US" sz="1600" b="1" dirty="0">
-              <a:solidFill>
-                <a:srgbClr val="FF0000"/>
-              </a:solidFill>
-            </a:endParaRPr>
-          </a:p>
-        </p:txBody>
-      </p:sp>
-      <p:sp>
-        <p:nvSpPr>
-          <p:cNvPr id="8" name="TextBox 7"/>
-          <p:cNvSpPr txBox="1"/>
-          <p:nvPr/>
-        </p:nvSpPr>
-        <p:spPr>
-          <a:xfrm>
-            <a:off x="1531318" y="4159297"/>
-            <a:ext cx="5354351" cy="338554"/>
-          </a:xfrm>
-          <a:prstGeom prst="rect">
-            <a:avLst/>
-          </a:prstGeom>
-          <a:noFill/>
-        </p:spPr>
-        <p:txBody>
-          <a:bodyPr wrap="none" rtlCol="0">
-            <a:spAutoFit/>
-          </a:bodyPr>
-          <a:lstStyle/>
-          <a:p>
-            <a:r>
-              <a:rPr lang="zh-CN" altLang="en-US" sz="1600" b="1" dirty="0">
-                <a:solidFill>
-                  <a:srgbClr val="FF0000"/>
-                </a:solidFill>
-              </a:rPr>
               <a:t>创建一个对象，就是创建一个类的实例，即实例化一个类</a:t>
             </a:r>
-            <a:endParaRPr lang="zh-CN" altLang="en-US" sz="1600" b="1" dirty="0">
-              <a:solidFill>
-                <a:srgbClr val="FF0000"/>
-              </a:solidFill>
-            </a:endParaRPr>
           </a:p>
         </p:txBody>
       </p:sp>
@@ -26430,7 +26123,7 @@
           <p:nvPr/>
         </p:nvPicPr>
         <p:blipFill>
-          <a:blip r:embed="rId1">
+          <a:blip r:embed="rId2">
             <a:extLst>
               <a:ext uri="{28A0092B-C50C-407E-A947-70E740481C1C}">
                 <a14:useLocalDpi xmlns:a14="http://schemas.microsoft.com/office/drawing/2010/main" val="0"/>
@@ -26849,6 +26542,7 @@
       </a:lstStyle>
     </a:txDef>
   </a:objectDefaults>
+  <a:extraClrSchemeLst/>
   <a:extLst>
     <a:ext uri="{05A4C25C-085E-4340-85A3-A5531E510DB2}">
       <thm15:themeFamily xmlns:thm15="http://schemas.microsoft.com/office/thememl/2012/main" name="Office Theme" id="{62F939B6-93AF-4DB8-9C6B-D6C7DFDC589F}" vid="{4A3C46E8-61CC-4603-A589-7422A47A8E4A}"/>
@@ -27137,6 +26831,8 @@
       </a:bgFillStyleLst>
     </a:fmtScheme>
   </a:themeElements>
+  <a:objectDefaults/>
+  <a:extraClrSchemeLst/>
   <a:extLst>
     <a:ext uri="{05A4C25C-085E-4340-85A3-A5531E510DB2}">
       <thm15:themeFamily xmlns:thm15="http://schemas.microsoft.com/office/thememl/2012/main" name="Office Theme" id="{62F939B6-93AF-4DB8-9C6B-D6C7DFDC589F}" vid="{4A3C46E8-61CC-4603-A589-7422A47A8E4A}"/>
